--- a/doc/Architecture.pptx
+++ b/doc/Architecture.pptx
@@ -6,6 +6,8 @@
   </p:sldMasterIdLst>
   <p:sldIdLst>
     <p:sldId id="256" r:id="rId2"/>
+    <p:sldId id="257" r:id="rId3"/>
+    <p:sldId id="258" r:id="rId4"/>
   </p:sldIdLst>
   <p:sldSz cx="12192000" cy="6858000"/>
   <p:notesSz cx="6858000" cy="9144000"/>
@@ -104,6 +106,11 @@
       </a:defRPr>
     </a:lvl9pPr>
   </p:defaultTextStyle>
+  <p:extLst>
+    <p:ext uri="{EFAFB233-063F-42B5-8137-9DF3F51BA10A}">
+      <p15:sldGuideLst xmlns:p15="http://schemas.microsoft.com/office/powerpoint/2012/main"/>
+    </p:ext>
+  </p:extLst>
 </p:presentation>
 </file>
 
@@ -4431,6 +4438,2756 @@
 </p:sld>
 </file>
 
+<file path=ppt/slides/slide2.xml><?xml version="1.0" encoding="utf-8"?>
+<p:sld xmlns:a="http://schemas.openxmlformats.org/drawingml/2006/main" xmlns:r="http://schemas.openxmlformats.org/officeDocument/2006/relationships" xmlns:p="http://schemas.openxmlformats.org/presentationml/2006/main">
+  <p:cSld>
+    <p:spTree>
+      <p:nvGrpSpPr>
+        <p:cNvPr id="1" name=""/>
+        <p:cNvGrpSpPr/>
+        <p:nvPr/>
+      </p:nvGrpSpPr>
+      <p:grpSpPr>
+        <a:xfrm>
+          <a:off x="0" y="0"/>
+          <a:ext cx="0" cy="0"/>
+          <a:chOff x="0" y="0"/>
+          <a:chExt cx="0" cy="0"/>
+        </a:xfrm>
+      </p:grpSpPr>
+      <p:sp>
+        <p:nvSpPr>
+          <p:cNvPr id="2" name="タイトル 1">
+            <a:extLst>
+              <a:ext uri="{FF2B5EF4-FFF2-40B4-BE49-F238E27FC236}">
+                <a16:creationId xmlns:a16="http://schemas.microsoft.com/office/drawing/2014/main" id="{00F86F8E-7693-4687-8E94-DD323C3A74AC}"/>
+              </a:ext>
+            </a:extLst>
+          </p:cNvPr>
+          <p:cNvSpPr>
+            <a:spLocks noGrp="1"/>
+          </p:cNvSpPr>
+          <p:nvPr>
+            <p:ph type="title"/>
+          </p:nvPr>
+        </p:nvSpPr>
+        <p:spPr/>
+        <p:txBody>
+          <a:bodyPr/>
+          <a:lstStyle/>
+          <a:p>
+            <a:r>
+              <a:rPr kumimoji="1" lang="ja-JP" altLang="en-US" dirty="0"/>
+              <a:t>画面</a:t>
+            </a:r>
+          </a:p>
+        </p:txBody>
+      </p:sp>
+      <p:sp>
+        <p:nvSpPr>
+          <p:cNvPr id="4" name="正方形/長方形 3">
+            <a:extLst>
+              <a:ext uri="{FF2B5EF4-FFF2-40B4-BE49-F238E27FC236}">
+                <a16:creationId xmlns:a16="http://schemas.microsoft.com/office/drawing/2014/main" id="{E696E59A-EAA2-45BE-813C-35D7BA49EE80}"/>
+              </a:ext>
+            </a:extLst>
+          </p:cNvPr>
+          <p:cNvSpPr/>
+          <p:nvPr/>
+        </p:nvSpPr>
+        <p:spPr>
+          <a:xfrm>
+            <a:off x="1342239" y="1690688"/>
+            <a:ext cx="7642370" cy="4701723"/>
+          </a:xfrm>
+          <a:prstGeom prst="rect">
+            <a:avLst/>
+          </a:prstGeom>
+          <a:noFill/>
+          <a:ln>
+            <a:solidFill>
+              <a:schemeClr val="tx1"/>
+            </a:solidFill>
+          </a:ln>
+        </p:spPr>
+        <p:style>
+          <a:lnRef idx="2">
+            <a:schemeClr val="accent1">
+              <a:shade val="50000"/>
+            </a:schemeClr>
+          </a:lnRef>
+          <a:fillRef idx="1">
+            <a:schemeClr val="accent1"/>
+          </a:fillRef>
+          <a:effectRef idx="0">
+            <a:schemeClr val="accent1"/>
+          </a:effectRef>
+          <a:fontRef idx="minor">
+            <a:schemeClr val="lt1"/>
+          </a:fontRef>
+        </p:style>
+        <p:txBody>
+          <a:bodyPr rtlCol="0" anchor="ctr"/>
+          <a:lstStyle/>
+          <a:p>
+            <a:pPr algn="ctr"/>
+            <a:endParaRPr kumimoji="1" lang="ja-JP" altLang="en-US"/>
+          </a:p>
+        </p:txBody>
+      </p:sp>
+      <p:sp>
+        <p:nvSpPr>
+          <p:cNvPr id="5" name="正方形/長方形 4">
+            <a:extLst>
+              <a:ext uri="{FF2B5EF4-FFF2-40B4-BE49-F238E27FC236}">
+                <a16:creationId xmlns:a16="http://schemas.microsoft.com/office/drawing/2014/main" id="{0BD51452-DFC5-4339-83A9-114834A486A2}"/>
+              </a:ext>
+            </a:extLst>
+          </p:cNvPr>
+          <p:cNvSpPr/>
+          <p:nvPr/>
+        </p:nvSpPr>
+        <p:spPr>
+          <a:xfrm>
+            <a:off x="1503027" y="1833887"/>
+            <a:ext cx="2698459" cy="841389"/>
+          </a:xfrm>
+          <a:prstGeom prst="rect">
+            <a:avLst/>
+          </a:prstGeom>
+          <a:noFill/>
+          <a:ln>
+            <a:solidFill>
+              <a:schemeClr val="tx1"/>
+            </a:solidFill>
+          </a:ln>
+        </p:spPr>
+        <p:style>
+          <a:lnRef idx="2">
+            <a:schemeClr val="accent1">
+              <a:shade val="50000"/>
+            </a:schemeClr>
+          </a:lnRef>
+          <a:fillRef idx="1">
+            <a:schemeClr val="accent1"/>
+          </a:fillRef>
+          <a:effectRef idx="0">
+            <a:schemeClr val="accent1"/>
+          </a:effectRef>
+          <a:fontRef idx="minor">
+            <a:schemeClr val="lt1"/>
+          </a:fontRef>
+        </p:style>
+        <p:txBody>
+          <a:bodyPr rtlCol="0" anchor="ctr"/>
+          <a:lstStyle/>
+          <a:p>
+            <a:pPr algn="ctr"/>
+            <a:endParaRPr kumimoji="1" lang="ja-JP" altLang="en-US"/>
+          </a:p>
+        </p:txBody>
+      </p:sp>
+      <p:sp>
+        <p:nvSpPr>
+          <p:cNvPr id="6" name="テキスト ボックス 5">
+            <a:extLst>
+              <a:ext uri="{FF2B5EF4-FFF2-40B4-BE49-F238E27FC236}">
+                <a16:creationId xmlns:a16="http://schemas.microsoft.com/office/drawing/2014/main" id="{E077ED25-4C7B-4063-8D9F-A6339419C37C}"/>
+              </a:ext>
+            </a:extLst>
+          </p:cNvPr>
+          <p:cNvSpPr txBox="1"/>
+          <p:nvPr/>
+        </p:nvSpPr>
+        <p:spPr>
+          <a:xfrm>
+            <a:off x="1503028" y="1876049"/>
+            <a:ext cx="1996580" cy="369332"/>
+          </a:xfrm>
+          <a:prstGeom prst="rect">
+            <a:avLst/>
+          </a:prstGeom>
+          <a:noFill/>
+        </p:spPr>
+        <p:txBody>
+          <a:bodyPr wrap="square" rtlCol="0">
+            <a:spAutoFit/>
+          </a:bodyPr>
+          <a:lstStyle/>
+          <a:p>
+            <a:r>
+              <a:rPr kumimoji="1" lang="en-US" altLang="ja-JP" dirty="0"/>
+              <a:t>alive: OK</a:t>
+            </a:r>
+            <a:endParaRPr kumimoji="1" lang="ja-JP" altLang="en-US" dirty="0"/>
+          </a:p>
+        </p:txBody>
+      </p:sp>
+      <p:sp>
+        <p:nvSpPr>
+          <p:cNvPr id="7" name="正方形/長方形 6">
+            <a:extLst>
+              <a:ext uri="{FF2B5EF4-FFF2-40B4-BE49-F238E27FC236}">
+                <a16:creationId xmlns:a16="http://schemas.microsoft.com/office/drawing/2014/main" id="{F430068C-7827-49A3-B91E-89866329D41D}"/>
+              </a:ext>
+            </a:extLst>
+          </p:cNvPr>
+          <p:cNvSpPr/>
+          <p:nvPr/>
+        </p:nvSpPr>
+        <p:spPr>
+          <a:xfrm>
+            <a:off x="4313339" y="1833887"/>
+            <a:ext cx="4469934" cy="4432689"/>
+          </a:xfrm>
+          <a:prstGeom prst="rect">
+            <a:avLst/>
+          </a:prstGeom>
+          <a:noFill/>
+          <a:ln>
+            <a:solidFill>
+              <a:schemeClr val="tx1"/>
+            </a:solidFill>
+          </a:ln>
+        </p:spPr>
+        <p:style>
+          <a:lnRef idx="2">
+            <a:schemeClr val="accent1">
+              <a:shade val="50000"/>
+            </a:schemeClr>
+          </a:lnRef>
+          <a:fillRef idx="1">
+            <a:schemeClr val="accent1"/>
+          </a:fillRef>
+          <a:effectRef idx="0">
+            <a:schemeClr val="accent1"/>
+          </a:effectRef>
+          <a:fontRef idx="minor">
+            <a:schemeClr val="lt1"/>
+          </a:fontRef>
+        </p:style>
+        <p:txBody>
+          <a:bodyPr rtlCol="0" anchor="ctr"/>
+          <a:lstStyle/>
+          <a:p>
+            <a:pPr algn="ctr"/>
+            <a:endParaRPr kumimoji="1" lang="ja-JP" altLang="en-US"/>
+          </a:p>
+        </p:txBody>
+      </p:sp>
+      <p:sp>
+        <p:nvSpPr>
+          <p:cNvPr id="8" name="テキスト ボックス 7">
+            <a:extLst>
+              <a:ext uri="{FF2B5EF4-FFF2-40B4-BE49-F238E27FC236}">
+                <a16:creationId xmlns:a16="http://schemas.microsoft.com/office/drawing/2014/main" id="{4B4D0336-6106-4937-A4BD-C6805D5CD3C7}"/>
+              </a:ext>
+            </a:extLst>
+          </p:cNvPr>
+          <p:cNvSpPr txBox="1"/>
+          <p:nvPr/>
+        </p:nvSpPr>
+        <p:spPr>
+          <a:xfrm>
+            <a:off x="1503028" y="2268489"/>
+            <a:ext cx="2698459" cy="369332"/>
+          </a:xfrm>
+          <a:prstGeom prst="rect">
+            <a:avLst/>
+          </a:prstGeom>
+          <a:noFill/>
+        </p:spPr>
+        <p:txBody>
+          <a:bodyPr wrap="square" rtlCol="0">
+            <a:spAutoFit/>
+          </a:bodyPr>
+          <a:lstStyle/>
+          <a:p>
+            <a:r>
+              <a:rPr kumimoji="1" lang="en-US" altLang="ja-JP" dirty="0"/>
+              <a:t>Send: 10124 </a:t>
+            </a:r>
+            <a:r>
+              <a:rPr kumimoji="1" lang="en-US" altLang="ja-JP" dirty="0" err="1"/>
+              <a:t>Rcv</a:t>
+            </a:r>
+            <a:r>
+              <a:rPr kumimoji="1" lang="en-US" altLang="ja-JP" dirty="0"/>
+              <a:t>: 9589</a:t>
+            </a:r>
+            <a:endParaRPr kumimoji="1" lang="ja-JP" altLang="en-US" dirty="0"/>
+          </a:p>
+        </p:txBody>
+      </p:sp>
+      <p:sp>
+        <p:nvSpPr>
+          <p:cNvPr id="9" name="正方形/長方形 8">
+            <a:extLst>
+              <a:ext uri="{FF2B5EF4-FFF2-40B4-BE49-F238E27FC236}">
+                <a16:creationId xmlns:a16="http://schemas.microsoft.com/office/drawing/2014/main" id="{F14CD742-7A83-44A6-A9A2-C4560E3BE3AA}"/>
+              </a:ext>
+            </a:extLst>
+          </p:cNvPr>
+          <p:cNvSpPr/>
+          <p:nvPr/>
+        </p:nvSpPr>
+        <p:spPr>
+          <a:xfrm>
+            <a:off x="1503026" y="2794927"/>
+            <a:ext cx="2698459" cy="420695"/>
+          </a:xfrm>
+          <a:prstGeom prst="rect">
+            <a:avLst/>
+          </a:prstGeom>
+          <a:noFill/>
+          <a:ln>
+            <a:solidFill>
+              <a:schemeClr val="tx1"/>
+            </a:solidFill>
+          </a:ln>
+        </p:spPr>
+        <p:style>
+          <a:lnRef idx="2">
+            <a:schemeClr val="accent1">
+              <a:shade val="50000"/>
+            </a:schemeClr>
+          </a:lnRef>
+          <a:fillRef idx="1">
+            <a:schemeClr val="accent1"/>
+          </a:fillRef>
+          <a:effectRef idx="0">
+            <a:schemeClr val="accent1"/>
+          </a:effectRef>
+          <a:fontRef idx="minor">
+            <a:schemeClr val="lt1"/>
+          </a:fontRef>
+        </p:style>
+        <p:txBody>
+          <a:bodyPr rtlCol="0" anchor="ctr"/>
+          <a:lstStyle/>
+          <a:p>
+            <a:pPr algn="ctr"/>
+            <a:endParaRPr kumimoji="1" lang="ja-JP" altLang="en-US"/>
+          </a:p>
+        </p:txBody>
+      </p:sp>
+      <p:sp>
+        <p:nvSpPr>
+          <p:cNvPr id="10" name="テキスト ボックス 9">
+            <a:extLst>
+              <a:ext uri="{FF2B5EF4-FFF2-40B4-BE49-F238E27FC236}">
+                <a16:creationId xmlns:a16="http://schemas.microsoft.com/office/drawing/2014/main" id="{E49D0262-8299-4F1D-83FE-5CBC6D8D9DB9}"/>
+              </a:ext>
+            </a:extLst>
+          </p:cNvPr>
+          <p:cNvSpPr txBox="1"/>
+          <p:nvPr/>
+        </p:nvSpPr>
+        <p:spPr>
+          <a:xfrm>
+            <a:off x="1503026" y="2826271"/>
+            <a:ext cx="2698457" cy="369332"/>
+          </a:xfrm>
+          <a:prstGeom prst="rect">
+            <a:avLst/>
+          </a:prstGeom>
+          <a:noFill/>
+        </p:spPr>
+        <p:txBody>
+          <a:bodyPr wrap="square" rtlCol="0">
+            <a:spAutoFit/>
+          </a:bodyPr>
+          <a:lstStyle/>
+          <a:p>
+            <a:r>
+              <a:rPr kumimoji="1" lang="en-US" altLang="ja-JP" dirty="0" err="1"/>
+              <a:t>TrackerNum</a:t>
+            </a:r>
+            <a:r>
+              <a:rPr kumimoji="1" lang="en-US" altLang="ja-JP" dirty="0"/>
+              <a:t>: </a:t>
+            </a:r>
+            <a:endParaRPr kumimoji="1" lang="ja-JP" altLang="en-US" dirty="0"/>
+          </a:p>
+        </p:txBody>
+      </p:sp>
+      <p:sp>
+        <p:nvSpPr>
+          <p:cNvPr id="11" name="正方形/長方形 10">
+            <a:extLst>
+              <a:ext uri="{FF2B5EF4-FFF2-40B4-BE49-F238E27FC236}">
+                <a16:creationId xmlns:a16="http://schemas.microsoft.com/office/drawing/2014/main" id="{412B0053-F9EF-406E-92F8-798CDCA88B03}"/>
+              </a:ext>
+            </a:extLst>
+          </p:cNvPr>
+          <p:cNvSpPr/>
+          <p:nvPr/>
+        </p:nvSpPr>
+        <p:spPr>
+          <a:xfrm>
+            <a:off x="3095537" y="2828596"/>
+            <a:ext cx="1031845" cy="314951"/>
+          </a:xfrm>
+          <a:prstGeom prst="rect">
+            <a:avLst/>
+          </a:prstGeom>
+          <a:solidFill>
+            <a:schemeClr val="bg2"/>
+          </a:solidFill>
+          <a:ln>
+            <a:solidFill>
+              <a:schemeClr val="tx1"/>
+            </a:solidFill>
+          </a:ln>
+        </p:spPr>
+        <p:style>
+          <a:lnRef idx="2">
+            <a:schemeClr val="accent1">
+              <a:shade val="50000"/>
+            </a:schemeClr>
+          </a:lnRef>
+          <a:fillRef idx="1">
+            <a:schemeClr val="accent1"/>
+          </a:fillRef>
+          <a:effectRef idx="0">
+            <a:schemeClr val="accent1"/>
+          </a:effectRef>
+          <a:fontRef idx="minor">
+            <a:schemeClr val="lt1"/>
+          </a:fontRef>
+        </p:style>
+        <p:txBody>
+          <a:bodyPr rtlCol="0" anchor="ctr"/>
+          <a:lstStyle/>
+          <a:p>
+            <a:pPr algn="ctr"/>
+            <a:r>
+              <a:rPr kumimoji="1" lang="en-US" altLang="ja-JP" dirty="0">
+                <a:solidFill>
+                  <a:schemeClr val="tx1"/>
+                </a:solidFill>
+              </a:rPr>
+              <a:t>16</a:t>
+            </a:r>
+            <a:endParaRPr kumimoji="1" lang="ja-JP" altLang="en-US" dirty="0">
+              <a:solidFill>
+                <a:schemeClr val="tx1"/>
+              </a:solidFill>
+            </a:endParaRPr>
+          </a:p>
+        </p:txBody>
+      </p:sp>
+      <p:sp>
+        <p:nvSpPr>
+          <p:cNvPr id="12" name="正方形/長方形 11">
+            <a:extLst>
+              <a:ext uri="{FF2B5EF4-FFF2-40B4-BE49-F238E27FC236}">
+                <a16:creationId xmlns:a16="http://schemas.microsoft.com/office/drawing/2014/main" id="{E9FF3C87-9EE0-4E22-A153-85D9843D2A74}"/>
+              </a:ext>
+            </a:extLst>
+          </p:cNvPr>
+          <p:cNvSpPr/>
+          <p:nvPr/>
+        </p:nvSpPr>
+        <p:spPr>
+          <a:xfrm>
+            <a:off x="1503026" y="3327302"/>
+            <a:ext cx="2698459" cy="841389"/>
+          </a:xfrm>
+          <a:prstGeom prst="rect">
+            <a:avLst/>
+          </a:prstGeom>
+          <a:noFill/>
+          <a:ln>
+            <a:solidFill>
+              <a:schemeClr val="tx1"/>
+            </a:solidFill>
+          </a:ln>
+        </p:spPr>
+        <p:style>
+          <a:lnRef idx="2">
+            <a:schemeClr val="accent1">
+              <a:shade val="50000"/>
+            </a:schemeClr>
+          </a:lnRef>
+          <a:fillRef idx="1">
+            <a:schemeClr val="accent1"/>
+          </a:fillRef>
+          <a:effectRef idx="0">
+            <a:schemeClr val="accent1"/>
+          </a:effectRef>
+          <a:fontRef idx="minor">
+            <a:schemeClr val="lt1"/>
+          </a:fontRef>
+        </p:style>
+        <p:txBody>
+          <a:bodyPr rtlCol="0" anchor="ctr"/>
+          <a:lstStyle/>
+          <a:p>
+            <a:pPr algn="ctr"/>
+            <a:endParaRPr kumimoji="1" lang="ja-JP" altLang="en-US"/>
+          </a:p>
+        </p:txBody>
+      </p:sp>
+      <p:sp>
+        <p:nvSpPr>
+          <p:cNvPr id="13" name="正方形/長方形 12">
+            <a:extLst>
+              <a:ext uri="{FF2B5EF4-FFF2-40B4-BE49-F238E27FC236}">
+                <a16:creationId xmlns:a16="http://schemas.microsoft.com/office/drawing/2014/main" id="{65A25AE0-A421-4A80-B5C6-F6AFEA300D18}"/>
+              </a:ext>
+            </a:extLst>
+          </p:cNvPr>
+          <p:cNvSpPr/>
+          <p:nvPr/>
+        </p:nvSpPr>
+        <p:spPr>
+          <a:xfrm>
+            <a:off x="3095537" y="3781237"/>
+            <a:ext cx="1031845" cy="314951"/>
+          </a:xfrm>
+          <a:prstGeom prst="rect">
+            <a:avLst/>
+          </a:prstGeom>
+          <a:solidFill>
+            <a:schemeClr val="accent3">
+              <a:lumMod val="50000"/>
+            </a:schemeClr>
+          </a:solidFill>
+          <a:ln>
+            <a:solidFill>
+              <a:schemeClr val="tx1"/>
+            </a:solidFill>
+          </a:ln>
+        </p:spPr>
+        <p:style>
+          <a:lnRef idx="2">
+            <a:schemeClr val="accent1">
+              <a:shade val="50000"/>
+            </a:schemeClr>
+          </a:lnRef>
+          <a:fillRef idx="1">
+            <a:schemeClr val="accent1"/>
+          </a:fillRef>
+          <a:effectRef idx="0">
+            <a:schemeClr val="accent1"/>
+          </a:effectRef>
+          <a:fontRef idx="minor">
+            <a:schemeClr val="lt1"/>
+          </a:fontRef>
+        </p:style>
+        <p:txBody>
+          <a:bodyPr rtlCol="0" anchor="ctr"/>
+          <a:lstStyle/>
+          <a:p>
+            <a:pPr algn="ctr"/>
+            <a:r>
+              <a:rPr kumimoji="1" lang="en-US" altLang="ja-JP" dirty="0" err="1">
+                <a:solidFill>
+                  <a:schemeClr val="bg1"/>
+                </a:solidFill>
+              </a:rPr>
+              <a:t>Cls</a:t>
+            </a:r>
+            <a:endParaRPr kumimoji="1" lang="ja-JP" altLang="en-US" dirty="0">
+              <a:solidFill>
+                <a:schemeClr val="bg1"/>
+              </a:solidFill>
+            </a:endParaRPr>
+          </a:p>
+        </p:txBody>
+      </p:sp>
+      <p:sp>
+        <p:nvSpPr>
+          <p:cNvPr id="14" name="テキスト ボックス 13">
+            <a:extLst>
+              <a:ext uri="{FF2B5EF4-FFF2-40B4-BE49-F238E27FC236}">
+                <a16:creationId xmlns:a16="http://schemas.microsoft.com/office/drawing/2014/main" id="{364A53B8-9EAE-46A9-8C9F-5655B6D422E3}"/>
+              </a:ext>
+            </a:extLst>
+          </p:cNvPr>
+          <p:cNvSpPr txBox="1"/>
+          <p:nvPr/>
+        </p:nvSpPr>
+        <p:spPr>
+          <a:xfrm>
+            <a:off x="1503026" y="3349620"/>
+            <a:ext cx="2698457" cy="369332"/>
+          </a:xfrm>
+          <a:prstGeom prst="rect">
+            <a:avLst/>
+          </a:prstGeom>
+          <a:noFill/>
+        </p:spPr>
+        <p:txBody>
+          <a:bodyPr wrap="square" rtlCol="0">
+            <a:spAutoFit/>
+          </a:bodyPr>
+          <a:lstStyle/>
+          <a:p>
+            <a:r>
+              <a:rPr lang="en-US" altLang="ja-JP" dirty="0" err="1"/>
+              <a:t>cmd</a:t>
+            </a:r>
+            <a:r>
+              <a:rPr lang="en-US" altLang="ja-JP" dirty="0"/>
+              <a:t>: </a:t>
+            </a:r>
+            <a:endParaRPr kumimoji="1" lang="ja-JP" altLang="en-US" dirty="0"/>
+          </a:p>
+        </p:txBody>
+      </p:sp>
+      <p:sp>
+        <p:nvSpPr>
+          <p:cNvPr id="15" name="正方形/長方形 14">
+            <a:extLst>
+              <a:ext uri="{FF2B5EF4-FFF2-40B4-BE49-F238E27FC236}">
+                <a16:creationId xmlns:a16="http://schemas.microsoft.com/office/drawing/2014/main" id="{B5911599-2509-4418-942F-62DCC8F219B6}"/>
+              </a:ext>
+            </a:extLst>
+          </p:cNvPr>
+          <p:cNvSpPr/>
+          <p:nvPr/>
+        </p:nvSpPr>
+        <p:spPr>
+          <a:xfrm>
+            <a:off x="2158069" y="3364448"/>
+            <a:ext cx="1969313" cy="314951"/>
+          </a:xfrm>
+          <a:prstGeom prst="rect">
+            <a:avLst/>
+          </a:prstGeom>
+          <a:solidFill>
+            <a:schemeClr val="bg2"/>
+          </a:solidFill>
+          <a:ln>
+            <a:solidFill>
+              <a:schemeClr val="tx1"/>
+            </a:solidFill>
+          </a:ln>
+        </p:spPr>
+        <p:style>
+          <a:lnRef idx="2">
+            <a:schemeClr val="accent1">
+              <a:shade val="50000"/>
+            </a:schemeClr>
+          </a:lnRef>
+          <a:fillRef idx="1">
+            <a:schemeClr val="accent1"/>
+          </a:fillRef>
+          <a:effectRef idx="0">
+            <a:schemeClr val="accent1"/>
+          </a:effectRef>
+          <a:fontRef idx="minor">
+            <a:schemeClr val="lt1"/>
+          </a:fontRef>
+        </p:style>
+        <p:txBody>
+          <a:bodyPr rtlCol="0" anchor="ctr"/>
+          <a:lstStyle/>
+          <a:p>
+            <a:pPr algn="ctr"/>
+            <a:r>
+              <a:rPr kumimoji="1" lang="en-US" altLang="ja-JP" dirty="0">
+                <a:solidFill>
+                  <a:schemeClr val="tx1"/>
+                </a:solidFill>
+              </a:rPr>
+              <a:t>&gt;debug</a:t>
+            </a:r>
+            <a:endParaRPr kumimoji="1" lang="ja-JP" altLang="en-US" dirty="0">
+              <a:solidFill>
+                <a:schemeClr val="tx1"/>
+              </a:solidFill>
+            </a:endParaRPr>
+          </a:p>
+        </p:txBody>
+      </p:sp>
+      <p:sp>
+        <p:nvSpPr>
+          <p:cNvPr id="16" name="正方形/長方形 15">
+            <a:extLst>
+              <a:ext uri="{FF2B5EF4-FFF2-40B4-BE49-F238E27FC236}">
+                <a16:creationId xmlns:a16="http://schemas.microsoft.com/office/drawing/2014/main" id="{1963B74B-7E2A-41F7-B9A6-DF1200AF84E0}"/>
+              </a:ext>
+            </a:extLst>
+          </p:cNvPr>
+          <p:cNvSpPr/>
+          <p:nvPr/>
+        </p:nvSpPr>
+        <p:spPr>
+          <a:xfrm>
+            <a:off x="1532386" y="4273424"/>
+            <a:ext cx="2698459" cy="420695"/>
+          </a:xfrm>
+          <a:prstGeom prst="rect">
+            <a:avLst/>
+          </a:prstGeom>
+          <a:noFill/>
+          <a:ln>
+            <a:solidFill>
+              <a:schemeClr val="tx1"/>
+            </a:solidFill>
+          </a:ln>
+        </p:spPr>
+        <p:style>
+          <a:lnRef idx="2">
+            <a:schemeClr val="accent1">
+              <a:shade val="50000"/>
+            </a:schemeClr>
+          </a:lnRef>
+          <a:fillRef idx="1">
+            <a:schemeClr val="accent1"/>
+          </a:fillRef>
+          <a:effectRef idx="0">
+            <a:schemeClr val="accent1"/>
+          </a:effectRef>
+          <a:fontRef idx="minor">
+            <a:schemeClr val="lt1"/>
+          </a:fontRef>
+        </p:style>
+        <p:txBody>
+          <a:bodyPr rtlCol="0" anchor="ctr"/>
+          <a:lstStyle/>
+          <a:p>
+            <a:pPr algn="ctr"/>
+            <a:endParaRPr kumimoji="1" lang="ja-JP" altLang="en-US"/>
+          </a:p>
+        </p:txBody>
+      </p:sp>
+      <p:sp>
+        <p:nvSpPr>
+          <p:cNvPr id="17" name="テキスト ボックス 16">
+            <a:extLst>
+              <a:ext uri="{FF2B5EF4-FFF2-40B4-BE49-F238E27FC236}">
+                <a16:creationId xmlns:a16="http://schemas.microsoft.com/office/drawing/2014/main" id="{2E293112-347B-4057-B072-D9E494879954}"/>
+              </a:ext>
+            </a:extLst>
+          </p:cNvPr>
+          <p:cNvSpPr txBox="1"/>
+          <p:nvPr/>
+        </p:nvSpPr>
+        <p:spPr>
+          <a:xfrm>
+            <a:off x="1532386" y="4304768"/>
+            <a:ext cx="2698457" cy="369332"/>
+          </a:xfrm>
+          <a:prstGeom prst="rect">
+            <a:avLst/>
+          </a:prstGeom>
+          <a:noFill/>
+        </p:spPr>
+        <p:txBody>
+          <a:bodyPr wrap="square" rtlCol="0">
+            <a:spAutoFit/>
+          </a:bodyPr>
+          <a:lstStyle/>
+          <a:p>
+            <a:r>
+              <a:rPr kumimoji="1" lang="en-US" altLang="ja-JP" dirty="0"/>
+              <a:t>Calibration: </a:t>
+            </a:r>
+            <a:endParaRPr kumimoji="1" lang="ja-JP" altLang="en-US" dirty="0"/>
+          </a:p>
+        </p:txBody>
+      </p:sp>
+      <p:sp>
+        <p:nvSpPr>
+          <p:cNvPr id="19" name="正方形/長方形 18">
+            <a:extLst>
+              <a:ext uri="{FF2B5EF4-FFF2-40B4-BE49-F238E27FC236}">
+                <a16:creationId xmlns:a16="http://schemas.microsoft.com/office/drawing/2014/main" id="{142CA381-E3A9-416C-AE6C-75CB8139AE62}"/>
+              </a:ext>
+            </a:extLst>
+          </p:cNvPr>
+          <p:cNvSpPr/>
+          <p:nvPr/>
+        </p:nvSpPr>
+        <p:spPr>
+          <a:xfrm>
+            <a:off x="3095536" y="4327469"/>
+            <a:ext cx="1031845" cy="314951"/>
+          </a:xfrm>
+          <a:prstGeom prst="rect">
+            <a:avLst/>
+          </a:prstGeom>
+          <a:solidFill>
+            <a:schemeClr val="accent3">
+              <a:lumMod val="50000"/>
+            </a:schemeClr>
+          </a:solidFill>
+          <a:ln>
+            <a:solidFill>
+              <a:schemeClr val="tx1"/>
+            </a:solidFill>
+          </a:ln>
+        </p:spPr>
+        <p:style>
+          <a:lnRef idx="2">
+            <a:schemeClr val="accent1">
+              <a:shade val="50000"/>
+            </a:schemeClr>
+          </a:lnRef>
+          <a:fillRef idx="1">
+            <a:schemeClr val="accent1"/>
+          </a:fillRef>
+          <a:effectRef idx="0">
+            <a:schemeClr val="accent1"/>
+          </a:effectRef>
+          <a:fontRef idx="minor">
+            <a:schemeClr val="lt1"/>
+          </a:fontRef>
+        </p:style>
+        <p:txBody>
+          <a:bodyPr rtlCol="0" anchor="ctr"/>
+          <a:lstStyle/>
+          <a:p>
+            <a:pPr algn="ctr"/>
+            <a:r>
+              <a:rPr kumimoji="1" lang="en-US" altLang="ja-JP" dirty="0">
+                <a:solidFill>
+                  <a:schemeClr val="bg1"/>
+                </a:solidFill>
+              </a:rPr>
+              <a:t>Do</a:t>
+            </a:r>
+            <a:endParaRPr kumimoji="1" lang="ja-JP" altLang="en-US" dirty="0">
+              <a:solidFill>
+                <a:schemeClr val="bg1"/>
+              </a:solidFill>
+            </a:endParaRPr>
+          </a:p>
+        </p:txBody>
+      </p:sp>
+      <p:sp>
+        <p:nvSpPr>
+          <p:cNvPr id="20" name="正方形/長方形 19">
+            <a:extLst>
+              <a:ext uri="{FF2B5EF4-FFF2-40B4-BE49-F238E27FC236}">
+                <a16:creationId xmlns:a16="http://schemas.microsoft.com/office/drawing/2014/main" id="{109F7E48-C493-40E2-A3A7-82C1A8047EE9}"/>
+              </a:ext>
+            </a:extLst>
+          </p:cNvPr>
+          <p:cNvSpPr/>
+          <p:nvPr/>
+        </p:nvSpPr>
+        <p:spPr>
+          <a:xfrm>
+            <a:off x="1530289" y="4788952"/>
+            <a:ext cx="2698459" cy="1540770"/>
+          </a:xfrm>
+          <a:prstGeom prst="rect">
+            <a:avLst/>
+          </a:prstGeom>
+          <a:noFill/>
+          <a:ln>
+            <a:solidFill>
+              <a:schemeClr val="tx1"/>
+            </a:solidFill>
+          </a:ln>
+        </p:spPr>
+        <p:style>
+          <a:lnRef idx="2">
+            <a:schemeClr val="accent1">
+              <a:shade val="50000"/>
+            </a:schemeClr>
+          </a:lnRef>
+          <a:fillRef idx="1">
+            <a:schemeClr val="accent1"/>
+          </a:fillRef>
+          <a:effectRef idx="0">
+            <a:schemeClr val="accent1"/>
+          </a:effectRef>
+          <a:fontRef idx="minor">
+            <a:schemeClr val="lt1"/>
+          </a:fontRef>
+        </p:style>
+        <p:txBody>
+          <a:bodyPr rtlCol="0" anchor="ctr"/>
+          <a:lstStyle/>
+          <a:p>
+            <a:pPr algn="ctr"/>
+            <a:endParaRPr kumimoji="1" lang="ja-JP" altLang="en-US"/>
+          </a:p>
+        </p:txBody>
+      </p:sp>
+      <p:sp>
+        <p:nvSpPr>
+          <p:cNvPr id="21" name="テキスト ボックス 20">
+            <a:extLst>
+              <a:ext uri="{FF2B5EF4-FFF2-40B4-BE49-F238E27FC236}">
+                <a16:creationId xmlns:a16="http://schemas.microsoft.com/office/drawing/2014/main" id="{3C92FD13-885D-47C6-BBA1-D52B1554DCAD}"/>
+              </a:ext>
+            </a:extLst>
+          </p:cNvPr>
+          <p:cNvSpPr txBox="1"/>
+          <p:nvPr/>
+        </p:nvSpPr>
+        <p:spPr>
+          <a:xfrm>
+            <a:off x="1530289" y="4820296"/>
+            <a:ext cx="2698457" cy="369332"/>
+          </a:xfrm>
+          <a:prstGeom prst="rect">
+            <a:avLst/>
+          </a:prstGeom>
+          <a:noFill/>
+        </p:spPr>
+        <p:txBody>
+          <a:bodyPr wrap="square" rtlCol="0">
+            <a:spAutoFit/>
+          </a:bodyPr>
+          <a:lstStyle/>
+          <a:p>
+            <a:r>
+              <a:rPr kumimoji="1" lang="en-US" altLang="ja-JP" dirty="0"/>
+              <a:t>Offset </a:t>
+            </a:r>
+            <a:endParaRPr kumimoji="1" lang="ja-JP" altLang="en-US" dirty="0"/>
+          </a:p>
+        </p:txBody>
+      </p:sp>
+      <p:sp>
+        <p:nvSpPr>
+          <p:cNvPr id="22" name="正方形/長方形 21">
+            <a:extLst>
+              <a:ext uri="{FF2B5EF4-FFF2-40B4-BE49-F238E27FC236}">
+                <a16:creationId xmlns:a16="http://schemas.microsoft.com/office/drawing/2014/main" id="{A925A2D6-80FD-4F2F-81D3-A164B0B6D87C}"/>
+              </a:ext>
+            </a:extLst>
+          </p:cNvPr>
+          <p:cNvSpPr/>
+          <p:nvPr/>
+        </p:nvSpPr>
+        <p:spPr>
+          <a:xfrm>
+            <a:off x="1642146" y="5206955"/>
+            <a:ext cx="1031845" cy="314951"/>
+          </a:xfrm>
+          <a:prstGeom prst="rect">
+            <a:avLst/>
+          </a:prstGeom>
+          <a:solidFill>
+            <a:schemeClr val="bg2"/>
+          </a:solidFill>
+          <a:ln>
+            <a:solidFill>
+              <a:schemeClr val="tx1"/>
+            </a:solidFill>
+          </a:ln>
+        </p:spPr>
+        <p:style>
+          <a:lnRef idx="2">
+            <a:schemeClr val="accent1">
+              <a:shade val="50000"/>
+            </a:schemeClr>
+          </a:lnRef>
+          <a:fillRef idx="1">
+            <a:schemeClr val="accent1"/>
+          </a:fillRef>
+          <a:effectRef idx="0">
+            <a:schemeClr val="accent1"/>
+          </a:effectRef>
+          <a:fontRef idx="minor">
+            <a:schemeClr val="lt1"/>
+          </a:fontRef>
+        </p:style>
+        <p:txBody>
+          <a:bodyPr rtlCol="0" anchor="ctr"/>
+          <a:lstStyle/>
+          <a:p>
+            <a:pPr algn="ctr"/>
+            <a:r>
+              <a:rPr kumimoji="1" lang="en-US" altLang="ja-JP" dirty="0">
+                <a:solidFill>
+                  <a:schemeClr val="tx1"/>
+                </a:solidFill>
+              </a:rPr>
+              <a:t>X</a:t>
+            </a:r>
+            <a:endParaRPr kumimoji="1" lang="ja-JP" altLang="en-US" dirty="0">
+              <a:solidFill>
+                <a:schemeClr val="tx1"/>
+              </a:solidFill>
+            </a:endParaRPr>
+          </a:p>
+        </p:txBody>
+      </p:sp>
+      <p:sp>
+        <p:nvSpPr>
+          <p:cNvPr id="23" name="正方形/長方形 22">
+            <a:extLst>
+              <a:ext uri="{FF2B5EF4-FFF2-40B4-BE49-F238E27FC236}">
+                <a16:creationId xmlns:a16="http://schemas.microsoft.com/office/drawing/2014/main" id="{879C3478-AB4E-4EAE-9D84-06A190401AC9}"/>
+              </a:ext>
+            </a:extLst>
+          </p:cNvPr>
+          <p:cNvSpPr/>
+          <p:nvPr/>
+        </p:nvSpPr>
+        <p:spPr>
+          <a:xfrm>
+            <a:off x="1642144" y="5602199"/>
+            <a:ext cx="1031845" cy="314951"/>
+          </a:xfrm>
+          <a:prstGeom prst="rect">
+            <a:avLst/>
+          </a:prstGeom>
+          <a:solidFill>
+            <a:schemeClr val="bg2"/>
+          </a:solidFill>
+          <a:ln>
+            <a:solidFill>
+              <a:schemeClr val="tx1"/>
+            </a:solidFill>
+          </a:ln>
+        </p:spPr>
+        <p:style>
+          <a:lnRef idx="2">
+            <a:schemeClr val="accent1">
+              <a:shade val="50000"/>
+            </a:schemeClr>
+          </a:lnRef>
+          <a:fillRef idx="1">
+            <a:schemeClr val="accent1"/>
+          </a:fillRef>
+          <a:effectRef idx="0">
+            <a:schemeClr val="accent1"/>
+          </a:effectRef>
+          <a:fontRef idx="minor">
+            <a:schemeClr val="lt1"/>
+          </a:fontRef>
+        </p:style>
+        <p:txBody>
+          <a:bodyPr rtlCol="0" anchor="ctr"/>
+          <a:lstStyle/>
+          <a:p>
+            <a:pPr algn="ctr"/>
+            <a:r>
+              <a:rPr lang="en-US" altLang="ja-JP" dirty="0">
+                <a:solidFill>
+                  <a:schemeClr val="tx1"/>
+                </a:solidFill>
+              </a:rPr>
+              <a:t>Y</a:t>
+            </a:r>
+            <a:endParaRPr kumimoji="1" lang="ja-JP" altLang="en-US" dirty="0">
+              <a:solidFill>
+                <a:schemeClr val="tx1"/>
+              </a:solidFill>
+            </a:endParaRPr>
+          </a:p>
+        </p:txBody>
+      </p:sp>
+      <p:sp>
+        <p:nvSpPr>
+          <p:cNvPr id="24" name="正方形/長方形 23">
+            <a:extLst>
+              <a:ext uri="{FF2B5EF4-FFF2-40B4-BE49-F238E27FC236}">
+                <a16:creationId xmlns:a16="http://schemas.microsoft.com/office/drawing/2014/main" id="{33E1581C-85E9-4938-8E2E-22FF62E26E62}"/>
+              </a:ext>
+            </a:extLst>
+          </p:cNvPr>
+          <p:cNvSpPr/>
+          <p:nvPr/>
+        </p:nvSpPr>
+        <p:spPr>
+          <a:xfrm>
+            <a:off x="1642144" y="5975825"/>
+            <a:ext cx="1031845" cy="314951"/>
+          </a:xfrm>
+          <a:prstGeom prst="rect">
+            <a:avLst/>
+          </a:prstGeom>
+          <a:solidFill>
+            <a:schemeClr val="bg2"/>
+          </a:solidFill>
+          <a:ln>
+            <a:solidFill>
+              <a:schemeClr val="tx1"/>
+            </a:solidFill>
+          </a:ln>
+        </p:spPr>
+        <p:style>
+          <a:lnRef idx="2">
+            <a:schemeClr val="accent1">
+              <a:shade val="50000"/>
+            </a:schemeClr>
+          </a:lnRef>
+          <a:fillRef idx="1">
+            <a:schemeClr val="accent1"/>
+          </a:fillRef>
+          <a:effectRef idx="0">
+            <a:schemeClr val="accent1"/>
+          </a:effectRef>
+          <a:fontRef idx="minor">
+            <a:schemeClr val="lt1"/>
+          </a:fontRef>
+        </p:style>
+        <p:txBody>
+          <a:bodyPr rtlCol="0" anchor="ctr"/>
+          <a:lstStyle/>
+          <a:p>
+            <a:pPr algn="ctr"/>
+            <a:r>
+              <a:rPr kumimoji="1" lang="en-US" altLang="ja-JP" dirty="0">
+                <a:solidFill>
+                  <a:schemeClr val="tx1"/>
+                </a:solidFill>
+              </a:rPr>
+              <a:t>Z</a:t>
+            </a:r>
+            <a:endParaRPr kumimoji="1" lang="ja-JP" altLang="en-US" dirty="0">
+              <a:solidFill>
+                <a:schemeClr val="tx1"/>
+              </a:solidFill>
+            </a:endParaRPr>
+          </a:p>
+        </p:txBody>
+      </p:sp>
+      <p:sp>
+        <p:nvSpPr>
+          <p:cNvPr id="25" name="正方形/長方形 24">
+            <a:extLst>
+              <a:ext uri="{FF2B5EF4-FFF2-40B4-BE49-F238E27FC236}">
+                <a16:creationId xmlns:a16="http://schemas.microsoft.com/office/drawing/2014/main" id="{59A475ED-8BAF-4336-AE82-3AB87AF237B8}"/>
+              </a:ext>
+            </a:extLst>
+          </p:cNvPr>
+          <p:cNvSpPr/>
+          <p:nvPr/>
+        </p:nvSpPr>
+        <p:spPr>
+          <a:xfrm>
+            <a:off x="3095536" y="5206955"/>
+            <a:ext cx="1031845" cy="314951"/>
+          </a:xfrm>
+          <a:prstGeom prst="rect">
+            <a:avLst/>
+          </a:prstGeom>
+          <a:solidFill>
+            <a:schemeClr val="bg2"/>
+          </a:solidFill>
+          <a:ln>
+            <a:solidFill>
+              <a:schemeClr val="tx1"/>
+            </a:solidFill>
+          </a:ln>
+        </p:spPr>
+        <p:style>
+          <a:lnRef idx="2">
+            <a:schemeClr val="accent1">
+              <a:shade val="50000"/>
+            </a:schemeClr>
+          </a:lnRef>
+          <a:fillRef idx="1">
+            <a:schemeClr val="accent1"/>
+          </a:fillRef>
+          <a:effectRef idx="0">
+            <a:schemeClr val="accent1"/>
+          </a:effectRef>
+          <a:fontRef idx="minor">
+            <a:schemeClr val="lt1"/>
+          </a:fontRef>
+        </p:style>
+        <p:txBody>
+          <a:bodyPr rtlCol="0" anchor="ctr"/>
+          <a:lstStyle/>
+          <a:p>
+            <a:pPr algn="ctr"/>
+            <a:r>
+              <a:rPr kumimoji="1" lang="en-US" altLang="ja-JP" dirty="0" err="1">
+                <a:solidFill>
+                  <a:schemeClr val="tx1"/>
+                </a:solidFill>
+              </a:rPr>
+              <a:t>rX</a:t>
+            </a:r>
+            <a:endParaRPr kumimoji="1" lang="ja-JP" altLang="en-US" dirty="0">
+              <a:solidFill>
+                <a:schemeClr val="tx1"/>
+              </a:solidFill>
+            </a:endParaRPr>
+          </a:p>
+        </p:txBody>
+      </p:sp>
+      <p:sp>
+        <p:nvSpPr>
+          <p:cNvPr id="26" name="正方形/長方形 25">
+            <a:extLst>
+              <a:ext uri="{FF2B5EF4-FFF2-40B4-BE49-F238E27FC236}">
+                <a16:creationId xmlns:a16="http://schemas.microsoft.com/office/drawing/2014/main" id="{A6631031-B48F-498E-A726-6A1DB22C6A6D}"/>
+              </a:ext>
+            </a:extLst>
+          </p:cNvPr>
+          <p:cNvSpPr/>
+          <p:nvPr/>
+        </p:nvSpPr>
+        <p:spPr>
+          <a:xfrm>
+            <a:off x="3095534" y="5602199"/>
+            <a:ext cx="1031845" cy="314951"/>
+          </a:xfrm>
+          <a:prstGeom prst="rect">
+            <a:avLst/>
+          </a:prstGeom>
+          <a:solidFill>
+            <a:schemeClr val="bg2"/>
+          </a:solidFill>
+          <a:ln>
+            <a:solidFill>
+              <a:schemeClr val="tx1"/>
+            </a:solidFill>
+          </a:ln>
+        </p:spPr>
+        <p:style>
+          <a:lnRef idx="2">
+            <a:schemeClr val="accent1">
+              <a:shade val="50000"/>
+            </a:schemeClr>
+          </a:lnRef>
+          <a:fillRef idx="1">
+            <a:schemeClr val="accent1"/>
+          </a:fillRef>
+          <a:effectRef idx="0">
+            <a:schemeClr val="accent1"/>
+          </a:effectRef>
+          <a:fontRef idx="minor">
+            <a:schemeClr val="lt1"/>
+          </a:fontRef>
+        </p:style>
+        <p:txBody>
+          <a:bodyPr rtlCol="0" anchor="ctr"/>
+          <a:lstStyle/>
+          <a:p>
+            <a:pPr algn="ctr"/>
+            <a:r>
+              <a:rPr kumimoji="1" lang="en-US" altLang="ja-JP" dirty="0" err="1">
+                <a:solidFill>
+                  <a:schemeClr val="tx1"/>
+                </a:solidFill>
+              </a:rPr>
+              <a:t>rY</a:t>
+            </a:r>
+            <a:endParaRPr kumimoji="1" lang="ja-JP" altLang="en-US" dirty="0">
+              <a:solidFill>
+                <a:schemeClr val="tx1"/>
+              </a:solidFill>
+            </a:endParaRPr>
+          </a:p>
+        </p:txBody>
+      </p:sp>
+      <p:sp>
+        <p:nvSpPr>
+          <p:cNvPr id="27" name="正方形/長方形 26">
+            <a:extLst>
+              <a:ext uri="{FF2B5EF4-FFF2-40B4-BE49-F238E27FC236}">
+                <a16:creationId xmlns:a16="http://schemas.microsoft.com/office/drawing/2014/main" id="{B8F1DBA7-9249-4AE9-B93D-A88602C42A70}"/>
+              </a:ext>
+            </a:extLst>
+          </p:cNvPr>
+          <p:cNvSpPr/>
+          <p:nvPr/>
+        </p:nvSpPr>
+        <p:spPr>
+          <a:xfrm>
+            <a:off x="3095534" y="5975825"/>
+            <a:ext cx="1031845" cy="314951"/>
+          </a:xfrm>
+          <a:prstGeom prst="rect">
+            <a:avLst/>
+          </a:prstGeom>
+          <a:solidFill>
+            <a:schemeClr val="bg2"/>
+          </a:solidFill>
+          <a:ln>
+            <a:solidFill>
+              <a:schemeClr val="tx1"/>
+            </a:solidFill>
+          </a:ln>
+        </p:spPr>
+        <p:style>
+          <a:lnRef idx="2">
+            <a:schemeClr val="accent1">
+              <a:shade val="50000"/>
+            </a:schemeClr>
+          </a:lnRef>
+          <a:fillRef idx="1">
+            <a:schemeClr val="accent1"/>
+          </a:fillRef>
+          <a:effectRef idx="0">
+            <a:schemeClr val="accent1"/>
+          </a:effectRef>
+          <a:fontRef idx="minor">
+            <a:schemeClr val="lt1"/>
+          </a:fontRef>
+        </p:style>
+        <p:txBody>
+          <a:bodyPr rtlCol="0" anchor="ctr"/>
+          <a:lstStyle/>
+          <a:p>
+            <a:pPr algn="ctr"/>
+            <a:r>
+              <a:rPr kumimoji="1" lang="en-US" altLang="ja-JP" dirty="0" err="1">
+                <a:solidFill>
+                  <a:schemeClr val="tx1"/>
+                </a:solidFill>
+              </a:rPr>
+              <a:t>rZ</a:t>
+            </a:r>
+            <a:endParaRPr kumimoji="1" lang="ja-JP" altLang="en-US" dirty="0">
+              <a:solidFill>
+                <a:schemeClr val="tx1"/>
+              </a:solidFill>
+            </a:endParaRPr>
+          </a:p>
+        </p:txBody>
+      </p:sp>
+      <p:sp>
+        <p:nvSpPr>
+          <p:cNvPr id="28" name="正方形/長方形 27">
+            <a:extLst>
+              <a:ext uri="{FF2B5EF4-FFF2-40B4-BE49-F238E27FC236}">
+                <a16:creationId xmlns:a16="http://schemas.microsoft.com/office/drawing/2014/main" id="{A5A93208-FDD4-4B96-A93C-1F97DF290256}"/>
+              </a:ext>
+            </a:extLst>
+          </p:cNvPr>
+          <p:cNvSpPr/>
+          <p:nvPr/>
+        </p:nvSpPr>
+        <p:spPr>
+          <a:xfrm>
+            <a:off x="1642144" y="3775789"/>
+            <a:ext cx="1341540" cy="314951"/>
+          </a:xfrm>
+          <a:prstGeom prst="rect">
+            <a:avLst/>
+          </a:prstGeom>
+          <a:solidFill>
+            <a:schemeClr val="bg2"/>
+          </a:solidFill>
+          <a:ln>
+            <a:solidFill>
+              <a:schemeClr val="tx1"/>
+            </a:solidFill>
+          </a:ln>
+        </p:spPr>
+        <p:style>
+          <a:lnRef idx="2">
+            <a:schemeClr val="accent1">
+              <a:shade val="50000"/>
+            </a:schemeClr>
+          </a:lnRef>
+          <a:fillRef idx="1">
+            <a:schemeClr val="accent1"/>
+          </a:fillRef>
+          <a:effectRef idx="0">
+            <a:schemeClr val="accent1"/>
+          </a:effectRef>
+          <a:fontRef idx="minor">
+            <a:schemeClr val="lt1"/>
+          </a:fontRef>
+        </p:style>
+        <p:txBody>
+          <a:bodyPr rtlCol="0" anchor="ctr"/>
+          <a:lstStyle/>
+          <a:p>
+            <a:pPr algn="ctr"/>
+            <a:r>
+              <a:rPr kumimoji="1" lang="en-US" altLang="ja-JP" dirty="0">
+                <a:solidFill>
+                  <a:schemeClr val="tx1"/>
+                </a:solidFill>
+              </a:rPr>
+              <a:t>OK</a:t>
+            </a:r>
+            <a:endParaRPr kumimoji="1" lang="ja-JP" altLang="en-US" dirty="0">
+              <a:solidFill>
+                <a:schemeClr val="tx1"/>
+              </a:solidFill>
+            </a:endParaRPr>
+          </a:p>
+        </p:txBody>
+      </p:sp>
+      <p:sp>
+        <p:nvSpPr>
+          <p:cNvPr id="29" name="正方形/長方形 28">
+            <a:extLst>
+              <a:ext uri="{FF2B5EF4-FFF2-40B4-BE49-F238E27FC236}">
+                <a16:creationId xmlns:a16="http://schemas.microsoft.com/office/drawing/2014/main" id="{AB8D6784-124B-400E-9A5F-112FB5DD5F96}"/>
+              </a:ext>
+            </a:extLst>
+          </p:cNvPr>
+          <p:cNvSpPr/>
+          <p:nvPr/>
+        </p:nvSpPr>
+        <p:spPr>
+          <a:xfrm>
+            <a:off x="3639425" y="3371453"/>
+            <a:ext cx="487958" cy="314951"/>
+          </a:xfrm>
+          <a:prstGeom prst="rect">
+            <a:avLst/>
+          </a:prstGeom>
+          <a:solidFill>
+            <a:schemeClr val="accent3">
+              <a:lumMod val="50000"/>
+            </a:schemeClr>
+          </a:solidFill>
+          <a:ln>
+            <a:solidFill>
+              <a:schemeClr val="tx1"/>
+            </a:solidFill>
+          </a:ln>
+        </p:spPr>
+        <p:style>
+          <a:lnRef idx="2">
+            <a:schemeClr val="accent1">
+              <a:shade val="50000"/>
+            </a:schemeClr>
+          </a:lnRef>
+          <a:fillRef idx="1">
+            <a:schemeClr val="accent1"/>
+          </a:fillRef>
+          <a:effectRef idx="0">
+            <a:schemeClr val="accent1"/>
+          </a:effectRef>
+          <a:fontRef idx="minor">
+            <a:schemeClr val="lt1"/>
+          </a:fontRef>
+        </p:style>
+        <p:txBody>
+          <a:bodyPr rtlCol="0" anchor="ctr"/>
+          <a:lstStyle/>
+          <a:p>
+            <a:pPr algn="ctr"/>
+            <a:r>
+              <a:rPr kumimoji="1" lang="en-US" altLang="ja-JP" dirty="0">
+                <a:solidFill>
+                  <a:schemeClr val="bg1"/>
+                </a:solidFill>
+              </a:rPr>
+              <a:t>Do</a:t>
+            </a:r>
+            <a:endParaRPr kumimoji="1" lang="ja-JP" altLang="en-US" dirty="0">
+              <a:solidFill>
+                <a:schemeClr val="bg1"/>
+              </a:solidFill>
+            </a:endParaRPr>
+          </a:p>
+        </p:txBody>
+      </p:sp>
+      <p:sp>
+        <p:nvSpPr>
+          <p:cNvPr id="30" name="正方形/長方形 29">
+            <a:extLst>
+              <a:ext uri="{FF2B5EF4-FFF2-40B4-BE49-F238E27FC236}">
+                <a16:creationId xmlns:a16="http://schemas.microsoft.com/office/drawing/2014/main" id="{29FD7C19-B7C7-4F6B-AE9E-D54CFD20947E}"/>
+              </a:ext>
+            </a:extLst>
+          </p:cNvPr>
+          <p:cNvSpPr/>
+          <p:nvPr/>
+        </p:nvSpPr>
+        <p:spPr>
+          <a:xfrm>
+            <a:off x="5146649" y="1978921"/>
+            <a:ext cx="1031845" cy="314951"/>
+          </a:xfrm>
+          <a:prstGeom prst="rect">
+            <a:avLst/>
+          </a:prstGeom>
+          <a:solidFill>
+            <a:schemeClr val="bg2"/>
+          </a:solidFill>
+          <a:ln>
+            <a:solidFill>
+              <a:schemeClr val="tx1"/>
+            </a:solidFill>
+          </a:ln>
+        </p:spPr>
+        <p:style>
+          <a:lnRef idx="2">
+            <a:schemeClr val="accent1">
+              <a:shade val="50000"/>
+            </a:schemeClr>
+          </a:lnRef>
+          <a:fillRef idx="1">
+            <a:schemeClr val="accent1"/>
+          </a:fillRef>
+          <a:effectRef idx="0">
+            <a:schemeClr val="accent1"/>
+          </a:effectRef>
+          <a:fontRef idx="minor">
+            <a:schemeClr val="lt1"/>
+          </a:fontRef>
+        </p:style>
+        <p:txBody>
+          <a:bodyPr rtlCol="0" anchor="ctr"/>
+          <a:lstStyle/>
+          <a:p>
+            <a:pPr algn="ctr"/>
+            <a:r>
+              <a:rPr kumimoji="1" lang="en-US" altLang="ja-JP" dirty="0">
+                <a:solidFill>
+                  <a:schemeClr val="tx1"/>
+                </a:solidFill>
+              </a:rPr>
+              <a:t>X</a:t>
+            </a:r>
+            <a:endParaRPr kumimoji="1" lang="ja-JP" altLang="en-US" dirty="0">
+              <a:solidFill>
+                <a:schemeClr val="tx1"/>
+              </a:solidFill>
+            </a:endParaRPr>
+          </a:p>
+        </p:txBody>
+      </p:sp>
+      <p:sp>
+        <p:nvSpPr>
+          <p:cNvPr id="31" name="テキスト ボックス 30">
+            <a:extLst>
+              <a:ext uri="{FF2B5EF4-FFF2-40B4-BE49-F238E27FC236}">
+                <a16:creationId xmlns:a16="http://schemas.microsoft.com/office/drawing/2014/main" id="{0B5D8569-736B-4169-B4CF-F6B65DFDD59B}"/>
+              </a:ext>
+            </a:extLst>
+          </p:cNvPr>
+          <p:cNvSpPr txBox="1"/>
+          <p:nvPr/>
+        </p:nvSpPr>
+        <p:spPr>
+          <a:xfrm>
+            <a:off x="4362274" y="1951731"/>
+            <a:ext cx="701881" cy="369332"/>
+          </a:xfrm>
+          <a:prstGeom prst="rect">
+            <a:avLst/>
+          </a:prstGeom>
+          <a:noFill/>
+        </p:spPr>
+        <p:txBody>
+          <a:bodyPr wrap="square" rtlCol="0">
+            <a:spAutoFit/>
+          </a:bodyPr>
+          <a:lstStyle/>
+          <a:p>
+            <a:r>
+              <a:rPr kumimoji="1" lang="en-US" altLang="ja-JP" dirty="0"/>
+              <a:t>Tra1 </a:t>
+            </a:r>
+            <a:endParaRPr kumimoji="1" lang="ja-JP" altLang="en-US" dirty="0"/>
+          </a:p>
+        </p:txBody>
+      </p:sp>
+      <p:sp>
+        <p:nvSpPr>
+          <p:cNvPr id="32" name="正方形/長方形 31">
+            <a:extLst>
+              <a:ext uri="{FF2B5EF4-FFF2-40B4-BE49-F238E27FC236}">
+                <a16:creationId xmlns:a16="http://schemas.microsoft.com/office/drawing/2014/main" id="{0C117438-5A7A-46E5-B270-5DB8B773E757}"/>
+              </a:ext>
+            </a:extLst>
+          </p:cNvPr>
+          <p:cNvSpPr/>
+          <p:nvPr/>
+        </p:nvSpPr>
+        <p:spPr>
+          <a:xfrm>
+            <a:off x="6331244" y="1967845"/>
+            <a:ext cx="1031845" cy="314951"/>
+          </a:xfrm>
+          <a:prstGeom prst="rect">
+            <a:avLst/>
+          </a:prstGeom>
+          <a:solidFill>
+            <a:schemeClr val="bg2"/>
+          </a:solidFill>
+          <a:ln>
+            <a:solidFill>
+              <a:schemeClr val="tx1"/>
+            </a:solidFill>
+          </a:ln>
+        </p:spPr>
+        <p:style>
+          <a:lnRef idx="2">
+            <a:schemeClr val="accent1">
+              <a:shade val="50000"/>
+            </a:schemeClr>
+          </a:lnRef>
+          <a:fillRef idx="1">
+            <a:schemeClr val="accent1"/>
+          </a:fillRef>
+          <a:effectRef idx="0">
+            <a:schemeClr val="accent1"/>
+          </a:effectRef>
+          <a:fontRef idx="minor">
+            <a:schemeClr val="lt1"/>
+          </a:fontRef>
+        </p:style>
+        <p:txBody>
+          <a:bodyPr rtlCol="0" anchor="ctr"/>
+          <a:lstStyle/>
+          <a:p>
+            <a:pPr algn="ctr"/>
+            <a:r>
+              <a:rPr kumimoji="1" lang="en-US" altLang="ja-JP" dirty="0">
+                <a:solidFill>
+                  <a:schemeClr val="tx1"/>
+                </a:solidFill>
+              </a:rPr>
+              <a:t>Y</a:t>
+            </a:r>
+            <a:endParaRPr kumimoji="1" lang="ja-JP" altLang="en-US" dirty="0">
+              <a:solidFill>
+                <a:schemeClr val="tx1"/>
+              </a:solidFill>
+            </a:endParaRPr>
+          </a:p>
+        </p:txBody>
+      </p:sp>
+      <p:sp>
+        <p:nvSpPr>
+          <p:cNvPr id="33" name="正方形/長方形 32">
+            <a:extLst>
+              <a:ext uri="{FF2B5EF4-FFF2-40B4-BE49-F238E27FC236}">
+                <a16:creationId xmlns:a16="http://schemas.microsoft.com/office/drawing/2014/main" id="{6FA48131-BFCD-4985-BE34-62F2C1D116BE}"/>
+              </a:ext>
+            </a:extLst>
+          </p:cNvPr>
+          <p:cNvSpPr/>
+          <p:nvPr/>
+        </p:nvSpPr>
+        <p:spPr>
+          <a:xfrm>
+            <a:off x="7598333" y="1978920"/>
+            <a:ext cx="1031845" cy="314951"/>
+          </a:xfrm>
+          <a:prstGeom prst="rect">
+            <a:avLst/>
+          </a:prstGeom>
+          <a:solidFill>
+            <a:schemeClr val="bg2"/>
+          </a:solidFill>
+          <a:ln>
+            <a:solidFill>
+              <a:schemeClr val="tx1"/>
+            </a:solidFill>
+          </a:ln>
+        </p:spPr>
+        <p:style>
+          <a:lnRef idx="2">
+            <a:schemeClr val="accent1">
+              <a:shade val="50000"/>
+            </a:schemeClr>
+          </a:lnRef>
+          <a:fillRef idx="1">
+            <a:schemeClr val="accent1"/>
+          </a:fillRef>
+          <a:effectRef idx="0">
+            <a:schemeClr val="accent1"/>
+          </a:effectRef>
+          <a:fontRef idx="minor">
+            <a:schemeClr val="lt1"/>
+          </a:fontRef>
+        </p:style>
+        <p:txBody>
+          <a:bodyPr rtlCol="0" anchor="ctr"/>
+          <a:lstStyle/>
+          <a:p>
+            <a:pPr algn="ctr"/>
+            <a:r>
+              <a:rPr kumimoji="1" lang="en-US" altLang="ja-JP" dirty="0">
+                <a:solidFill>
+                  <a:schemeClr val="tx1"/>
+                </a:solidFill>
+              </a:rPr>
+              <a:t>Z</a:t>
+            </a:r>
+            <a:endParaRPr kumimoji="1" lang="ja-JP" altLang="en-US" dirty="0">
+              <a:solidFill>
+                <a:schemeClr val="tx1"/>
+              </a:solidFill>
+            </a:endParaRPr>
+          </a:p>
+        </p:txBody>
+      </p:sp>
+      <p:sp>
+        <p:nvSpPr>
+          <p:cNvPr id="34" name="正方形/長方形 33">
+            <a:extLst>
+              <a:ext uri="{FF2B5EF4-FFF2-40B4-BE49-F238E27FC236}">
+                <a16:creationId xmlns:a16="http://schemas.microsoft.com/office/drawing/2014/main" id="{AA8EDCFB-7185-4842-8E72-838B834DF403}"/>
+              </a:ext>
+            </a:extLst>
+          </p:cNvPr>
+          <p:cNvSpPr/>
+          <p:nvPr/>
+        </p:nvSpPr>
+        <p:spPr>
+          <a:xfrm>
+            <a:off x="5146649" y="2363504"/>
+            <a:ext cx="757453" cy="314951"/>
+          </a:xfrm>
+          <a:prstGeom prst="rect">
+            <a:avLst/>
+          </a:prstGeom>
+          <a:solidFill>
+            <a:schemeClr val="bg2"/>
+          </a:solidFill>
+          <a:ln>
+            <a:solidFill>
+              <a:schemeClr val="tx1"/>
+            </a:solidFill>
+          </a:ln>
+        </p:spPr>
+        <p:style>
+          <a:lnRef idx="2">
+            <a:schemeClr val="accent1">
+              <a:shade val="50000"/>
+            </a:schemeClr>
+          </a:lnRef>
+          <a:fillRef idx="1">
+            <a:schemeClr val="accent1"/>
+          </a:fillRef>
+          <a:effectRef idx="0">
+            <a:schemeClr val="accent1"/>
+          </a:effectRef>
+          <a:fontRef idx="minor">
+            <a:schemeClr val="lt1"/>
+          </a:fontRef>
+        </p:style>
+        <p:txBody>
+          <a:bodyPr rtlCol="0" anchor="ctr"/>
+          <a:lstStyle/>
+          <a:p>
+            <a:pPr algn="ctr"/>
+            <a:r>
+              <a:rPr kumimoji="1" lang="en-US" altLang="ja-JP" dirty="0" err="1">
+                <a:solidFill>
+                  <a:schemeClr val="tx1"/>
+                </a:solidFill>
+              </a:rPr>
+              <a:t>qX</a:t>
+            </a:r>
+            <a:endParaRPr kumimoji="1" lang="ja-JP" altLang="en-US" dirty="0">
+              <a:solidFill>
+                <a:schemeClr val="tx1"/>
+              </a:solidFill>
+            </a:endParaRPr>
+          </a:p>
+        </p:txBody>
+      </p:sp>
+      <p:sp>
+        <p:nvSpPr>
+          <p:cNvPr id="35" name="正方形/長方形 34">
+            <a:extLst>
+              <a:ext uri="{FF2B5EF4-FFF2-40B4-BE49-F238E27FC236}">
+                <a16:creationId xmlns:a16="http://schemas.microsoft.com/office/drawing/2014/main" id="{D68E05DD-0AE6-4B86-919B-28782F2139D4}"/>
+              </a:ext>
+            </a:extLst>
+          </p:cNvPr>
+          <p:cNvSpPr/>
+          <p:nvPr/>
+        </p:nvSpPr>
+        <p:spPr>
+          <a:xfrm>
+            <a:off x="6029414" y="2363502"/>
+            <a:ext cx="757453" cy="314951"/>
+          </a:xfrm>
+          <a:prstGeom prst="rect">
+            <a:avLst/>
+          </a:prstGeom>
+          <a:solidFill>
+            <a:schemeClr val="bg2"/>
+          </a:solidFill>
+          <a:ln>
+            <a:solidFill>
+              <a:schemeClr val="tx1"/>
+            </a:solidFill>
+          </a:ln>
+        </p:spPr>
+        <p:style>
+          <a:lnRef idx="2">
+            <a:schemeClr val="accent1">
+              <a:shade val="50000"/>
+            </a:schemeClr>
+          </a:lnRef>
+          <a:fillRef idx="1">
+            <a:schemeClr val="accent1"/>
+          </a:fillRef>
+          <a:effectRef idx="0">
+            <a:schemeClr val="accent1"/>
+          </a:effectRef>
+          <a:fontRef idx="minor">
+            <a:schemeClr val="lt1"/>
+          </a:fontRef>
+        </p:style>
+        <p:txBody>
+          <a:bodyPr rtlCol="0" anchor="ctr"/>
+          <a:lstStyle/>
+          <a:p>
+            <a:pPr algn="ctr"/>
+            <a:r>
+              <a:rPr kumimoji="1" lang="en-US" altLang="ja-JP" dirty="0" err="1">
+                <a:solidFill>
+                  <a:schemeClr val="tx1"/>
+                </a:solidFill>
+              </a:rPr>
+              <a:t>qY</a:t>
+            </a:r>
+            <a:endParaRPr kumimoji="1" lang="ja-JP" altLang="en-US" dirty="0">
+              <a:solidFill>
+                <a:schemeClr val="tx1"/>
+              </a:solidFill>
+            </a:endParaRPr>
+          </a:p>
+        </p:txBody>
+      </p:sp>
+      <p:sp>
+        <p:nvSpPr>
+          <p:cNvPr id="36" name="正方形/長方形 35">
+            <a:extLst>
+              <a:ext uri="{FF2B5EF4-FFF2-40B4-BE49-F238E27FC236}">
+                <a16:creationId xmlns:a16="http://schemas.microsoft.com/office/drawing/2014/main" id="{13EFF3B8-8C43-47A7-B781-FA93822CD8B1}"/>
+              </a:ext>
+            </a:extLst>
+          </p:cNvPr>
+          <p:cNvSpPr/>
+          <p:nvPr/>
+        </p:nvSpPr>
+        <p:spPr>
+          <a:xfrm>
+            <a:off x="6921267" y="2363501"/>
+            <a:ext cx="757453" cy="314951"/>
+          </a:xfrm>
+          <a:prstGeom prst="rect">
+            <a:avLst/>
+          </a:prstGeom>
+          <a:solidFill>
+            <a:schemeClr val="bg2"/>
+          </a:solidFill>
+          <a:ln>
+            <a:solidFill>
+              <a:schemeClr val="tx1"/>
+            </a:solidFill>
+          </a:ln>
+        </p:spPr>
+        <p:style>
+          <a:lnRef idx="2">
+            <a:schemeClr val="accent1">
+              <a:shade val="50000"/>
+            </a:schemeClr>
+          </a:lnRef>
+          <a:fillRef idx="1">
+            <a:schemeClr val="accent1"/>
+          </a:fillRef>
+          <a:effectRef idx="0">
+            <a:schemeClr val="accent1"/>
+          </a:effectRef>
+          <a:fontRef idx="minor">
+            <a:schemeClr val="lt1"/>
+          </a:fontRef>
+        </p:style>
+        <p:txBody>
+          <a:bodyPr rtlCol="0" anchor="ctr"/>
+          <a:lstStyle/>
+          <a:p>
+            <a:pPr algn="ctr"/>
+            <a:r>
+              <a:rPr kumimoji="1" lang="en-US" altLang="ja-JP" dirty="0" err="1">
+                <a:solidFill>
+                  <a:schemeClr val="tx1"/>
+                </a:solidFill>
+              </a:rPr>
+              <a:t>qZ</a:t>
+            </a:r>
+            <a:endParaRPr kumimoji="1" lang="ja-JP" altLang="en-US" dirty="0">
+              <a:solidFill>
+                <a:schemeClr val="tx1"/>
+              </a:solidFill>
+            </a:endParaRPr>
+          </a:p>
+        </p:txBody>
+      </p:sp>
+      <p:sp>
+        <p:nvSpPr>
+          <p:cNvPr id="37" name="正方形/長方形 36">
+            <a:extLst>
+              <a:ext uri="{FF2B5EF4-FFF2-40B4-BE49-F238E27FC236}">
+                <a16:creationId xmlns:a16="http://schemas.microsoft.com/office/drawing/2014/main" id="{CD801225-A2A5-4D28-8421-012831DF8035}"/>
+              </a:ext>
+            </a:extLst>
+          </p:cNvPr>
+          <p:cNvSpPr/>
+          <p:nvPr/>
+        </p:nvSpPr>
+        <p:spPr>
+          <a:xfrm>
+            <a:off x="7813120" y="2367560"/>
+            <a:ext cx="757453" cy="314951"/>
+          </a:xfrm>
+          <a:prstGeom prst="rect">
+            <a:avLst/>
+          </a:prstGeom>
+          <a:solidFill>
+            <a:schemeClr val="bg2"/>
+          </a:solidFill>
+          <a:ln>
+            <a:solidFill>
+              <a:schemeClr val="tx1"/>
+            </a:solidFill>
+          </a:ln>
+        </p:spPr>
+        <p:style>
+          <a:lnRef idx="2">
+            <a:schemeClr val="accent1">
+              <a:shade val="50000"/>
+            </a:schemeClr>
+          </a:lnRef>
+          <a:fillRef idx="1">
+            <a:schemeClr val="accent1"/>
+          </a:fillRef>
+          <a:effectRef idx="0">
+            <a:schemeClr val="accent1"/>
+          </a:effectRef>
+          <a:fontRef idx="minor">
+            <a:schemeClr val="lt1"/>
+          </a:fontRef>
+        </p:style>
+        <p:txBody>
+          <a:bodyPr rtlCol="0" anchor="ctr"/>
+          <a:lstStyle/>
+          <a:p>
+            <a:pPr algn="ctr"/>
+            <a:r>
+              <a:rPr lang="en-US" altLang="ja-JP" dirty="0" err="1">
+                <a:solidFill>
+                  <a:schemeClr val="tx1"/>
+                </a:solidFill>
+              </a:rPr>
+              <a:t>qW</a:t>
+            </a:r>
+            <a:endParaRPr kumimoji="1" lang="ja-JP" altLang="en-US" dirty="0">
+              <a:solidFill>
+                <a:schemeClr val="tx1"/>
+              </a:solidFill>
+            </a:endParaRPr>
+          </a:p>
+        </p:txBody>
+      </p:sp>
+      <p:sp>
+        <p:nvSpPr>
+          <p:cNvPr id="38" name="正方形/長方形 37">
+            <a:extLst>
+              <a:ext uri="{FF2B5EF4-FFF2-40B4-BE49-F238E27FC236}">
+                <a16:creationId xmlns:a16="http://schemas.microsoft.com/office/drawing/2014/main" id="{536C72E1-2CF7-432D-9DA4-8D121F2C6814}"/>
+              </a:ext>
+            </a:extLst>
+          </p:cNvPr>
+          <p:cNvSpPr/>
+          <p:nvPr/>
+        </p:nvSpPr>
+        <p:spPr>
+          <a:xfrm>
+            <a:off x="5146645" y="2828596"/>
+            <a:ext cx="1031845" cy="314951"/>
+          </a:xfrm>
+          <a:prstGeom prst="rect">
+            <a:avLst/>
+          </a:prstGeom>
+          <a:solidFill>
+            <a:schemeClr val="bg2"/>
+          </a:solidFill>
+          <a:ln>
+            <a:solidFill>
+              <a:schemeClr val="tx1"/>
+            </a:solidFill>
+          </a:ln>
+        </p:spPr>
+        <p:style>
+          <a:lnRef idx="2">
+            <a:schemeClr val="accent1">
+              <a:shade val="50000"/>
+            </a:schemeClr>
+          </a:lnRef>
+          <a:fillRef idx="1">
+            <a:schemeClr val="accent1"/>
+          </a:fillRef>
+          <a:effectRef idx="0">
+            <a:schemeClr val="accent1"/>
+          </a:effectRef>
+          <a:fontRef idx="minor">
+            <a:schemeClr val="lt1"/>
+          </a:fontRef>
+        </p:style>
+        <p:txBody>
+          <a:bodyPr rtlCol="0" anchor="ctr"/>
+          <a:lstStyle/>
+          <a:p>
+            <a:pPr algn="ctr"/>
+            <a:r>
+              <a:rPr kumimoji="1" lang="en-US" altLang="ja-JP" dirty="0">
+                <a:solidFill>
+                  <a:schemeClr val="tx1"/>
+                </a:solidFill>
+              </a:rPr>
+              <a:t>X</a:t>
+            </a:r>
+            <a:endParaRPr kumimoji="1" lang="ja-JP" altLang="en-US" dirty="0">
+              <a:solidFill>
+                <a:schemeClr val="tx1"/>
+              </a:solidFill>
+            </a:endParaRPr>
+          </a:p>
+        </p:txBody>
+      </p:sp>
+      <p:sp>
+        <p:nvSpPr>
+          <p:cNvPr id="39" name="テキスト ボックス 38">
+            <a:extLst>
+              <a:ext uri="{FF2B5EF4-FFF2-40B4-BE49-F238E27FC236}">
+                <a16:creationId xmlns:a16="http://schemas.microsoft.com/office/drawing/2014/main" id="{B2A5C020-D14D-4E5A-9B7C-2DBDFFAFDCF3}"/>
+              </a:ext>
+            </a:extLst>
+          </p:cNvPr>
+          <p:cNvSpPr txBox="1"/>
+          <p:nvPr/>
+        </p:nvSpPr>
+        <p:spPr>
+          <a:xfrm>
+            <a:off x="4362270" y="2801406"/>
+            <a:ext cx="701881" cy="369332"/>
+          </a:xfrm>
+          <a:prstGeom prst="rect">
+            <a:avLst/>
+          </a:prstGeom>
+          <a:noFill/>
+        </p:spPr>
+        <p:txBody>
+          <a:bodyPr wrap="square" rtlCol="0">
+            <a:spAutoFit/>
+          </a:bodyPr>
+          <a:lstStyle/>
+          <a:p>
+            <a:r>
+              <a:rPr kumimoji="1" lang="en-US" altLang="ja-JP" dirty="0"/>
+              <a:t>Tra2 </a:t>
+            </a:r>
+            <a:endParaRPr kumimoji="1" lang="ja-JP" altLang="en-US" dirty="0"/>
+          </a:p>
+        </p:txBody>
+      </p:sp>
+      <p:sp>
+        <p:nvSpPr>
+          <p:cNvPr id="40" name="正方形/長方形 39">
+            <a:extLst>
+              <a:ext uri="{FF2B5EF4-FFF2-40B4-BE49-F238E27FC236}">
+                <a16:creationId xmlns:a16="http://schemas.microsoft.com/office/drawing/2014/main" id="{C3654DE7-20C7-4CD5-B02B-1B45EDA28E68}"/>
+              </a:ext>
+            </a:extLst>
+          </p:cNvPr>
+          <p:cNvSpPr/>
+          <p:nvPr/>
+        </p:nvSpPr>
+        <p:spPr>
+          <a:xfrm>
+            <a:off x="6331240" y="2817520"/>
+            <a:ext cx="1031845" cy="314951"/>
+          </a:xfrm>
+          <a:prstGeom prst="rect">
+            <a:avLst/>
+          </a:prstGeom>
+          <a:solidFill>
+            <a:schemeClr val="bg2"/>
+          </a:solidFill>
+          <a:ln>
+            <a:solidFill>
+              <a:schemeClr val="tx1"/>
+            </a:solidFill>
+          </a:ln>
+        </p:spPr>
+        <p:style>
+          <a:lnRef idx="2">
+            <a:schemeClr val="accent1">
+              <a:shade val="50000"/>
+            </a:schemeClr>
+          </a:lnRef>
+          <a:fillRef idx="1">
+            <a:schemeClr val="accent1"/>
+          </a:fillRef>
+          <a:effectRef idx="0">
+            <a:schemeClr val="accent1"/>
+          </a:effectRef>
+          <a:fontRef idx="minor">
+            <a:schemeClr val="lt1"/>
+          </a:fontRef>
+        </p:style>
+        <p:txBody>
+          <a:bodyPr rtlCol="0" anchor="ctr"/>
+          <a:lstStyle/>
+          <a:p>
+            <a:pPr algn="ctr"/>
+            <a:r>
+              <a:rPr kumimoji="1" lang="en-US" altLang="ja-JP" dirty="0">
+                <a:solidFill>
+                  <a:schemeClr val="tx1"/>
+                </a:solidFill>
+              </a:rPr>
+              <a:t>Y</a:t>
+            </a:r>
+            <a:endParaRPr kumimoji="1" lang="ja-JP" altLang="en-US" dirty="0">
+              <a:solidFill>
+                <a:schemeClr val="tx1"/>
+              </a:solidFill>
+            </a:endParaRPr>
+          </a:p>
+        </p:txBody>
+      </p:sp>
+      <p:sp>
+        <p:nvSpPr>
+          <p:cNvPr id="41" name="正方形/長方形 40">
+            <a:extLst>
+              <a:ext uri="{FF2B5EF4-FFF2-40B4-BE49-F238E27FC236}">
+                <a16:creationId xmlns:a16="http://schemas.microsoft.com/office/drawing/2014/main" id="{BCEB38F3-87D0-49A8-8CD6-8424D14C1CE2}"/>
+              </a:ext>
+            </a:extLst>
+          </p:cNvPr>
+          <p:cNvSpPr/>
+          <p:nvPr/>
+        </p:nvSpPr>
+        <p:spPr>
+          <a:xfrm>
+            <a:off x="7598329" y="2828595"/>
+            <a:ext cx="1031845" cy="314951"/>
+          </a:xfrm>
+          <a:prstGeom prst="rect">
+            <a:avLst/>
+          </a:prstGeom>
+          <a:solidFill>
+            <a:schemeClr val="bg2"/>
+          </a:solidFill>
+          <a:ln>
+            <a:solidFill>
+              <a:schemeClr val="tx1"/>
+            </a:solidFill>
+          </a:ln>
+        </p:spPr>
+        <p:style>
+          <a:lnRef idx="2">
+            <a:schemeClr val="accent1">
+              <a:shade val="50000"/>
+            </a:schemeClr>
+          </a:lnRef>
+          <a:fillRef idx="1">
+            <a:schemeClr val="accent1"/>
+          </a:fillRef>
+          <a:effectRef idx="0">
+            <a:schemeClr val="accent1"/>
+          </a:effectRef>
+          <a:fontRef idx="minor">
+            <a:schemeClr val="lt1"/>
+          </a:fontRef>
+        </p:style>
+        <p:txBody>
+          <a:bodyPr rtlCol="0" anchor="ctr"/>
+          <a:lstStyle/>
+          <a:p>
+            <a:pPr algn="ctr"/>
+            <a:r>
+              <a:rPr kumimoji="1" lang="en-US" altLang="ja-JP" dirty="0">
+                <a:solidFill>
+                  <a:schemeClr val="tx1"/>
+                </a:solidFill>
+              </a:rPr>
+              <a:t>Z</a:t>
+            </a:r>
+            <a:endParaRPr kumimoji="1" lang="ja-JP" altLang="en-US" dirty="0">
+              <a:solidFill>
+                <a:schemeClr val="tx1"/>
+              </a:solidFill>
+            </a:endParaRPr>
+          </a:p>
+        </p:txBody>
+      </p:sp>
+      <p:sp>
+        <p:nvSpPr>
+          <p:cNvPr id="42" name="正方形/長方形 41">
+            <a:extLst>
+              <a:ext uri="{FF2B5EF4-FFF2-40B4-BE49-F238E27FC236}">
+                <a16:creationId xmlns:a16="http://schemas.microsoft.com/office/drawing/2014/main" id="{6163D6CA-C63A-4D2E-A053-B3DAF4795F20}"/>
+              </a:ext>
+            </a:extLst>
+          </p:cNvPr>
+          <p:cNvSpPr/>
+          <p:nvPr/>
+        </p:nvSpPr>
+        <p:spPr>
+          <a:xfrm>
+            <a:off x="5146645" y="3213179"/>
+            <a:ext cx="757453" cy="314951"/>
+          </a:xfrm>
+          <a:prstGeom prst="rect">
+            <a:avLst/>
+          </a:prstGeom>
+          <a:solidFill>
+            <a:schemeClr val="bg2"/>
+          </a:solidFill>
+          <a:ln>
+            <a:solidFill>
+              <a:schemeClr val="tx1"/>
+            </a:solidFill>
+          </a:ln>
+        </p:spPr>
+        <p:style>
+          <a:lnRef idx="2">
+            <a:schemeClr val="accent1">
+              <a:shade val="50000"/>
+            </a:schemeClr>
+          </a:lnRef>
+          <a:fillRef idx="1">
+            <a:schemeClr val="accent1"/>
+          </a:fillRef>
+          <a:effectRef idx="0">
+            <a:schemeClr val="accent1"/>
+          </a:effectRef>
+          <a:fontRef idx="minor">
+            <a:schemeClr val="lt1"/>
+          </a:fontRef>
+        </p:style>
+        <p:txBody>
+          <a:bodyPr rtlCol="0" anchor="ctr"/>
+          <a:lstStyle/>
+          <a:p>
+            <a:pPr algn="ctr"/>
+            <a:r>
+              <a:rPr kumimoji="1" lang="en-US" altLang="ja-JP" dirty="0" err="1">
+                <a:solidFill>
+                  <a:schemeClr val="tx1"/>
+                </a:solidFill>
+              </a:rPr>
+              <a:t>qX</a:t>
+            </a:r>
+            <a:endParaRPr kumimoji="1" lang="ja-JP" altLang="en-US" dirty="0">
+              <a:solidFill>
+                <a:schemeClr val="tx1"/>
+              </a:solidFill>
+            </a:endParaRPr>
+          </a:p>
+        </p:txBody>
+      </p:sp>
+      <p:sp>
+        <p:nvSpPr>
+          <p:cNvPr id="43" name="正方形/長方形 42">
+            <a:extLst>
+              <a:ext uri="{FF2B5EF4-FFF2-40B4-BE49-F238E27FC236}">
+                <a16:creationId xmlns:a16="http://schemas.microsoft.com/office/drawing/2014/main" id="{C4A6F88E-85E2-4AB7-AFA7-BC47BF000F7B}"/>
+              </a:ext>
+            </a:extLst>
+          </p:cNvPr>
+          <p:cNvSpPr/>
+          <p:nvPr/>
+        </p:nvSpPr>
+        <p:spPr>
+          <a:xfrm>
+            <a:off x="6029410" y="3213177"/>
+            <a:ext cx="757453" cy="314951"/>
+          </a:xfrm>
+          <a:prstGeom prst="rect">
+            <a:avLst/>
+          </a:prstGeom>
+          <a:solidFill>
+            <a:schemeClr val="bg2"/>
+          </a:solidFill>
+          <a:ln>
+            <a:solidFill>
+              <a:schemeClr val="tx1"/>
+            </a:solidFill>
+          </a:ln>
+        </p:spPr>
+        <p:style>
+          <a:lnRef idx="2">
+            <a:schemeClr val="accent1">
+              <a:shade val="50000"/>
+            </a:schemeClr>
+          </a:lnRef>
+          <a:fillRef idx="1">
+            <a:schemeClr val="accent1"/>
+          </a:fillRef>
+          <a:effectRef idx="0">
+            <a:schemeClr val="accent1"/>
+          </a:effectRef>
+          <a:fontRef idx="minor">
+            <a:schemeClr val="lt1"/>
+          </a:fontRef>
+        </p:style>
+        <p:txBody>
+          <a:bodyPr rtlCol="0" anchor="ctr"/>
+          <a:lstStyle/>
+          <a:p>
+            <a:pPr algn="ctr"/>
+            <a:r>
+              <a:rPr kumimoji="1" lang="en-US" altLang="ja-JP" dirty="0" err="1">
+                <a:solidFill>
+                  <a:schemeClr val="tx1"/>
+                </a:solidFill>
+              </a:rPr>
+              <a:t>qY</a:t>
+            </a:r>
+            <a:endParaRPr kumimoji="1" lang="ja-JP" altLang="en-US" dirty="0">
+              <a:solidFill>
+                <a:schemeClr val="tx1"/>
+              </a:solidFill>
+            </a:endParaRPr>
+          </a:p>
+        </p:txBody>
+      </p:sp>
+      <p:sp>
+        <p:nvSpPr>
+          <p:cNvPr id="44" name="正方形/長方形 43">
+            <a:extLst>
+              <a:ext uri="{FF2B5EF4-FFF2-40B4-BE49-F238E27FC236}">
+                <a16:creationId xmlns:a16="http://schemas.microsoft.com/office/drawing/2014/main" id="{76B15D94-3428-45A6-81CA-0701A1ADDA34}"/>
+              </a:ext>
+            </a:extLst>
+          </p:cNvPr>
+          <p:cNvSpPr/>
+          <p:nvPr/>
+        </p:nvSpPr>
+        <p:spPr>
+          <a:xfrm>
+            <a:off x="6921263" y="3213176"/>
+            <a:ext cx="757453" cy="314951"/>
+          </a:xfrm>
+          <a:prstGeom prst="rect">
+            <a:avLst/>
+          </a:prstGeom>
+          <a:solidFill>
+            <a:schemeClr val="bg2"/>
+          </a:solidFill>
+          <a:ln>
+            <a:solidFill>
+              <a:schemeClr val="tx1"/>
+            </a:solidFill>
+          </a:ln>
+        </p:spPr>
+        <p:style>
+          <a:lnRef idx="2">
+            <a:schemeClr val="accent1">
+              <a:shade val="50000"/>
+            </a:schemeClr>
+          </a:lnRef>
+          <a:fillRef idx="1">
+            <a:schemeClr val="accent1"/>
+          </a:fillRef>
+          <a:effectRef idx="0">
+            <a:schemeClr val="accent1"/>
+          </a:effectRef>
+          <a:fontRef idx="minor">
+            <a:schemeClr val="lt1"/>
+          </a:fontRef>
+        </p:style>
+        <p:txBody>
+          <a:bodyPr rtlCol="0" anchor="ctr"/>
+          <a:lstStyle/>
+          <a:p>
+            <a:pPr algn="ctr"/>
+            <a:r>
+              <a:rPr kumimoji="1" lang="en-US" altLang="ja-JP" dirty="0" err="1">
+                <a:solidFill>
+                  <a:schemeClr val="tx1"/>
+                </a:solidFill>
+              </a:rPr>
+              <a:t>qZ</a:t>
+            </a:r>
+            <a:endParaRPr kumimoji="1" lang="ja-JP" altLang="en-US" dirty="0">
+              <a:solidFill>
+                <a:schemeClr val="tx1"/>
+              </a:solidFill>
+            </a:endParaRPr>
+          </a:p>
+        </p:txBody>
+      </p:sp>
+      <p:sp>
+        <p:nvSpPr>
+          <p:cNvPr id="45" name="正方形/長方形 44">
+            <a:extLst>
+              <a:ext uri="{FF2B5EF4-FFF2-40B4-BE49-F238E27FC236}">
+                <a16:creationId xmlns:a16="http://schemas.microsoft.com/office/drawing/2014/main" id="{BB7B0539-D412-43D7-A980-CD102B28D903}"/>
+              </a:ext>
+            </a:extLst>
+          </p:cNvPr>
+          <p:cNvSpPr/>
+          <p:nvPr/>
+        </p:nvSpPr>
+        <p:spPr>
+          <a:xfrm>
+            <a:off x="7813116" y="3217235"/>
+            <a:ext cx="757453" cy="314951"/>
+          </a:xfrm>
+          <a:prstGeom prst="rect">
+            <a:avLst/>
+          </a:prstGeom>
+          <a:solidFill>
+            <a:schemeClr val="bg2"/>
+          </a:solidFill>
+          <a:ln>
+            <a:solidFill>
+              <a:schemeClr val="tx1"/>
+            </a:solidFill>
+          </a:ln>
+        </p:spPr>
+        <p:style>
+          <a:lnRef idx="2">
+            <a:schemeClr val="accent1">
+              <a:shade val="50000"/>
+            </a:schemeClr>
+          </a:lnRef>
+          <a:fillRef idx="1">
+            <a:schemeClr val="accent1"/>
+          </a:fillRef>
+          <a:effectRef idx="0">
+            <a:schemeClr val="accent1"/>
+          </a:effectRef>
+          <a:fontRef idx="minor">
+            <a:schemeClr val="lt1"/>
+          </a:fontRef>
+        </p:style>
+        <p:txBody>
+          <a:bodyPr rtlCol="0" anchor="ctr"/>
+          <a:lstStyle/>
+          <a:p>
+            <a:pPr algn="ctr"/>
+            <a:r>
+              <a:rPr lang="en-US" altLang="ja-JP" dirty="0" err="1">
+                <a:solidFill>
+                  <a:schemeClr val="tx1"/>
+                </a:solidFill>
+              </a:rPr>
+              <a:t>qW</a:t>
+            </a:r>
+            <a:endParaRPr kumimoji="1" lang="ja-JP" altLang="en-US" dirty="0">
+              <a:solidFill>
+                <a:schemeClr val="tx1"/>
+              </a:solidFill>
+            </a:endParaRPr>
+          </a:p>
+        </p:txBody>
+      </p:sp>
+      <p:sp>
+        <p:nvSpPr>
+          <p:cNvPr id="46" name="テキスト ボックス 45">
+            <a:extLst>
+              <a:ext uri="{FF2B5EF4-FFF2-40B4-BE49-F238E27FC236}">
+                <a16:creationId xmlns:a16="http://schemas.microsoft.com/office/drawing/2014/main" id="{0B5CFF34-2F28-4256-9EB2-740D324C6EA0}"/>
+              </a:ext>
+            </a:extLst>
+          </p:cNvPr>
+          <p:cNvSpPr txBox="1"/>
+          <p:nvPr/>
+        </p:nvSpPr>
+        <p:spPr>
+          <a:xfrm>
+            <a:off x="6185484" y="3691498"/>
+            <a:ext cx="2698457" cy="369332"/>
+          </a:xfrm>
+          <a:prstGeom prst="rect">
+            <a:avLst/>
+          </a:prstGeom>
+          <a:noFill/>
+        </p:spPr>
+        <p:txBody>
+          <a:bodyPr wrap="square" rtlCol="0">
+            <a:spAutoFit/>
+          </a:bodyPr>
+          <a:lstStyle/>
+          <a:p>
+            <a:r>
+              <a:rPr lang="ja-JP" altLang="en-US" dirty="0"/>
+              <a:t>・・・</a:t>
+            </a:r>
+            <a:endParaRPr kumimoji="1" lang="ja-JP" altLang="en-US" dirty="0"/>
+          </a:p>
+        </p:txBody>
+      </p:sp>
+    </p:spTree>
+    <p:extLst>
+      <p:ext uri="{BB962C8B-B14F-4D97-AF65-F5344CB8AC3E}">
+        <p14:creationId xmlns:p14="http://schemas.microsoft.com/office/powerpoint/2010/main" val="1319047942"/>
+      </p:ext>
+    </p:extLst>
+  </p:cSld>
+  <p:clrMapOvr>
+    <a:masterClrMapping/>
+  </p:clrMapOvr>
+</p:sld>
+</file>
+
+<file path=ppt/slides/slide3.xml><?xml version="1.0" encoding="utf-8"?>
+<p:sld xmlns:a="http://schemas.openxmlformats.org/drawingml/2006/main" xmlns:r="http://schemas.openxmlformats.org/officeDocument/2006/relationships" xmlns:p="http://schemas.openxmlformats.org/presentationml/2006/main">
+  <p:cSld>
+    <p:spTree>
+      <p:nvGrpSpPr>
+        <p:cNvPr id="1" name=""/>
+        <p:cNvGrpSpPr/>
+        <p:nvPr/>
+      </p:nvGrpSpPr>
+      <p:grpSpPr>
+        <a:xfrm>
+          <a:off x="0" y="0"/>
+          <a:ext cx="0" cy="0"/>
+          <a:chOff x="0" y="0"/>
+          <a:chExt cx="0" cy="0"/>
+        </a:xfrm>
+      </p:grpSpPr>
+      <p:sp>
+        <p:nvSpPr>
+          <p:cNvPr id="2" name="タイトル 1">
+            <a:extLst>
+              <a:ext uri="{FF2B5EF4-FFF2-40B4-BE49-F238E27FC236}">
+                <a16:creationId xmlns:a16="http://schemas.microsoft.com/office/drawing/2014/main" id="{8977A695-44D2-4A5D-BBF7-3F24CA3F0C67}"/>
+              </a:ext>
+            </a:extLst>
+          </p:cNvPr>
+          <p:cNvSpPr>
+            <a:spLocks noGrp="1"/>
+          </p:cNvSpPr>
+          <p:nvPr>
+            <p:ph type="title"/>
+          </p:nvPr>
+        </p:nvSpPr>
+        <p:spPr/>
+        <p:txBody>
+          <a:bodyPr/>
+          <a:lstStyle/>
+          <a:p>
+            <a:r>
+              <a:rPr kumimoji="1" lang="ja-JP" altLang="en-US" dirty="0"/>
+              <a:t>通信</a:t>
+            </a:r>
+          </a:p>
+        </p:txBody>
+      </p:sp>
+      <p:sp>
+        <p:nvSpPr>
+          <p:cNvPr id="3" name="コンテンツ プレースホルダー 2">
+            <a:extLst>
+              <a:ext uri="{FF2B5EF4-FFF2-40B4-BE49-F238E27FC236}">
+                <a16:creationId xmlns:a16="http://schemas.microsoft.com/office/drawing/2014/main" id="{5AA0540C-FBDE-4200-9122-00E7CCA978D7}"/>
+              </a:ext>
+            </a:extLst>
+          </p:cNvPr>
+          <p:cNvSpPr>
+            <a:spLocks noGrp="1"/>
+          </p:cNvSpPr>
+          <p:nvPr>
+            <p:ph idx="1"/>
+          </p:nvPr>
+        </p:nvSpPr>
+        <p:spPr/>
+        <p:txBody>
+          <a:bodyPr>
+            <a:normAutofit/>
+          </a:bodyPr>
+          <a:lstStyle/>
+          <a:p>
+            <a:pPr marL="0" indent="0">
+              <a:buNone/>
+            </a:pPr>
+            <a:r>
+              <a:rPr kumimoji="1" lang="en-US" altLang="ja-JP" sz="1400" dirty="0"/>
+              <a:t>M2D</a:t>
+            </a:r>
+          </a:p>
+          <a:p>
+            <a:pPr marL="0" indent="0">
+              <a:buNone/>
+            </a:pPr>
+            <a:r>
+              <a:rPr lang="ja-JP" altLang="en-US" sz="1400" dirty="0"/>
+              <a:t>・</a:t>
+            </a:r>
+            <a:r>
+              <a:rPr lang="en-US" altLang="ja-JP" sz="1400" dirty="0"/>
+              <a:t>Tracker(</a:t>
+            </a:r>
+            <a:r>
+              <a:rPr lang="en-US" altLang="ja-JP" sz="1400" dirty="0" err="1"/>
+              <a:t>idx,pos,rot,enable,type</a:t>
+            </a:r>
+            <a:r>
+              <a:rPr lang="en-US" altLang="ja-JP" sz="1400" dirty="0"/>
+              <a:t>)</a:t>
+            </a:r>
+          </a:p>
+          <a:p>
+            <a:pPr marL="0" indent="0">
+              <a:buNone/>
+            </a:pPr>
+            <a:r>
+              <a:rPr lang="ja-JP" altLang="en-US" sz="1400" dirty="0"/>
+              <a:t>　→姿勢反映に使う。初めて送られてきたトラッカーは登録する</a:t>
+            </a:r>
+            <a:r>
+              <a:rPr lang="en-US" altLang="ja-JP" sz="1400" dirty="0"/>
+              <a:t>(</a:t>
+            </a:r>
+            <a:r>
+              <a:rPr lang="ja-JP" altLang="en-US" sz="1400" dirty="0"/>
+              <a:t>増やす</a:t>
+            </a:r>
+            <a:r>
+              <a:rPr lang="en-US" altLang="ja-JP" sz="1400" dirty="0"/>
+              <a:t>)</a:t>
+            </a:r>
+            <a:r>
+              <a:rPr lang="ja-JP" altLang="en-US" sz="1400" dirty="0"/>
+              <a:t>、その際コントローラなど扱いにできる。</a:t>
+            </a:r>
+            <a:endParaRPr lang="en-US" altLang="ja-JP" sz="1400" dirty="0"/>
+          </a:p>
+          <a:p>
+            <a:pPr marL="0" indent="0">
+              <a:buNone/>
+            </a:pPr>
+            <a:r>
+              <a:rPr lang="ja-JP" altLang="en-US" sz="1400" dirty="0"/>
+              <a:t>・</a:t>
+            </a:r>
+            <a:r>
+              <a:rPr lang="en-US" altLang="ja-JP" sz="1400" dirty="0" err="1"/>
+              <a:t>Cmd</a:t>
+            </a:r>
+            <a:r>
+              <a:rPr lang="en-US" altLang="ja-JP" sz="1400" dirty="0"/>
+              <a:t>(id, string)</a:t>
+            </a:r>
+          </a:p>
+          <a:p>
+            <a:pPr marL="0" indent="0">
+              <a:buNone/>
+            </a:pPr>
+            <a:r>
+              <a:rPr kumimoji="1" lang="ja-JP" altLang="en-US" sz="1400" dirty="0"/>
+              <a:t>　→特殊文字列コマンド</a:t>
+            </a:r>
+            <a:r>
+              <a:rPr kumimoji="1" lang="en-US" altLang="ja-JP" sz="1400" dirty="0"/>
+              <a:t>(?)</a:t>
+            </a:r>
+            <a:r>
+              <a:rPr lang="ja-JP" altLang="en-US" sz="1400" dirty="0"/>
+              <a:t>内部状態リセットなどに使用する。</a:t>
+            </a:r>
+            <a:endParaRPr kumimoji="1" lang="en-US" altLang="ja-JP" sz="1400" dirty="0"/>
+          </a:p>
+          <a:p>
+            <a:pPr marL="0" indent="0">
+              <a:buNone/>
+            </a:pPr>
+            <a:endParaRPr kumimoji="1" lang="en-US" altLang="ja-JP" sz="1400" dirty="0"/>
+          </a:p>
+          <a:p>
+            <a:pPr marL="0" indent="0">
+              <a:buNone/>
+            </a:pPr>
+            <a:r>
+              <a:rPr lang="en-US" altLang="ja-JP" sz="1400" dirty="0"/>
+              <a:t>D2M</a:t>
+            </a:r>
+          </a:p>
+          <a:p>
+            <a:pPr marL="0" indent="0">
+              <a:buNone/>
+            </a:pPr>
+            <a:r>
+              <a:rPr lang="ja-JP" altLang="en-US" sz="1400" dirty="0"/>
+              <a:t>・</a:t>
+            </a:r>
+            <a:r>
+              <a:rPr lang="en-US" altLang="ja-JP" sz="1400" dirty="0" err="1"/>
+              <a:t>KeepAlive</a:t>
+            </a:r>
+            <a:endParaRPr lang="en-US" altLang="ja-JP" sz="1400" dirty="0"/>
+          </a:p>
+          <a:p>
+            <a:pPr marL="0" indent="0">
+              <a:buNone/>
+            </a:pPr>
+            <a:r>
+              <a:rPr lang="ja-JP" altLang="en-US" sz="1400" dirty="0"/>
+              <a:t>　→通信正常性チェック</a:t>
+            </a:r>
+            <a:endParaRPr lang="en-US" altLang="ja-JP" sz="1400" dirty="0"/>
+          </a:p>
+          <a:p>
+            <a:pPr marL="0" indent="0">
+              <a:buNone/>
+            </a:pPr>
+            <a:r>
+              <a:rPr lang="ja-JP" altLang="en-US" sz="1400" dirty="0"/>
+              <a:t>・</a:t>
+            </a:r>
+            <a:r>
+              <a:rPr lang="en-US" altLang="ja-JP" sz="1400" dirty="0"/>
+              <a:t>Log(string)</a:t>
+            </a:r>
+          </a:p>
+          <a:p>
+            <a:pPr marL="0" indent="0">
+              <a:buNone/>
+            </a:pPr>
+            <a:r>
+              <a:rPr lang="ja-JP" altLang="en-US" sz="1400" dirty="0"/>
+              <a:t>　→ログ情報</a:t>
+            </a:r>
+            <a:endParaRPr lang="en-US" altLang="ja-JP" sz="1400" dirty="0"/>
+          </a:p>
+          <a:p>
+            <a:pPr marL="0" indent="0">
+              <a:buNone/>
+            </a:pPr>
+            <a:r>
+              <a:rPr lang="ja-JP" altLang="en-US" sz="1400" dirty="0"/>
+              <a:t>・</a:t>
+            </a:r>
+            <a:r>
+              <a:rPr lang="en-US" altLang="ja-JP" sz="1400" dirty="0"/>
+              <a:t>Res(</a:t>
+            </a:r>
+            <a:r>
+              <a:rPr lang="en-US" altLang="ja-JP" sz="1400" dirty="0" err="1"/>
+              <a:t>id,string</a:t>
+            </a:r>
+            <a:r>
+              <a:rPr lang="en-US" altLang="ja-JP" sz="1400" dirty="0"/>
+              <a:t>)</a:t>
+            </a:r>
+          </a:p>
+          <a:p>
+            <a:pPr marL="0" indent="0">
+              <a:buNone/>
+            </a:pPr>
+            <a:r>
+              <a:rPr lang="ja-JP" altLang="en-US" sz="1400" dirty="0"/>
+              <a:t>　→コマンド応答</a:t>
+            </a:r>
+            <a:endParaRPr lang="en-US" altLang="ja-JP" sz="1400" dirty="0"/>
+          </a:p>
+        </p:txBody>
+      </p:sp>
+    </p:spTree>
+    <p:extLst>
+      <p:ext uri="{BB962C8B-B14F-4D97-AF65-F5344CB8AC3E}">
+        <p14:creationId xmlns:p14="http://schemas.microsoft.com/office/powerpoint/2010/main" val="2450722401"/>
+      </p:ext>
+    </p:extLst>
+  </p:cSld>
+  <p:clrMapOvr>
+    <a:masterClrMapping/>
+  </p:clrMapOvr>
+</p:sld>
+</file>
+
 <file path=ppt/theme/theme1.xml><?xml version="1.0" encoding="utf-8"?>
 <a:theme xmlns:a="http://schemas.openxmlformats.org/drawingml/2006/main" name="Office テーマ">
   <a:themeElements>

--- a/doc/Architecture.pptx
+++ b/doc/Architecture.pptx
@@ -6,8 +6,6 @@
   </p:sldMasterIdLst>
   <p:sldIdLst>
     <p:sldId id="256" r:id="rId2"/>
-    <p:sldId id="257" r:id="rId3"/>
-    <p:sldId id="258" r:id="rId4"/>
   </p:sldIdLst>
   <p:sldSz cx="12192000" cy="6858000"/>
   <p:notesSz cx="6858000" cy="9144000"/>
@@ -261,7 +259,7 @@
           <a:p>
             <a:fld id="{C780D74B-45A8-4D3F-BD61-B5ACEBD861EB}" type="datetimeFigureOut">
               <a:rPr kumimoji="1" lang="ja-JP" altLang="en-US" smtClean="0"/>
-              <a:t>2020/6/21</a:t>
+              <a:t>2020/6/23</a:t>
             </a:fld>
             <a:endParaRPr kumimoji="1" lang="ja-JP" altLang="en-US"/>
           </a:p>
@@ -491,7 +489,7 @@
           <a:p>
             <a:fld id="{C780D74B-45A8-4D3F-BD61-B5ACEBD861EB}" type="datetimeFigureOut">
               <a:rPr kumimoji="1" lang="ja-JP" altLang="en-US" smtClean="0"/>
-              <a:t>2020/6/21</a:t>
+              <a:t>2020/6/23</a:t>
             </a:fld>
             <a:endParaRPr kumimoji="1" lang="ja-JP" altLang="en-US"/>
           </a:p>
@@ -731,7 +729,7 @@
           <a:p>
             <a:fld id="{C780D74B-45A8-4D3F-BD61-B5ACEBD861EB}" type="datetimeFigureOut">
               <a:rPr kumimoji="1" lang="ja-JP" altLang="en-US" smtClean="0"/>
-              <a:t>2020/6/21</a:t>
+              <a:t>2020/6/23</a:t>
             </a:fld>
             <a:endParaRPr kumimoji="1" lang="ja-JP" altLang="en-US"/>
           </a:p>
@@ -961,7 +959,7 @@
           <a:p>
             <a:fld id="{C780D74B-45A8-4D3F-BD61-B5ACEBD861EB}" type="datetimeFigureOut">
               <a:rPr kumimoji="1" lang="ja-JP" altLang="en-US" smtClean="0"/>
-              <a:t>2020/6/21</a:t>
+              <a:t>2020/6/23</a:t>
             </a:fld>
             <a:endParaRPr kumimoji="1" lang="ja-JP" altLang="en-US"/>
           </a:p>
@@ -1236,7 +1234,7 @@
           <a:p>
             <a:fld id="{C780D74B-45A8-4D3F-BD61-B5ACEBD861EB}" type="datetimeFigureOut">
               <a:rPr kumimoji="1" lang="ja-JP" altLang="en-US" smtClean="0"/>
-              <a:t>2020/6/21</a:t>
+              <a:t>2020/6/23</a:t>
             </a:fld>
             <a:endParaRPr kumimoji="1" lang="ja-JP" altLang="en-US"/>
           </a:p>
@@ -1565,7 +1563,7 @@
           <a:p>
             <a:fld id="{C780D74B-45A8-4D3F-BD61-B5ACEBD861EB}" type="datetimeFigureOut">
               <a:rPr kumimoji="1" lang="ja-JP" altLang="en-US" smtClean="0"/>
-              <a:t>2020/6/21</a:t>
+              <a:t>2020/6/23</a:t>
             </a:fld>
             <a:endParaRPr kumimoji="1" lang="ja-JP" altLang="en-US"/>
           </a:p>
@@ -2041,7 +2039,7 @@
           <a:p>
             <a:fld id="{C780D74B-45A8-4D3F-BD61-B5ACEBD861EB}" type="datetimeFigureOut">
               <a:rPr kumimoji="1" lang="ja-JP" altLang="en-US" smtClean="0"/>
-              <a:t>2020/6/21</a:t>
+              <a:t>2020/6/23</a:t>
             </a:fld>
             <a:endParaRPr kumimoji="1" lang="ja-JP" altLang="en-US"/>
           </a:p>
@@ -2182,7 +2180,7 @@
           <a:p>
             <a:fld id="{C780D74B-45A8-4D3F-BD61-B5ACEBD861EB}" type="datetimeFigureOut">
               <a:rPr kumimoji="1" lang="ja-JP" altLang="en-US" smtClean="0"/>
-              <a:t>2020/6/21</a:t>
+              <a:t>2020/6/23</a:t>
             </a:fld>
             <a:endParaRPr kumimoji="1" lang="ja-JP" altLang="en-US"/>
           </a:p>
@@ -2295,7 +2293,7 @@
           <a:p>
             <a:fld id="{C780D74B-45A8-4D3F-BD61-B5ACEBD861EB}" type="datetimeFigureOut">
               <a:rPr kumimoji="1" lang="ja-JP" altLang="en-US" smtClean="0"/>
-              <a:t>2020/6/21</a:t>
+              <a:t>2020/6/23</a:t>
             </a:fld>
             <a:endParaRPr kumimoji="1" lang="ja-JP" altLang="en-US"/>
           </a:p>
@@ -2638,7 +2636,7 @@
           <a:p>
             <a:fld id="{C780D74B-45A8-4D3F-BD61-B5ACEBD861EB}" type="datetimeFigureOut">
               <a:rPr kumimoji="1" lang="ja-JP" altLang="en-US" smtClean="0"/>
-              <a:t>2020/6/21</a:t>
+              <a:t>2020/6/23</a:t>
             </a:fld>
             <a:endParaRPr kumimoji="1" lang="ja-JP" altLang="en-US"/>
           </a:p>
@@ -2926,7 +2924,7 @@
           <a:p>
             <a:fld id="{C780D74B-45A8-4D3F-BD61-B5ACEBD861EB}" type="datetimeFigureOut">
               <a:rPr kumimoji="1" lang="ja-JP" altLang="en-US" smtClean="0"/>
-              <a:t>2020/6/21</a:t>
+              <a:t>2020/6/23</a:t>
             </a:fld>
             <a:endParaRPr kumimoji="1" lang="ja-JP" altLang="en-US"/>
           </a:p>
@@ -3199,7 +3197,7 @@
           <a:p>
             <a:fld id="{C780D74B-45A8-4D3F-BD61-B5ACEBD861EB}" type="datetimeFigureOut">
               <a:rPr kumimoji="1" lang="ja-JP" altLang="en-US" smtClean="0"/>
-              <a:t>2020/6/21</a:t>
+              <a:t>2020/6/23</a:t>
             </a:fld>
             <a:endParaRPr kumimoji="1" lang="ja-JP" altLang="en-US"/>
           </a:p>
@@ -3741,7 +3739,7 @@
         </p:nvSpPr>
         <p:spPr>
           <a:xfrm>
-            <a:off x="4871557" y="980372"/>
+            <a:off x="4557842" y="977029"/>
             <a:ext cx="3221372" cy="369332"/>
           </a:xfrm>
           <a:prstGeom prst="rect">
@@ -3755,6 +3753,7 @@
           </a:bodyPr>
           <a:lstStyle/>
           <a:p>
+            <a:pPr algn="ctr"/>
             <a:r>
               <a:rPr lang="en-US" altLang="ja-JP" dirty="0">
                 <a:solidFill>
@@ -3789,8 +3788,8 @@
         </p:nvSpPr>
         <p:spPr>
           <a:xfrm>
-            <a:off x="7200552" y="2502017"/>
-            <a:ext cx="1948345" cy="2088858"/>
+            <a:off x="4110253" y="1608586"/>
+            <a:ext cx="4116550" cy="3066142"/>
           </a:xfrm>
           <a:prstGeom prst="rect">
             <a:avLst/>
@@ -3824,18 +3823,12 @@
             <a:pPr algn="ctr"/>
             <a:r>
               <a:rPr kumimoji="1" lang="en-US" altLang="ja-JP" dirty="0"/>
-              <a:t>VMT</a:t>
-            </a:r>
-          </a:p>
-          <a:p>
-            <a:pPr algn="ctr"/>
+              <a:t>VMT </a:t>
+            </a:r>
             <a:r>
               <a:rPr lang="en-US" altLang="ja-JP" dirty="0"/>
-              <a:t>Driver</a:t>
-            </a:r>
-          </a:p>
-          <a:p>
-            <a:pPr algn="ctr"/>
+              <a:t>Driver </a:t>
+            </a:r>
             <a:r>
               <a:rPr kumimoji="1" lang="en-US" altLang="ja-JP" dirty="0"/>
               <a:t>(C++)</a:t>
@@ -3858,8 +3851,8 @@
         </p:nvSpPr>
         <p:spPr>
           <a:xfrm>
-            <a:off x="3102528" y="2474210"/>
-            <a:ext cx="2274815" cy="2088858"/>
+            <a:off x="4110253" y="5054329"/>
+            <a:ext cx="4127382" cy="980372"/>
           </a:xfrm>
           <a:prstGeom prst="rect">
             <a:avLst/>
@@ -3895,85 +3888,19 @@
               <a:rPr kumimoji="1" lang="en-US" altLang="ja-JP" dirty="0"/>
               <a:t>VMT</a:t>
             </a:r>
-          </a:p>
-          <a:p>
-            <a:pPr algn="ctr"/>
+            <a:r>
+              <a:rPr lang="ja-JP" altLang="en-US" dirty="0"/>
+              <a:t> </a:t>
+            </a:r>
             <a:r>
               <a:rPr kumimoji="1" lang="en-US" altLang="ja-JP" dirty="0"/>
-              <a:t>Manager</a:t>
-            </a:r>
-          </a:p>
-          <a:p>
-            <a:pPr algn="ctr"/>
+              <a:t>Manager </a:t>
+            </a:r>
             <a:r>
               <a:rPr lang="en-US" altLang="ja-JP" dirty="0"/>
               <a:t>(C#)</a:t>
             </a:r>
             <a:endParaRPr kumimoji="1" lang="ja-JP" altLang="en-US" dirty="0"/>
-          </a:p>
-        </p:txBody>
-      </p:sp>
-      <p:sp>
-        <p:nvSpPr>
-          <p:cNvPr id="11" name="テキスト ボックス 10">
-            <a:extLst>
-              <a:ext uri="{FF2B5EF4-FFF2-40B4-BE49-F238E27FC236}">
-                <a16:creationId xmlns:a16="http://schemas.microsoft.com/office/drawing/2014/main" id="{99640E6C-F451-4D3F-9422-8801307554D3}"/>
-              </a:ext>
-            </a:extLst>
-          </p:cNvPr>
-          <p:cNvSpPr txBox="1"/>
-          <p:nvPr/>
-        </p:nvSpPr>
-        <p:spPr>
-          <a:xfrm>
-            <a:off x="5607002" y="2904921"/>
-            <a:ext cx="1406551" cy="646331"/>
-          </a:xfrm>
-          <a:prstGeom prst="rect">
-            <a:avLst/>
-          </a:prstGeom>
-          <a:noFill/>
-        </p:spPr>
-        <p:txBody>
-          <a:bodyPr wrap="square" rtlCol="0">
-            <a:spAutoFit/>
-          </a:bodyPr>
-          <a:lstStyle/>
-          <a:p>
-            <a:pPr algn="ctr"/>
-            <a:r>
-              <a:rPr kumimoji="1" lang="en-US" altLang="ja-JP" sz="1200" dirty="0"/>
-              <a:t>Json</a:t>
-            </a:r>
-          </a:p>
-          <a:p>
-            <a:pPr algn="ctr"/>
-            <a:r>
-              <a:rPr lang="en-US" altLang="ja-JP" sz="1200" dirty="0"/>
-              <a:t>On the</a:t>
-            </a:r>
-            <a:endParaRPr kumimoji="1" lang="en-US" altLang="ja-JP" sz="1200" dirty="0"/>
-          </a:p>
-          <a:p>
-            <a:pPr algn="ctr"/>
-            <a:r>
-              <a:rPr kumimoji="1" lang="en-US" altLang="ja-JP" sz="1200" dirty="0"/>
-              <a:t>Share</a:t>
-            </a:r>
-            <a:r>
-              <a:rPr lang="en-US" altLang="ja-JP" sz="1200" dirty="0"/>
-              <a:t>d</a:t>
-            </a:r>
-            <a:r>
-              <a:rPr lang="ja-JP" altLang="en-US" sz="1200" dirty="0"/>
-              <a:t> </a:t>
-            </a:r>
-            <a:r>
-              <a:rPr lang="en-US" altLang="ja-JP" sz="1200" dirty="0"/>
-              <a:t>Memory</a:t>
-            </a:r>
-            <a:endParaRPr kumimoji="1" lang="ja-JP" altLang="en-US" sz="1200" dirty="0"/>
           </a:p>
         </p:txBody>
       </p:sp>
@@ -3988,13 +3915,15 @@
           </p:cNvPr>
           <p:cNvCxnSpPr>
             <a:cxnSpLocks/>
+            <a:stCxn id="7" idx="2"/>
+            <a:endCxn id="8" idx="0"/>
           </p:cNvCxnSpPr>
           <p:nvPr/>
         </p:nvCxnSpPr>
         <p:spPr>
           <a:xfrm>
-            <a:off x="5410899" y="3546446"/>
-            <a:ext cx="1756097" cy="0"/>
+            <a:off x="6168528" y="4674728"/>
+            <a:ext cx="5416" cy="379601"/>
           </a:xfrm>
           <a:prstGeom prst="straightConnector1">
             <a:avLst/>
@@ -4021,66 +3950,22 @@
       </p:cxnSp>
       <p:cxnSp>
         <p:nvCxnSpPr>
-          <p:cNvPr id="15" name="コネクタ: カギ線 14">
-            <a:extLst>
-              <a:ext uri="{FF2B5EF4-FFF2-40B4-BE49-F238E27FC236}">
-                <a16:creationId xmlns:a16="http://schemas.microsoft.com/office/drawing/2014/main" id="{741EB587-32A6-41A0-B6AA-2E05B8C55211}"/>
+          <p:cNvPr id="16" name="直線矢印コネクタ 15">
+            <a:extLst>
+              <a:ext uri="{FF2B5EF4-FFF2-40B4-BE49-F238E27FC236}">
+                <a16:creationId xmlns:a16="http://schemas.microsoft.com/office/drawing/2014/main" id="{D086C509-73AE-47F9-9668-F7449FA7D845}"/>
               </a:ext>
             </a:extLst>
           </p:cNvPr>
           <p:cNvCxnSpPr>
             <a:cxnSpLocks/>
-            <a:stCxn id="8" idx="2"/>
-          </p:cNvCxnSpPr>
-          <p:nvPr/>
-        </p:nvCxnSpPr>
-        <p:spPr>
-          <a:xfrm rot="16200000" flipH="1">
-            <a:off x="7021371" y="1781633"/>
-            <a:ext cx="582764" cy="6145634"/>
-          </a:xfrm>
-          <a:prstGeom prst="bentConnector2">
-            <a:avLst/>
-          </a:prstGeom>
-          <a:ln>
-            <a:headEnd type="triangle"/>
-            <a:tailEnd type="triangle"/>
-          </a:ln>
-        </p:spPr>
-        <p:style>
-          <a:lnRef idx="1">
-            <a:schemeClr val="accent1"/>
-          </a:lnRef>
-          <a:fillRef idx="0">
-            <a:schemeClr val="accent1"/>
-          </a:fillRef>
-          <a:effectRef idx="0">
-            <a:schemeClr val="accent1"/>
-          </a:effectRef>
-          <a:fontRef idx="minor">
-            <a:schemeClr val="tx1"/>
-          </a:fontRef>
-        </p:style>
-      </p:cxnSp>
-      <p:cxnSp>
-        <p:nvCxnSpPr>
-          <p:cNvPr id="16" name="直線矢印コネクタ 15">
-            <a:extLst>
-              <a:ext uri="{FF2B5EF4-FFF2-40B4-BE49-F238E27FC236}">
-                <a16:creationId xmlns:a16="http://schemas.microsoft.com/office/drawing/2014/main" id="{D086C509-73AE-47F9-9668-F7449FA7D845}"/>
-              </a:ext>
-            </a:extLst>
-          </p:cNvPr>
-          <p:cNvCxnSpPr>
-            <a:cxnSpLocks/>
-            <a:stCxn id="7" idx="3"/>
           </p:cNvCxnSpPr>
           <p:nvPr/>
         </p:nvCxnSpPr>
         <p:spPr>
           <a:xfrm>
-            <a:off x="9148897" y="3546446"/>
-            <a:ext cx="1236673" cy="0"/>
+            <a:off x="8226803" y="3141657"/>
+            <a:ext cx="2158767" cy="0"/>
           </a:xfrm>
           <a:prstGeom prst="straightConnector1">
             <a:avLst/>
@@ -4119,7 +4004,7 @@
         </p:nvSpPr>
         <p:spPr>
           <a:xfrm>
-            <a:off x="8947906" y="3056974"/>
+            <a:off x="8537196" y="2679992"/>
             <a:ext cx="1247164" cy="461665"/>
           </a:xfrm>
           <a:prstGeom prst="rect">
@@ -4163,7 +4048,7 @@
         </p:nvSpPr>
         <p:spPr>
           <a:xfrm>
-            <a:off x="6213799" y="5173873"/>
+            <a:off x="8251440" y="5225614"/>
             <a:ext cx="2085361" cy="276999"/>
           </a:xfrm>
           <a:prstGeom prst="rect">
@@ -4187,106 +4072,6 @@
               <a:t>Overlay</a:t>
             </a:r>
             <a:endParaRPr kumimoji="1" lang="ja-JP" altLang="en-US" sz="1200" dirty="0"/>
-          </a:p>
-        </p:txBody>
-      </p:sp>
-      <p:sp>
-        <p:nvSpPr>
-          <p:cNvPr id="31" name="正方形/長方形 30">
-            <a:extLst>
-              <a:ext uri="{FF2B5EF4-FFF2-40B4-BE49-F238E27FC236}">
-                <a16:creationId xmlns:a16="http://schemas.microsoft.com/office/drawing/2014/main" id="{435B21B3-74E2-4ED9-939C-197664C34E2C}"/>
-              </a:ext>
-            </a:extLst>
-          </p:cNvPr>
-          <p:cNvSpPr/>
-          <p:nvPr/>
-        </p:nvSpPr>
-        <p:spPr>
-          <a:xfrm>
-            <a:off x="4871557" y="3276864"/>
-            <a:ext cx="503339" cy="508233"/>
-          </a:xfrm>
-          <a:prstGeom prst="rect">
-            <a:avLst/>
-          </a:prstGeom>
-        </p:spPr>
-        <p:style>
-          <a:lnRef idx="2">
-            <a:schemeClr val="accent1">
-              <a:shade val="50000"/>
-            </a:schemeClr>
-          </a:lnRef>
-          <a:fillRef idx="1">
-            <a:schemeClr val="accent1"/>
-          </a:fillRef>
-          <a:effectRef idx="0">
-            <a:schemeClr val="accent1"/>
-          </a:effectRef>
-          <a:fontRef idx="minor">
-            <a:schemeClr val="lt1"/>
-          </a:fontRef>
-        </p:style>
-        <p:txBody>
-          <a:bodyPr rtlCol="0" anchor="ctr"/>
-          <a:lstStyle/>
-          <a:p>
-            <a:pPr algn="ctr"/>
-            <a:r>
-              <a:rPr kumimoji="1" lang="en-US" altLang="ja-JP" sz="700" dirty="0"/>
-              <a:t>Thread</a:t>
-            </a:r>
-            <a:endParaRPr kumimoji="1" lang="ja-JP" altLang="en-US" sz="700" dirty="0"/>
-          </a:p>
-        </p:txBody>
-      </p:sp>
-      <p:sp>
-        <p:nvSpPr>
-          <p:cNvPr id="32" name="正方形/長方形 31">
-            <a:extLst>
-              <a:ext uri="{FF2B5EF4-FFF2-40B4-BE49-F238E27FC236}">
-                <a16:creationId xmlns:a16="http://schemas.microsoft.com/office/drawing/2014/main" id="{4D927FC9-8F7A-455F-8377-72AB883AD1BB}"/>
-              </a:ext>
-            </a:extLst>
-          </p:cNvPr>
-          <p:cNvSpPr/>
-          <p:nvPr/>
-        </p:nvSpPr>
-        <p:spPr>
-          <a:xfrm>
-            <a:off x="7199506" y="3276865"/>
-            <a:ext cx="493204" cy="508233"/>
-          </a:xfrm>
-          <a:prstGeom prst="rect">
-            <a:avLst/>
-          </a:prstGeom>
-        </p:spPr>
-        <p:style>
-          <a:lnRef idx="2">
-            <a:schemeClr val="accent1">
-              <a:shade val="50000"/>
-            </a:schemeClr>
-          </a:lnRef>
-          <a:fillRef idx="1">
-            <a:schemeClr val="accent1"/>
-          </a:fillRef>
-          <a:effectRef idx="0">
-            <a:schemeClr val="accent1"/>
-          </a:effectRef>
-          <a:fontRef idx="minor">
-            <a:schemeClr val="lt1"/>
-          </a:fontRef>
-        </p:style>
-        <p:txBody>
-          <a:bodyPr rtlCol="0" anchor="ctr"/>
-          <a:lstStyle/>
-          <a:p>
-            <a:pPr algn="ctr"/>
-            <a:r>
-              <a:rPr kumimoji="1" lang="en-US" altLang="ja-JP" sz="700" dirty="0"/>
-              <a:t>Thread</a:t>
-            </a:r>
-            <a:endParaRPr kumimoji="1" lang="ja-JP" altLang="en-US" sz="700" dirty="0"/>
           </a:p>
         </p:txBody>
       </p:sp>
@@ -4358,13 +4143,14 @@
           </p:cNvPr>
           <p:cNvCxnSpPr>
             <a:cxnSpLocks/>
+            <a:endCxn id="7" idx="1"/>
           </p:cNvCxnSpPr>
           <p:nvPr/>
         </p:nvCxnSpPr>
         <p:spPr>
-          <a:xfrm flipV="1">
-            <a:off x="2216796" y="3546446"/>
-            <a:ext cx="885732" cy="1"/>
+          <a:xfrm>
+            <a:off x="2211537" y="3141657"/>
+            <a:ext cx="1898716" cy="0"/>
           </a:xfrm>
           <a:prstGeom prst="straightConnector1">
             <a:avLst/>
@@ -4402,7 +4188,7 @@
         </p:nvSpPr>
         <p:spPr>
           <a:xfrm>
-            <a:off x="1956386" y="3235823"/>
+            <a:off x="2457619" y="2864658"/>
             <a:ext cx="1406551" cy="276999"/>
           </a:xfrm>
           <a:prstGeom prst="rect">
@@ -4425,184 +4211,64 @@
           </a:p>
         </p:txBody>
       </p:sp>
-    </p:spTree>
-    <p:extLst>
-      <p:ext uri="{BB962C8B-B14F-4D97-AF65-F5344CB8AC3E}">
-        <p14:creationId xmlns:p14="http://schemas.microsoft.com/office/powerpoint/2010/main" val="2175406848"/>
-      </p:ext>
-    </p:extLst>
-  </p:cSld>
-  <p:clrMapOvr>
-    <a:masterClrMapping/>
-  </p:clrMapOvr>
-</p:sld>
-</file>
-
-<file path=ppt/slides/slide2.xml><?xml version="1.0" encoding="utf-8"?>
-<p:sld xmlns:a="http://schemas.openxmlformats.org/drawingml/2006/main" xmlns:r="http://schemas.openxmlformats.org/officeDocument/2006/relationships" xmlns:p="http://schemas.openxmlformats.org/presentationml/2006/main">
-  <p:cSld>
-    <p:spTree>
-      <p:nvGrpSpPr>
-        <p:cNvPr id="1" name=""/>
-        <p:cNvGrpSpPr/>
-        <p:nvPr/>
-      </p:nvGrpSpPr>
-      <p:grpSpPr>
-        <a:xfrm>
-          <a:off x="0" y="0"/>
-          <a:ext cx="0" cy="0"/>
-          <a:chOff x="0" y="0"/>
-          <a:chExt cx="0" cy="0"/>
-        </a:xfrm>
-      </p:grpSpPr>
-      <p:sp>
-        <p:nvSpPr>
-          <p:cNvPr id="2" name="タイトル 1">
-            <a:extLst>
-              <a:ext uri="{FF2B5EF4-FFF2-40B4-BE49-F238E27FC236}">
-                <a16:creationId xmlns:a16="http://schemas.microsoft.com/office/drawing/2014/main" id="{00F86F8E-7693-4687-8E94-DD323C3A74AC}"/>
-              </a:ext>
-            </a:extLst>
-          </p:cNvPr>
-          <p:cNvSpPr>
-            <a:spLocks noGrp="1"/>
-          </p:cNvSpPr>
-          <p:nvPr>
-            <p:ph type="title"/>
-          </p:nvPr>
-        </p:nvSpPr>
-        <p:spPr/>
-        <p:txBody>
-          <a:bodyPr/>
-          <a:lstStyle/>
-          <a:p>
-            <a:r>
-              <a:rPr kumimoji="1" lang="ja-JP" altLang="en-US" dirty="0"/>
-              <a:t>画面</a:t>
-            </a:r>
-          </a:p>
-        </p:txBody>
-      </p:sp>
-      <p:sp>
-        <p:nvSpPr>
-          <p:cNvPr id="4" name="正方形/長方形 3">
-            <a:extLst>
-              <a:ext uri="{FF2B5EF4-FFF2-40B4-BE49-F238E27FC236}">
-                <a16:creationId xmlns:a16="http://schemas.microsoft.com/office/drawing/2014/main" id="{E696E59A-EAA2-45BE-813C-35D7BA49EE80}"/>
-              </a:ext>
-            </a:extLst>
-          </p:cNvPr>
-          <p:cNvSpPr/>
+      <p:cxnSp>
+        <p:nvCxnSpPr>
+          <p:cNvPr id="24" name="直線矢印コネクタ 23">
+            <a:extLst>
+              <a:ext uri="{FF2B5EF4-FFF2-40B4-BE49-F238E27FC236}">
+                <a16:creationId xmlns:a16="http://schemas.microsoft.com/office/drawing/2014/main" id="{0FD32568-8F5A-4E37-BA27-A98594AD4B9B}"/>
+              </a:ext>
+            </a:extLst>
+          </p:cNvPr>
+          <p:cNvCxnSpPr>
+            <a:cxnSpLocks/>
+          </p:cNvCxnSpPr>
           <p:nvPr/>
-        </p:nvSpPr>
+        </p:nvCxnSpPr>
         <p:spPr>
           <a:xfrm>
-            <a:off x="1342239" y="1690688"/>
-            <a:ext cx="7642370" cy="4701723"/>
+            <a:off x="8212998" y="5544515"/>
+            <a:ext cx="2158767" cy="0"/>
           </a:xfrm>
-          <a:prstGeom prst="rect">
+          <a:prstGeom prst="straightConnector1">
             <a:avLst/>
           </a:prstGeom>
-          <a:noFill/>
           <a:ln>
-            <a:solidFill>
-              <a:schemeClr val="tx1"/>
-            </a:solidFill>
+            <a:headEnd type="triangle"/>
+            <a:tailEnd type="triangle"/>
           </a:ln>
         </p:spPr>
         <p:style>
-          <a:lnRef idx="2">
-            <a:schemeClr val="accent1">
-              <a:shade val="50000"/>
-            </a:schemeClr>
+          <a:lnRef idx="1">
+            <a:schemeClr val="accent1"/>
           </a:lnRef>
-          <a:fillRef idx="1">
+          <a:fillRef idx="0">
             <a:schemeClr val="accent1"/>
           </a:fillRef>
           <a:effectRef idx="0">
             <a:schemeClr val="accent1"/>
           </a:effectRef>
           <a:fontRef idx="minor">
-            <a:schemeClr val="lt1"/>
+            <a:schemeClr val="tx1"/>
           </a:fontRef>
         </p:style>
-        <p:txBody>
-          <a:bodyPr rtlCol="0" anchor="ctr"/>
-          <a:lstStyle/>
-          <a:p>
-            <a:pPr algn="ctr"/>
-            <a:endParaRPr kumimoji="1" lang="ja-JP" altLang="en-US"/>
-          </a:p>
-        </p:txBody>
-      </p:sp>
-      <p:sp>
-        <p:nvSpPr>
-          <p:cNvPr id="5" name="正方形/長方形 4">
-            <a:extLst>
-              <a:ext uri="{FF2B5EF4-FFF2-40B4-BE49-F238E27FC236}">
-                <a16:creationId xmlns:a16="http://schemas.microsoft.com/office/drawing/2014/main" id="{0BD51452-DFC5-4339-83A9-114834A486A2}"/>
-              </a:ext>
-            </a:extLst>
-          </p:cNvPr>
-          <p:cNvSpPr/>
+      </p:cxnSp>
+      <p:sp>
+        <p:nvSpPr>
+          <p:cNvPr id="33" name="テキスト ボックス 32">
+            <a:extLst>
+              <a:ext uri="{FF2B5EF4-FFF2-40B4-BE49-F238E27FC236}">
+                <a16:creationId xmlns:a16="http://schemas.microsoft.com/office/drawing/2014/main" id="{25BB4C13-C01C-4C70-B51F-FC2C5896F477}"/>
+              </a:ext>
+            </a:extLst>
+          </p:cNvPr>
+          <p:cNvSpPr txBox="1"/>
           <p:nvPr/>
         </p:nvSpPr>
         <p:spPr>
           <a:xfrm>
-            <a:off x="1503027" y="1833887"/>
-            <a:ext cx="2698459" cy="841389"/>
-          </a:xfrm>
-          <a:prstGeom prst="rect">
-            <a:avLst/>
-          </a:prstGeom>
-          <a:noFill/>
-          <a:ln>
-            <a:solidFill>
-              <a:schemeClr val="tx1"/>
-            </a:solidFill>
-          </a:ln>
-        </p:spPr>
-        <p:style>
-          <a:lnRef idx="2">
-            <a:schemeClr val="accent1">
-              <a:shade val="50000"/>
-            </a:schemeClr>
-          </a:lnRef>
-          <a:fillRef idx="1">
-            <a:schemeClr val="accent1"/>
-          </a:fillRef>
-          <a:effectRef idx="0">
-            <a:schemeClr val="accent1"/>
-          </a:effectRef>
-          <a:fontRef idx="minor">
-            <a:schemeClr val="lt1"/>
-          </a:fontRef>
-        </p:style>
-        <p:txBody>
-          <a:bodyPr rtlCol="0" anchor="ctr"/>
-          <a:lstStyle/>
-          <a:p>
-            <a:pPr algn="ctr"/>
-            <a:endParaRPr kumimoji="1" lang="ja-JP" altLang="en-US"/>
-          </a:p>
-        </p:txBody>
-      </p:sp>
-      <p:sp>
-        <p:nvSpPr>
-          <p:cNvPr id="6" name="テキスト ボックス 5">
-            <a:extLst>
-              <a:ext uri="{FF2B5EF4-FFF2-40B4-BE49-F238E27FC236}">
-                <a16:creationId xmlns:a16="http://schemas.microsoft.com/office/drawing/2014/main" id="{E077ED25-4C7B-4063-8D9F-A6339419C37C}"/>
-              </a:ext>
-            </a:extLst>
-          </p:cNvPr>
-          <p:cNvSpPr txBox="1"/>
-          <p:nvPr/>
-        </p:nvSpPr>
-        <p:spPr>
-          <a:xfrm>
-            <a:off x="1503028" y="1876049"/>
-            <a:ext cx="1996580" cy="369332"/>
+            <a:off x="5730724" y="4749415"/>
+            <a:ext cx="1406551" cy="276999"/>
           </a:xfrm>
           <a:prstGeom prst="rect">
             <a:avLst/>
@@ -4615,2570 +4281,19 @@
           </a:bodyPr>
           <a:lstStyle/>
           <a:p>
-            <a:r>
-              <a:rPr kumimoji="1" lang="en-US" altLang="ja-JP" dirty="0"/>
-              <a:t>alive: OK</a:t>
-            </a:r>
-            <a:endParaRPr kumimoji="1" lang="ja-JP" altLang="en-US" dirty="0"/>
-          </a:p>
-        </p:txBody>
-      </p:sp>
-      <p:sp>
-        <p:nvSpPr>
-          <p:cNvPr id="7" name="正方形/長方形 6">
-            <a:extLst>
-              <a:ext uri="{FF2B5EF4-FFF2-40B4-BE49-F238E27FC236}">
-                <a16:creationId xmlns:a16="http://schemas.microsoft.com/office/drawing/2014/main" id="{F430068C-7827-49A3-B91E-89866329D41D}"/>
-              </a:ext>
-            </a:extLst>
-          </p:cNvPr>
-          <p:cNvSpPr/>
-          <p:nvPr/>
-        </p:nvSpPr>
-        <p:spPr>
-          <a:xfrm>
-            <a:off x="4313339" y="1833887"/>
-            <a:ext cx="4469934" cy="4432689"/>
-          </a:xfrm>
-          <a:prstGeom prst="rect">
-            <a:avLst/>
-          </a:prstGeom>
-          <a:noFill/>
-          <a:ln>
-            <a:solidFill>
-              <a:schemeClr val="tx1"/>
-            </a:solidFill>
-          </a:ln>
-        </p:spPr>
-        <p:style>
-          <a:lnRef idx="2">
-            <a:schemeClr val="accent1">
-              <a:shade val="50000"/>
-            </a:schemeClr>
-          </a:lnRef>
-          <a:fillRef idx="1">
-            <a:schemeClr val="accent1"/>
-          </a:fillRef>
-          <a:effectRef idx="0">
-            <a:schemeClr val="accent1"/>
-          </a:effectRef>
-          <a:fontRef idx="minor">
-            <a:schemeClr val="lt1"/>
-          </a:fontRef>
-        </p:style>
-        <p:txBody>
-          <a:bodyPr rtlCol="0" anchor="ctr"/>
-          <a:lstStyle/>
-          <a:p>
             <a:pPr algn="ctr"/>
-            <a:endParaRPr kumimoji="1" lang="ja-JP" altLang="en-US"/>
-          </a:p>
-        </p:txBody>
-      </p:sp>
-      <p:sp>
-        <p:nvSpPr>
-          <p:cNvPr id="8" name="テキスト ボックス 7">
-            <a:extLst>
-              <a:ext uri="{FF2B5EF4-FFF2-40B4-BE49-F238E27FC236}">
-                <a16:creationId xmlns:a16="http://schemas.microsoft.com/office/drawing/2014/main" id="{4B4D0336-6106-4937-A4BD-C6805D5CD3C7}"/>
-              </a:ext>
-            </a:extLst>
-          </p:cNvPr>
-          <p:cNvSpPr txBox="1"/>
-          <p:nvPr/>
-        </p:nvSpPr>
-        <p:spPr>
-          <a:xfrm>
-            <a:off x="1503028" y="2268489"/>
-            <a:ext cx="2698459" cy="369332"/>
-          </a:xfrm>
-          <a:prstGeom prst="rect">
-            <a:avLst/>
-          </a:prstGeom>
-          <a:noFill/>
-        </p:spPr>
-        <p:txBody>
-          <a:bodyPr wrap="square" rtlCol="0">
-            <a:spAutoFit/>
-          </a:bodyPr>
-          <a:lstStyle/>
-          <a:p>
-            <a:r>
-              <a:rPr kumimoji="1" lang="en-US" altLang="ja-JP" dirty="0"/>
-              <a:t>Send: 10124 </a:t>
-            </a:r>
-            <a:r>
-              <a:rPr kumimoji="1" lang="en-US" altLang="ja-JP" dirty="0" err="1"/>
-              <a:t>Rcv</a:t>
-            </a:r>
-            <a:r>
-              <a:rPr kumimoji="1" lang="en-US" altLang="ja-JP" dirty="0"/>
-              <a:t>: 9589</a:t>
-            </a:r>
-            <a:endParaRPr kumimoji="1" lang="ja-JP" altLang="en-US" dirty="0"/>
-          </a:p>
-        </p:txBody>
-      </p:sp>
-      <p:sp>
-        <p:nvSpPr>
-          <p:cNvPr id="9" name="正方形/長方形 8">
-            <a:extLst>
-              <a:ext uri="{FF2B5EF4-FFF2-40B4-BE49-F238E27FC236}">
-                <a16:creationId xmlns:a16="http://schemas.microsoft.com/office/drawing/2014/main" id="{F14CD742-7A83-44A6-A9A2-C4560E3BE3AA}"/>
-              </a:ext>
-            </a:extLst>
-          </p:cNvPr>
-          <p:cNvSpPr/>
-          <p:nvPr/>
-        </p:nvSpPr>
-        <p:spPr>
-          <a:xfrm>
-            <a:off x="1503026" y="2794927"/>
-            <a:ext cx="2698459" cy="420695"/>
-          </a:xfrm>
-          <a:prstGeom prst="rect">
-            <a:avLst/>
-          </a:prstGeom>
-          <a:noFill/>
-          <a:ln>
-            <a:solidFill>
-              <a:schemeClr val="tx1"/>
-            </a:solidFill>
-          </a:ln>
-        </p:spPr>
-        <p:style>
-          <a:lnRef idx="2">
-            <a:schemeClr val="accent1">
-              <a:shade val="50000"/>
-            </a:schemeClr>
-          </a:lnRef>
-          <a:fillRef idx="1">
-            <a:schemeClr val="accent1"/>
-          </a:fillRef>
-          <a:effectRef idx="0">
-            <a:schemeClr val="accent1"/>
-          </a:effectRef>
-          <a:fontRef idx="minor">
-            <a:schemeClr val="lt1"/>
-          </a:fontRef>
-        </p:style>
-        <p:txBody>
-          <a:bodyPr rtlCol="0" anchor="ctr"/>
-          <a:lstStyle/>
-          <a:p>
-            <a:pPr algn="ctr"/>
-            <a:endParaRPr kumimoji="1" lang="ja-JP" altLang="en-US"/>
-          </a:p>
-        </p:txBody>
-      </p:sp>
-      <p:sp>
-        <p:nvSpPr>
-          <p:cNvPr id="10" name="テキスト ボックス 9">
-            <a:extLst>
-              <a:ext uri="{FF2B5EF4-FFF2-40B4-BE49-F238E27FC236}">
-                <a16:creationId xmlns:a16="http://schemas.microsoft.com/office/drawing/2014/main" id="{E49D0262-8299-4F1D-83FE-5CBC6D8D9DB9}"/>
-              </a:ext>
-            </a:extLst>
-          </p:cNvPr>
-          <p:cNvSpPr txBox="1"/>
-          <p:nvPr/>
-        </p:nvSpPr>
-        <p:spPr>
-          <a:xfrm>
-            <a:off x="1503026" y="2826271"/>
-            <a:ext cx="2698457" cy="369332"/>
-          </a:xfrm>
-          <a:prstGeom prst="rect">
-            <a:avLst/>
-          </a:prstGeom>
-          <a:noFill/>
-        </p:spPr>
-        <p:txBody>
-          <a:bodyPr wrap="square" rtlCol="0">
-            <a:spAutoFit/>
-          </a:bodyPr>
-          <a:lstStyle/>
-          <a:p>
-            <a:r>
-              <a:rPr kumimoji="1" lang="en-US" altLang="ja-JP" dirty="0" err="1"/>
-              <a:t>TrackerNum</a:t>
-            </a:r>
-            <a:r>
-              <a:rPr kumimoji="1" lang="en-US" altLang="ja-JP" dirty="0"/>
-              <a:t>: </a:t>
-            </a:r>
-            <a:endParaRPr kumimoji="1" lang="ja-JP" altLang="en-US" dirty="0"/>
-          </a:p>
-        </p:txBody>
-      </p:sp>
-      <p:sp>
-        <p:nvSpPr>
-          <p:cNvPr id="11" name="正方形/長方形 10">
-            <a:extLst>
-              <a:ext uri="{FF2B5EF4-FFF2-40B4-BE49-F238E27FC236}">
-                <a16:creationId xmlns:a16="http://schemas.microsoft.com/office/drawing/2014/main" id="{412B0053-F9EF-406E-92F8-798CDCA88B03}"/>
-              </a:ext>
-            </a:extLst>
-          </p:cNvPr>
-          <p:cNvSpPr/>
-          <p:nvPr/>
-        </p:nvSpPr>
-        <p:spPr>
-          <a:xfrm>
-            <a:off x="3095537" y="2828596"/>
-            <a:ext cx="1031845" cy="314951"/>
-          </a:xfrm>
-          <a:prstGeom prst="rect">
-            <a:avLst/>
-          </a:prstGeom>
-          <a:solidFill>
-            <a:schemeClr val="bg2"/>
-          </a:solidFill>
-          <a:ln>
-            <a:solidFill>
-              <a:schemeClr val="tx1"/>
-            </a:solidFill>
-          </a:ln>
-        </p:spPr>
-        <p:style>
-          <a:lnRef idx="2">
-            <a:schemeClr val="accent1">
-              <a:shade val="50000"/>
-            </a:schemeClr>
-          </a:lnRef>
-          <a:fillRef idx="1">
-            <a:schemeClr val="accent1"/>
-          </a:fillRef>
-          <a:effectRef idx="0">
-            <a:schemeClr val="accent1"/>
-          </a:effectRef>
-          <a:fontRef idx="minor">
-            <a:schemeClr val="lt1"/>
-          </a:fontRef>
-        </p:style>
-        <p:txBody>
-          <a:bodyPr rtlCol="0" anchor="ctr"/>
-          <a:lstStyle/>
-          <a:p>
-            <a:pPr algn="ctr"/>
-            <a:r>
-              <a:rPr kumimoji="1" lang="en-US" altLang="ja-JP" dirty="0">
-                <a:solidFill>
-                  <a:schemeClr val="tx1"/>
-                </a:solidFill>
-              </a:rPr>
-              <a:t>16</a:t>
-            </a:r>
-            <a:endParaRPr kumimoji="1" lang="ja-JP" altLang="en-US" dirty="0">
-              <a:solidFill>
-                <a:schemeClr val="tx1"/>
-              </a:solidFill>
-            </a:endParaRPr>
-          </a:p>
-        </p:txBody>
-      </p:sp>
-      <p:sp>
-        <p:nvSpPr>
-          <p:cNvPr id="12" name="正方形/長方形 11">
-            <a:extLst>
-              <a:ext uri="{FF2B5EF4-FFF2-40B4-BE49-F238E27FC236}">
-                <a16:creationId xmlns:a16="http://schemas.microsoft.com/office/drawing/2014/main" id="{E9FF3C87-9EE0-4E22-A153-85D9843D2A74}"/>
-              </a:ext>
-            </a:extLst>
-          </p:cNvPr>
-          <p:cNvSpPr/>
-          <p:nvPr/>
-        </p:nvSpPr>
-        <p:spPr>
-          <a:xfrm>
-            <a:off x="1503026" y="3327302"/>
-            <a:ext cx="2698459" cy="841389"/>
-          </a:xfrm>
-          <a:prstGeom prst="rect">
-            <a:avLst/>
-          </a:prstGeom>
-          <a:noFill/>
-          <a:ln>
-            <a:solidFill>
-              <a:schemeClr val="tx1"/>
-            </a:solidFill>
-          </a:ln>
-        </p:spPr>
-        <p:style>
-          <a:lnRef idx="2">
-            <a:schemeClr val="accent1">
-              <a:shade val="50000"/>
-            </a:schemeClr>
-          </a:lnRef>
-          <a:fillRef idx="1">
-            <a:schemeClr val="accent1"/>
-          </a:fillRef>
-          <a:effectRef idx="0">
-            <a:schemeClr val="accent1"/>
-          </a:effectRef>
-          <a:fontRef idx="minor">
-            <a:schemeClr val="lt1"/>
-          </a:fontRef>
-        </p:style>
-        <p:txBody>
-          <a:bodyPr rtlCol="0" anchor="ctr"/>
-          <a:lstStyle/>
-          <a:p>
-            <a:pPr algn="ctr"/>
-            <a:endParaRPr kumimoji="1" lang="ja-JP" altLang="en-US"/>
-          </a:p>
-        </p:txBody>
-      </p:sp>
-      <p:sp>
-        <p:nvSpPr>
-          <p:cNvPr id="13" name="正方形/長方形 12">
-            <a:extLst>
-              <a:ext uri="{FF2B5EF4-FFF2-40B4-BE49-F238E27FC236}">
-                <a16:creationId xmlns:a16="http://schemas.microsoft.com/office/drawing/2014/main" id="{65A25AE0-A421-4A80-B5C6-F6AFEA300D18}"/>
-              </a:ext>
-            </a:extLst>
-          </p:cNvPr>
-          <p:cNvSpPr/>
-          <p:nvPr/>
-        </p:nvSpPr>
-        <p:spPr>
-          <a:xfrm>
-            <a:off x="3095537" y="3781237"/>
-            <a:ext cx="1031845" cy="314951"/>
-          </a:xfrm>
-          <a:prstGeom prst="rect">
-            <a:avLst/>
-          </a:prstGeom>
-          <a:solidFill>
-            <a:schemeClr val="accent3">
-              <a:lumMod val="50000"/>
-            </a:schemeClr>
-          </a:solidFill>
-          <a:ln>
-            <a:solidFill>
-              <a:schemeClr val="tx1"/>
-            </a:solidFill>
-          </a:ln>
-        </p:spPr>
-        <p:style>
-          <a:lnRef idx="2">
-            <a:schemeClr val="accent1">
-              <a:shade val="50000"/>
-            </a:schemeClr>
-          </a:lnRef>
-          <a:fillRef idx="1">
-            <a:schemeClr val="accent1"/>
-          </a:fillRef>
-          <a:effectRef idx="0">
-            <a:schemeClr val="accent1"/>
-          </a:effectRef>
-          <a:fontRef idx="minor">
-            <a:schemeClr val="lt1"/>
-          </a:fontRef>
-        </p:style>
-        <p:txBody>
-          <a:bodyPr rtlCol="0" anchor="ctr"/>
-          <a:lstStyle/>
-          <a:p>
-            <a:pPr algn="ctr"/>
-            <a:r>
-              <a:rPr kumimoji="1" lang="en-US" altLang="ja-JP" dirty="0" err="1">
-                <a:solidFill>
-                  <a:schemeClr val="bg1"/>
-                </a:solidFill>
-              </a:rPr>
-              <a:t>Cls</a:t>
-            </a:r>
-            <a:endParaRPr kumimoji="1" lang="ja-JP" altLang="en-US" dirty="0">
-              <a:solidFill>
-                <a:schemeClr val="bg1"/>
-              </a:solidFill>
-            </a:endParaRPr>
-          </a:p>
-        </p:txBody>
-      </p:sp>
-      <p:sp>
-        <p:nvSpPr>
-          <p:cNvPr id="14" name="テキスト ボックス 13">
-            <a:extLst>
-              <a:ext uri="{FF2B5EF4-FFF2-40B4-BE49-F238E27FC236}">
-                <a16:creationId xmlns:a16="http://schemas.microsoft.com/office/drawing/2014/main" id="{364A53B8-9EAE-46A9-8C9F-5655B6D422E3}"/>
-              </a:ext>
-            </a:extLst>
-          </p:cNvPr>
-          <p:cNvSpPr txBox="1"/>
-          <p:nvPr/>
-        </p:nvSpPr>
-        <p:spPr>
-          <a:xfrm>
-            <a:off x="1503026" y="3349620"/>
-            <a:ext cx="2698457" cy="369332"/>
-          </a:xfrm>
-          <a:prstGeom prst="rect">
-            <a:avLst/>
-          </a:prstGeom>
-          <a:noFill/>
-        </p:spPr>
-        <p:txBody>
-          <a:bodyPr wrap="square" rtlCol="0">
-            <a:spAutoFit/>
-          </a:bodyPr>
-          <a:lstStyle/>
-          <a:p>
-            <a:r>
-              <a:rPr lang="en-US" altLang="ja-JP" dirty="0" err="1"/>
-              <a:t>cmd</a:t>
-            </a:r>
-            <a:r>
-              <a:rPr lang="en-US" altLang="ja-JP" dirty="0"/>
-              <a:t>: </a:t>
-            </a:r>
-            <a:endParaRPr kumimoji="1" lang="ja-JP" altLang="en-US" dirty="0"/>
-          </a:p>
-        </p:txBody>
-      </p:sp>
-      <p:sp>
-        <p:nvSpPr>
-          <p:cNvPr id="15" name="正方形/長方形 14">
-            <a:extLst>
-              <a:ext uri="{FF2B5EF4-FFF2-40B4-BE49-F238E27FC236}">
-                <a16:creationId xmlns:a16="http://schemas.microsoft.com/office/drawing/2014/main" id="{B5911599-2509-4418-942F-62DCC8F219B6}"/>
-              </a:ext>
-            </a:extLst>
-          </p:cNvPr>
-          <p:cNvSpPr/>
-          <p:nvPr/>
-        </p:nvSpPr>
-        <p:spPr>
-          <a:xfrm>
-            <a:off x="2158069" y="3364448"/>
-            <a:ext cx="1969313" cy="314951"/>
-          </a:xfrm>
-          <a:prstGeom prst="rect">
-            <a:avLst/>
-          </a:prstGeom>
-          <a:solidFill>
-            <a:schemeClr val="bg2"/>
-          </a:solidFill>
-          <a:ln>
-            <a:solidFill>
-              <a:schemeClr val="tx1"/>
-            </a:solidFill>
-          </a:ln>
-        </p:spPr>
-        <p:style>
-          <a:lnRef idx="2">
-            <a:schemeClr val="accent1">
-              <a:shade val="50000"/>
-            </a:schemeClr>
-          </a:lnRef>
-          <a:fillRef idx="1">
-            <a:schemeClr val="accent1"/>
-          </a:fillRef>
-          <a:effectRef idx="0">
-            <a:schemeClr val="accent1"/>
-          </a:effectRef>
-          <a:fontRef idx="minor">
-            <a:schemeClr val="lt1"/>
-          </a:fontRef>
-        </p:style>
-        <p:txBody>
-          <a:bodyPr rtlCol="0" anchor="ctr"/>
-          <a:lstStyle/>
-          <a:p>
-            <a:pPr algn="ctr"/>
-            <a:r>
-              <a:rPr kumimoji="1" lang="en-US" altLang="ja-JP" dirty="0">
-                <a:solidFill>
-                  <a:schemeClr val="tx1"/>
-                </a:solidFill>
-              </a:rPr>
-              <a:t>&gt;debug</a:t>
-            </a:r>
-            <a:endParaRPr kumimoji="1" lang="ja-JP" altLang="en-US" dirty="0">
-              <a:solidFill>
-                <a:schemeClr val="tx1"/>
-              </a:solidFill>
-            </a:endParaRPr>
-          </a:p>
-        </p:txBody>
-      </p:sp>
-      <p:sp>
-        <p:nvSpPr>
-          <p:cNvPr id="16" name="正方形/長方形 15">
-            <a:extLst>
-              <a:ext uri="{FF2B5EF4-FFF2-40B4-BE49-F238E27FC236}">
-                <a16:creationId xmlns:a16="http://schemas.microsoft.com/office/drawing/2014/main" id="{1963B74B-7E2A-41F7-B9A6-DF1200AF84E0}"/>
-              </a:ext>
-            </a:extLst>
-          </p:cNvPr>
-          <p:cNvSpPr/>
-          <p:nvPr/>
-        </p:nvSpPr>
-        <p:spPr>
-          <a:xfrm>
-            <a:off x="1532386" y="4273424"/>
-            <a:ext cx="2698459" cy="420695"/>
-          </a:xfrm>
-          <a:prstGeom prst="rect">
-            <a:avLst/>
-          </a:prstGeom>
-          <a:noFill/>
-          <a:ln>
-            <a:solidFill>
-              <a:schemeClr val="tx1"/>
-            </a:solidFill>
-          </a:ln>
-        </p:spPr>
-        <p:style>
-          <a:lnRef idx="2">
-            <a:schemeClr val="accent1">
-              <a:shade val="50000"/>
-            </a:schemeClr>
-          </a:lnRef>
-          <a:fillRef idx="1">
-            <a:schemeClr val="accent1"/>
-          </a:fillRef>
-          <a:effectRef idx="0">
-            <a:schemeClr val="accent1"/>
-          </a:effectRef>
-          <a:fontRef idx="minor">
-            <a:schemeClr val="lt1"/>
-          </a:fontRef>
-        </p:style>
-        <p:txBody>
-          <a:bodyPr rtlCol="0" anchor="ctr"/>
-          <a:lstStyle/>
-          <a:p>
-            <a:pPr algn="ctr"/>
-            <a:endParaRPr kumimoji="1" lang="ja-JP" altLang="en-US"/>
-          </a:p>
-        </p:txBody>
-      </p:sp>
-      <p:sp>
-        <p:nvSpPr>
-          <p:cNvPr id="17" name="テキスト ボックス 16">
-            <a:extLst>
-              <a:ext uri="{FF2B5EF4-FFF2-40B4-BE49-F238E27FC236}">
-                <a16:creationId xmlns:a16="http://schemas.microsoft.com/office/drawing/2014/main" id="{2E293112-347B-4057-B072-D9E494879954}"/>
-              </a:ext>
-            </a:extLst>
-          </p:cNvPr>
-          <p:cNvSpPr txBox="1"/>
-          <p:nvPr/>
-        </p:nvSpPr>
-        <p:spPr>
-          <a:xfrm>
-            <a:off x="1532386" y="4304768"/>
-            <a:ext cx="2698457" cy="369332"/>
-          </a:xfrm>
-          <a:prstGeom prst="rect">
-            <a:avLst/>
-          </a:prstGeom>
-          <a:noFill/>
-        </p:spPr>
-        <p:txBody>
-          <a:bodyPr wrap="square" rtlCol="0">
-            <a:spAutoFit/>
-          </a:bodyPr>
-          <a:lstStyle/>
-          <a:p>
-            <a:r>
-              <a:rPr kumimoji="1" lang="en-US" altLang="ja-JP" dirty="0"/>
-              <a:t>Calibration: </a:t>
-            </a:r>
-            <a:endParaRPr kumimoji="1" lang="ja-JP" altLang="en-US" dirty="0"/>
-          </a:p>
-        </p:txBody>
-      </p:sp>
-      <p:sp>
-        <p:nvSpPr>
-          <p:cNvPr id="19" name="正方形/長方形 18">
-            <a:extLst>
-              <a:ext uri="{FF2B5EF4-FFF2-40B4-BE49-F238E27FC236}">
-                <a16:creationId xmlns:a16="http://schemas.microsoft.com/office/drawing/2014/main" id="{142CA381-E3A9-416C-AE6C-75CB8139AE62}"/>
-              </a:ext>
-            </a:extLst>
-          </p:cNvPr>
-          <p:cNvSpPr/>
-          <p:nvPr/>
-        </p:nvSpPr>
-        <p:spPr>
-          <a:xfrm>
-            <a:off x="3095536" y="4327469"/>
-            <a:ext cx="1031845" cy="314951"/>
-          </a:xfrm>
-          <a:prstGeom prst="rect">
-            <a:avLst/>
-          </a:prstGeom>
-          <a:solidFill>
-            <a:schemeClr val="accent3">
-              <a:lumMod val="50000"/>
-            </a:schemeClr>
-          </a:solidFill>
-          <a:ln>
-            <a:solidFill>
-              <a:schemeClr val="tx1"/>
-            </a:solidFill>
-          </a:ln>
-        </p:spPr>
-        <p:style>
-          <a:lnRef idx="2">
-            <a:schemeClr val="accent1">
-              <a:shade val="50000"/>
-            </a:schemeClr>
-          </a:lnRef>
-          <a:fillRef idx="1">
-            <a:schemeClr val="accent1"/>
-          </a:fillRef>
-          <a:effectRef idx="0">
-            <a:schemeClr val="accent1"/>
-          </a:effectRef>
-          <a:fontRef idx="minor">
-            <a:schemeClr val="lt1"/>
-          </a:fontRef>
-        </p:style>
-        <p:txBody>
-          <a:bodyPr rtlCol="0" anchor="ctr"/>
-          <a:lstStyle/>
-          <a:p>
-            <a:pPr algn="ctr"/>
-            <a:r>
-              <a:rPr kumimoji="1" lang="en-US" altLang="ja-JP" dirty="0">
-                <a:solidFill>
-                  <a:schemeClr val="bg1"/>
-                </a:solidFill>
-              </a:rPr>
-              <a:t>Do</a:t>
-            </a:r>
-            <a:endParaRPr kumimoji="1" lang="ja-JP" altLang="en-US" dirty="0">
-              <a:solidFill>
-                <a:schemeClr val="bg1"/>
-              </a:solidFill>
-            </a:endParaRPr>
-          </a:p>
-        </p:txBody>
-      </p:sp>
-      <p:sp>
-        <p:nvSpPr>
-          <p:cNvPr id="20" name="正方形/長方形 19">
-            <a:extLst>
-              <a:ext uri="{FF2B5EF4-FFF2-40B4-BE49-F238E27FC236}">
-                <a16:creationId xmlns:a16="http://schemas.microsoft.com/office/drawing/2014/main" id="{109F7E48-C493-40E2-A3A7-82C1A8047EE9}"/>
-              </a:ext>
-            </a:extLst>
-          </p:cNvPr>
-          <p:cNvSpPr/>
-          <p:nvPr/>
-        </p:nvSpPr>
-        <p:spPr>
-          <a:xfrm>
-            <a:off x="1530289" y="4788952"/>
-            <a:ext cx="2698459" cy="1540770"/>
-          </a:xfrm>
-          <a:prstGeom prst="rect">
-            <a:avLst/>
-          </a:prstGeom>
-          <a:noFill/>
-          <a:ln>
-            <a:solidFill>
-              <a:schemeClr val="tx1"/>
-            </a:solidFill>
-          </a:ln>
-        </p:spPr>
-        <p:style>
-          <a:lnRef idx="2">
-            <a:schemeClr val="accent1">
-              <a:shade val="50000"/>
-            </a:schemeClr>
-          </a:lnRef>
-          <a:fillRef idx="1">
-            <a:schemeClr val="accent1"/>
-          </a:fillRef>
-          <a:effectRef idx="0">
-            <a:schemeClr val="accent1"/>
-          </a:effectRef>
-          <a:fontRef idx="minor">
-            <a:schemeClr val="lt1"/>
-          </a:fontRef>
-        </p:style>
-        <p:txBody>
-          <a:bodyPr rtlCol="0" anchor="ctr"/>
-          <a:lstStyle/>
-          <a:p>
-            <a:pPr algn="ctr"/>
-            <a:endParaRPr kumimoji="1" lang="ja-JP" altLang="en-US"/>
-          </a:p>
-        </p:txBody>
-      </p:sp>
-      <p:sp>
-        <p:nvSpPr>
-          <p:cNvPr id="21" name="テキスト ボックス 20">
-            <a:extLst>
-              <a:ext uri="{FF2B5EF4-FFF2-40B4-BE49-F238E27FC236}">
-                <a16:creationId xmlns:a16="http://schemas.microsoft.com/office/drawing/2014/main" id="{3C92FD13-885D-47C6-BBA1-D52B1554DCAD}"/>
-              </a:ext>
-            </a:extLst>
-          </p:cNvPr>
-          <p:cNvSpPr txBox="1"/>
-          <p:nvPr/>
-        </p:nvSpPr>
-        <p:spPr>
-          <a:xfrm>
-            <a:off x="1530289" y="4820296"/>
-            <a:ext cx="2698457" cy="369332"/>
-          </a:xfrm>
-          <a:prstGeom prst="rect">
-            <a:avLst/>
-          </a:prstGeom>
-          <a:noFill/>
-        </p:spPr>
-        <p:txBody>
-          <a:bodyPr wrap="square" rtlCol="0">
-            <a:spAutoFit/>
-          </a:bodyPr>
-          <a:lstStyle/>
-          <a:p>
-            <a:r>
-              <a:rPr kumimoji="1" lang="en-US" altLang="ja-JP" dirty="0"/>
-              <a:t>Offset </a:t>
-            </a:r>
-            <a:endParaRPr kumimoji="1" lang="ja-JP" altLang="en-US" dirty="0"/>
-          </a:p>
-        </p:txBody>
-      </p:sp>
-      <p:sp>
-        <p:nvSpPr>
-          <p:cNvPr id="22" name="正方形/長方形 21">
-            <a:extLst>
-              <a:ext uri="{FF2B5EF4-FFF2-40B4-BE49-F238E27FC236}">
-                <a16:creationId xmlns:a16="http://schemas.microsoft.com/office/drawing/2014/main" id="{A925A2D6-80FD-4F2F-81D3-A164B0B6D87C}"/>
-              </a:ext>
-            </a:extLst>
-          </p:cNvPr>
-          <p:cNvSpPr/>
-          <p:nvPr/>
-        </p:nvSpPr>
-        <p:spPr>
-          <a:xfrm>
-            <a:off x="1642146" y="5206955"/>
-            <a:ext cx="1031845" cy="314951"/>
-          </a:xfrm>
-          <a:prstGeom prst="rect">
-            <a:avLst/>
-          </a:prstGeom>
-          <a:solidFill>
-            <a:schemeClr val="bg2"/>
-          </a:solidFill>
-          <a:ln>
-            <a:solidFill>
-              <a:schemeClr val="tx1"/>
-            </a:solidFill>
-          </a:ln>
-        </p:spPr>
-        <p:style>
-          <a:lnRef idx="2">
-            <a:schemeClr val="accent1">
-              <a:shade val="50000"/>
-            </a:schemeClr>
-          </a:lnRef>
-          <a:fillRef idx="1">
-            <a:schemeClr val="accent1"/>
-          </a:fillRef>
-          <a:effectRef idx="0">
-            <a:schemeClr val="accent1"/>
-          </a:effectRef>
-          <a:fontRef idx="minor">
-            <a:schemeClr val="lt1"/>
-          </a:fontRef>
-        </p:style>
-        <p:txBody>
-          <a:bodyPr rtlCol="0" anchor="ctr"/>
-          <a:lstStyle/>
-          <a:p>
-            <a:pPr algn="ctr"/>
-            <a:r>
-              <a:rPr kumimoji="1" lang="en-US" altLang="ja-JP" dirty="0">
-                <a:solidFill>
-                  <a:schemeClr val="tx1"/>
-                </a:solidFill>
-              </a:rPr>
-              <a:t>X</a:t>
-            </a:r>
-            <a:endParaRPr kumimoji="1" lang="ja-JP" altLang="en-US" dirty="0">
-              <a:solidFill>
-                <a:schemeClr val="tx1"/>
-              </a:solidFill>
-            </a:endParaRPr>
-          </a:p>
-        </p:txBody>
-      </p:sp>
-      <p:sp>
-        <p:nvSpPr>
-          <p:cNvPr id="23" name="正方形/長方形 22">
-            <a:extLst>
-              <a:ext uri="{FF2B5EF4-FFF2-40B4-BE49-F238E27FC236}">
-                <a16:creationId xmlns:a16="http://schemas.microsoft.com/office/drawing/2014/main" id="{879C3478-AB4E-4EAE-9D84-06A190401AC9}"/>
-              </a:ext>
-            </a:extLst>
-          </p:cNvPr>
-          <p:cNvSpPr/>
-          <p:nvPr/>
-        </p:nvSpPr>
-        <p:spPr>
-          <a:xfrm>
-            <a:off x="1642144" y="5602199"/>
-            <a:ext cx="1031845" cy="314951"/>
-          </a:xfrm>
-          <a:prstGeom prst="rect">
-            <a:avLst/>
-          </a:prstGeom>
-          <a:solidFill>
-            <a:schemeClr val="bg2"/>
-          </a:solidFill>
-          <a:ln>
-            <a:solidFill>
-              <a:schemeClr val="tx1"/>
-            </a:solidFill>
-          </a:ln>
-        </p:spPr>
-        <p:style>
-          <a:lnRef idx="2">
-            <a:schemeClr val="accent1">
-              <a:shade val="50000"/>
-            </a:schemeClr>
-          </a:lnRef>
-          <a:fillRef idx="1">
-            <a:schemeClr val="accent1"/>
-          </a:fillRef>
-          <a:effectRef idx="0">
-            <a:schemeClr val="accent1"/>
-          </a:effectRef>
-          <a:fontRef idx="minor">
-            <a:schemeClr val="lt1"/>
-          </a:fontRef>
-        </p:style>
-        <p:txBody>
-          <a:bodyPr rtlCol="0" anchor="ctr"/>
-          <a:lstStyle/>
-          <a:p>
-            <a:pPr algn="ctr"/>
-            <a:r>
-              <a:rPr lang="en-US" altLang="ja-JP" dirty="0">
-                <a:solidFill>
-                  <a:schemeClr val="tx1"/>
-                </a:solidFill>
-              </a:rPr>
-              <a:t>Y</a:t>
-            </a:r>
-            <a:endParaRPr kumimoji="1" lang="ja-JP" altLang="en-US" dirty="0">
-              <a:solidFill>
-                <a:schemeClr val="tx1"/>
-              </a:solidFill>
-            </a:endParaRPr>
-          </a:p>
-        </p:txBody>
-      </p:sp>
-      <p:sp>
-        <p:nvSpPr>
-          <p:cNvPr id="24" name="正方形/長方形 23">
-            <a:extLst>
-              <a:ext uri="{FF2B5EF4-FFF2-40B4-BE49-F238E27FC236}">
-                <a16:creationId xmlns:a16="http://schemas.microsoft.com/office/drawing/2014/main" id="{33E1581C-85E9-4938-8E2E-22FF62E26E62}"/>
-              </a:ext>
-            </a:extLst>
-          </p:cNvPr>
-          <p:cNvSpPr/>
-          <p:nvPr/>
-        </p:nvSpPr>
-        <p:spPr>
-          <a:xfrm>
-            <a:off x="1642144" y="5975825"/>
-            <a:ext cx="1031845" cy="314951"/>
-          </a:xfrm>
-          <a:prstGeom prst="rect">
-            <a:avLst/>
-          </a:prstGeom>
-          <a:solidFill>
-            <a:schemeClr val="bg2"/>
-          </a:solidFill>
-          <a:ln>
-            <a:solidFill>
-              <a:schemeClr val="tx1"/>
-            </a:solidFill>
-          </a:ln>
-        </p:spPr>
-        <p:style>
-          <a:lnRef idx="2">
-            <a:schemeClr val="accent1">
-              <a:shade val="50000"/>
-            </a:schemeClr>
-          </a:lnRef>
-          <a:fillRef idx="1">
-            <a:schemeClr val="accent1"/>
-          </a:fillRef>
-          <a:effectRef idx="0">
-            <a:schemeClr val="accent1"/>
-          </a:effectRef>
-          <a:fontRef idx="minor">
-            <a:schemeClr val="lt1"/>
-          </a:fontRef>
-        </p:style>
-        <p:txBody>
-          <a:bodyPr rtlCol="0" anchor="ctr"/>
-          <a:lstStyle/>
-          <a:p>
-            <a:pPr algn="ctr"/>
-            <a:r>
-              <a:rPr kumimoji="1" lang="en-US" altLang="ja-JP" dirty="0">
-                <a:solidFill>
-                  <a:schemeClr val="tx1"/>
-                </a:solidFill>
-              </a:rPr>
-              <a:t>Z</a:t>
-            </a:r>
-            <a:endParaRPr kumimoji="1" lang="ja-JP" altLang="en-US" dirty="0">
-              <a:solidFill>
-                <a:schemeClr val="tx1"/>
-              </a:solidFill>
-            </a:endParaRPr>
-          </a:p>
-        </p:txBody>
-      </p:sp>
-      <p:sp>
-        <p:nvSpPr>
-          <p:cNvPr id="25" name="正方形/長方形 24">
-            <a:extLst>
-              <a:ext uri="{FF2B5EF4-FFF2-40B4-BE49-F238E27FC236}">
-                <a16:creationId xmlns:a16="http://schemas.microsoft.com/office/drawing/2014/main" id="{59A475ED-8BAF-4336-AE82-3AB87AF237B8}"/>
-              </a:ext>
-            </a:extLst>
-          </p:cNvPr>
-          <p:cNvSpPr/>
-          <p:nvPr/>
-        </p:nvSpPr>
-        <p:spPr>
-          <a:xfrm>
-            <a:off x="3095536" y="5206955"/>
-            <a:ext cx="1031845" cy="314951"/>
-          </a:xfrm>
-          <a:prstGeom prst="rect">
-            <a:avLst/>
-          </a:prstGeom>
-          <a:solidFill>
-            <a:schemeClr val="bg2"/>
-          </a:solidFill>
-          <a:ln>
-            <a:solidFill>
-              <a:schemeClr val="tx1"/>
-            </a:solidFill>
-          </a:ln>
-        </p:spPr>
-        <p:style>
-          <a:lnRef idx="2">
-            <a:schemeClr val="accent1">
-              <a:shade val="50000"/>
-            </a:schemeClr>
-          </a:lnRef>
-          <a:fillRef idx="1">
-            <a:schemeClr val="accent1"/>
-          </a:fillRef>
-          <a:effectRef idx="0">
-            <a:schemeClr val="accent1"/>
-          </a:effectRef>
-          <a:fontRef idx="minor">
-            <a:schemeClr val="lt1"/>
-          </a:fontRef>
-        </p:style>
-        <p:txBody>
-          <a:bodyPr rtlCol="0" anchor="ctr"/>
-          <a:lstStyle/>
-          <a:p>
-            <a:pPr algn="ctr"/>
-            <a:r>
-              <a:rPr kumimoji="1" lang="en-US" altLang="ja-JP" dirty="0" err="1">
-                <a:solidFill>
-                  <a:schemeClr val="tx1"/>
-                </a:solidFill>
-              </a:rPr>
-              <a:t>rX</a:t>
-            </a:r>
-            <a:endParaRPr kumimoji="1" lang="ja-JP" altLang="en-US" dirty="0">
-              <a:solidFill>
-                <a:schemeClr val="tx1"/>
-              </a:solidFill>
-            </a:endParaRPr>
-          </a:p>
-        </p:txBody>
-      </p:sp>
-      <p:sp>
-        <p:nvSpPr>
-          <p:cNvPr id="26" name="正方形/長方形 25">
-            <a:extLst>
-              <a:ext uri="{FF2B5EF4-FFF2-40B4-BE49-F238E27FC236}">
-                <a16:creationId xmlns:a16="http://schemas.microsoft.com/office/drawing/2014/main" id="{A6631031-B48F-498E-A726-6A1DB22C6A6D}"/>
-              </a:ext>
-            </a:extLst>
-          </p:cNvPr>
-          <p:cNvSpPr/>
-          <p:nvPr/>
-        </p:nvSpPr>
-        <p:spPr>
-          <a:xfrm>
-            <a:off x="3095534" y="5602199"/>
-            <a:ext cx="1031845" cy="314951"/>
-          </a:xfrm>
-          <a:prstGeom prst="rect">
-            <a:avLst/>
-          </a:prstGeom>
-          <a:solidFill>
-            <a:schemeClr val="bg2"/>
-          </a:solidFill>
-          <a:ln>
-            <a:solidFill>
-              <a:schemeClr val="tx1"/>
-            </a:solidFill>
-          </a:ln>
-        </p:spPr>
-        <p:style>
-          <a:lnRef idx="2">
-            <a:schemeClr val="accent1">
-              <a:shade val="50000"/>
-            </a:schemeClr>
-          </a:lnRef>
-          <a:fillRef idx="1">
-            <a:schemeClr val="accent1"/>
-          </a:fillRef>
-          <a:effectRef idx="0">
-            <a:schemeClr val="accent1"/>
-          </a:effectRef>
-          <a:fontRef idx="minor">
-            <a:schemeClr val="lt1"/>
-          </a:fontRef>
-        </p:style>
-        <p:txBody>
-          <a:bodyPr rtlCol="0" anchor="ctr"/>
-          <a:lstStyle/>
-          <a:p>
-            <a:pPr algn="ctr"/>
-            <a:r>
-              <a:rPr kumimoji="1" lang="en-US" altLang="ja-JP" dirty="0" err="1">
-                <a:solidFill>
-                  <a:schemeClr val="tx1"/>
-                </a:solidFill>
-              </a:rPr>
-              <a:t>rY</a:t>
-            </a:r>
-            <a:endParaRPr kumimoji="1" lang="ja-JP" altLang="en-US" dirty="0">
-              <a:solidFill>
-                <a:schemeClr val="tx1"/>
-              </a:solidFill>
-            </a:endParaRPr>
-          </a:p>
-        </p:txBody>
-      </p:sp>
-      <p:sp>
-        <p:nvSpPr>
-          <p:cNvPr id="27" name="正方形/長方形 26">
-            <a:extLst>
-              <a:ext uri="{FF2B5EF4-FFF2-40B4-BE49-F238E27FC236}">
-                <a16:creationId xmlns:a16="http://schemas.microsoft.com/office/drawing/2014/main" id="{B8F1DBA7-9249-4AE9-B93D-A88602C42A70}"/>
-              </a:ext>
-            </a:extLst>
-          </p:cNvPr>
-          <p:cNvSpPr/>
-          <p:nvPr/>
-        </p:nvSpPr>
-        <p:spPr>
-          <a:xfrm>
-            <a:off x="3095534" y="5975825"/>
-            <a:ext cx="1031845" cy="314951"/>
-          </a:xfrm>
-          <a:prstGeom prst="rect">
-            <a:avLst/>
-          </a:prstGeom>
-          <a:solidFill>
-            <a:schemeClr val="bg2"/>
-          </a:solidFill>
-          <a:ln>
-            <a:solidFill>
-              <a:schemeClr val="tx1"/>
-            </a:solidFill>
-          </a:ln>
-        </p:spPr>
-        <p:style>
-          <a:lnRef idx="2">
-            <a:schemeClr val="accent1">
-              <a:shade val="50000"/>
-            </a:schemeClr>
-          </a:lnRef>
-          <a:fillRef idx="1">
-            <a:schemeClr val="accent1"/>
-          </a:fillRef>
-          <a:effectRef idx="0">
-            <a:schemeClr val="accent1"/>
-          </a:effectRef>
-          <a:fontRef idx="minor">
-            <a:schemeClr val="lt1"/>
-          </a:fontRef>
-        </p:style>
-        <p:txBody>
-          <a:bodyPr rtlCol="0" anchor="ctr"/>
-          <a:lstStyle/>
-          <a:p>
-            <a:pPr algn="ctr"/>
-            <a:r>
-              <a:rPr kumimoji="1" lang="en-US" altLang="ja-JP" dirty="0" err="1">
-                <a:solidFill>
-                  <a:schemeClr val="tx1"/>
-                </a:solidFill>
-              </a:rPr>
-              <a:t>rZ</a:t>
-            </a:r>
-            <a:endParaRPr kumimoji="1" lang="ja-JP" altLang="en-US" dirty="0">
-              <a:solidFill>
-                <a:schemeClr val="tx1"/>
-              </a:solidFill>
-            </a:endParaRPr>
-          </a:p>
-        </p:txBody>
-      </p:sp>
-      <p:sp>
-        <p:nvSpPr>
-          <p:cNvPr id="28" name="正方形/長方形 27">
-            <a:extLst>
-              <a:ext uri="{FF2B5EF4-FFF2-40B4-BE49-F238E27FC236}">
-                <a16:creationId xmlns:a16="http://schemas.microsoft.com/office/drawing/2014/main" id="{A5A93208-FDD4-4B96-A93C-1F97DF290256}"/>
-              </a:ext>
-            </a:extLst>
-          </p:cNvPr>
-          <p:cNvSpPr/>
-          <p:nvPr/>
-        </p:nvSpPr>
-        <p:spPr>
-          <a:xfrm>
-            <a:off x="1642144" y="3775789"/>
-            <a:ext cx="1341540" cy="314951"/>
-          </a:xfrm>
-          <a:prstGeom prst="rect">
-            <a:avLst/>
-          </a:prstGeom>
-          <a:solidFill>
-            <a:schemeClr val="bg2"/>
-          </a:solidFill>
-          <a:ln>
-            <a:solidFill>
-              <a:schemeClr val="tx1"/>
-            </a:solidFill>
-          </a:ln>
-        </p:spPr>
-        <p:style>
-          <a:lnRef idx="2">
-            <a:schemeClr val="accent1">
-              <a:shade val="50000"/>
-            </a:schemeClr>
-          </a:lnRef>
-          <a:fillRef idx="1">
-            <a:schemeClr val="accent1"/>
-          </a:fillRef>
-          <a:effectRef idx="0">
-            <a:schemeClr val="accent1"/>
-          </a:effectRef>
-          <a:fontRef idx="minor">
-            <a:schemeClr val="lt1"/>
-          </a:fontRef>
-        </p:style>
-        <p:txBody>
-          <a:bodyPr rtlCol="0" anchor="ctr"/>
-          <a:lstStyle/>
-          <a:p>
-            <a:pPr algn="ctr"/>
-            <a:r>
-              <a:rPr kumimoji="1" lang="en-US" altLang="ja-JP" dirty="0">
-                <a:solidFill>
-                  <a:schemeClr val="tx1"/>
-                </a:solidFill>
-              </a:rPr>
-              <a:t>OK</a:t>
-            </a:r>
-            <a:endParaRPr kumimoji="1" lang="ja-JP" altLang="en-US" dirty="0">
-              <a:solidFill>
-                <a:schemeClr val="tx1"/>
-              </a:solidFill>
-            </a:endParaRPr>
-          </a:p>
-        </p:txBody>
-      </p:sp>
-      <p:sp>
-        <p:nvSpPr>
-          <p:cNvPr id="29" name="正方形/長方形 28">
-            <a:extLst>
-              <a:ext uri="{FF2B5EF4-FFF2-40B4-BE49-F238E27FC236}">
-                <a16:creationId xmlns:a16="http://schemas.microsoft.com/office/drawing/2014/main" id="{AB8D6784-124B-400E-9A5F-112FB5DD5F96}"/>
-              </a:ext>
-            </a:extLst>
-          </p:cNvPr>
-          <p:cNvSpPr/>
-          <p:nvPr/>
-        </p:nvSpPr>
-        <p:spPr>
-          <a:xfrm>
-            <a:off x="3639425" y="3371453"/>
-            <a:ext cx="487958" cy="314951"/>
-          </a:xfrm>
-          <a:prstGeom prst="rect">
-            <a:avLst/>
-          </a:prstGeom>
-          <a:solidFill>
-            <a:schemeClr val="accent3">
-              <a:lumMod val="50000"/>
-            </a:schemeClr>
-          </a:solidFill>
-          <a:ln>
-            <a:solidFill>
-              <a:schemeClr val="tx1"/>
-            </a:solidFill>
-          </a:ln>
-        </p:spPr>
-        <p:style>
-          <a:lnRef idx="2">
-            <a:schemeClr val="accent1">
-              <a:shade val="50000"/>
-            </a:schemeClr>
-          </a:lnRef>
-          <a:fillRef idx="1">
-            <a:schemeClr val="accent1"/>
-          </a:fillRef>
-          <a:effectRef idx="0">
-            <a:schemeClr val="accent1"/>
-          </a:effectRef>
-          <a:fontRef idx="minor">
-            <a:schemeClr val="lt1"/>
-          </a:fontRef>
-        </p:style>
-        <p:txBody>
-          <a:bodyPr rtlCol="0" anchor="ctr"/>
-          <a:lstStyle/>
-          <a:p>
-            <a:pPr algn="ctr"/>
-            <a:r>
-              <a:rPr kumimoji="1" lang="en-US" altLang="ja-JP" dirty="0">
-                <a:solidFill>
-                  <a:schemeClr val="bg1"/>
-                </a:solidFill>
-              </a:rPr>
-              <a:t>Do</a:t>
-            </a:r>
-            <a:endParaRPr kumimoji="1" lang="ja-JP" altLang="en-US" dirty="0">
-              <a:solidFill>
-                <a:schemeClr val="bg1"/>
-              </a:solidFill>
-            </a:endParaRPr>
-          </a:p>
-        </p:txBody>
-      </p:sp>
-      <p:sp>
-        <p:nvSpPr>
-          <p:cNvPr id="30" name="正方形/長方形 29">
-            <a:extLst>
-              <a:ext uri="{FF2B5EF4-FFF2-40B4-BE49-F238E27FC236}">
-                <a16:creationId xmlns:a16="http://schemas.microsoft.com/office/drawing/2014/main" id="{29FD7C19-B7C7-4F6B-AE9E-D54CFD20947E}"/>
-              </a:ext>
-            </a:extLst>
-          </p:cNvPr>
-          <p:cNvSpPr/>
-          <p:nvPr/>
-        </p:nvSpPr>
-        <p:spPr>
-          <a:xfrm>
-            <a:off x="5146649" y="1978921"/>
-            <a:ext cx="1031845" cy="314951"/>
-          </a:xfrm>
-          <a:prstGeom prst="rect">
-            <a:avLst/>
-          </a:prstGeom>
-          <a:solidFill>
-            <a:schemeClr val="bg2"/>
-          </a:solidFill>
-          <a:ln>
-            <a:solidFill>
-              <a:schemeClr val="tx1"/>
-            </a:solidFill>
-          </a:ln>
-        </p:spPr>
-        <p:style>
-          <a:lnRef idx="2">
-            <a:schemeClr val="accent1">
-              <a:shade val="50000"/>
-            </a:schemeClr>
-          </a:lnRef>
-          <a:fillRef idx="1">
-            <a:schemeClr val="accent1"/>
-          </a:fillRef>
-          <a:effectRef idx="0">
-            <a:schemeClr val="accent1"/>
-          </a:effectRef>
-          <a:fontRef idx="minor">
-            <a:schemeClr val="lt1"/>
-          </a:fontRef>
-        </p:style>
-        <p:txBody>
-          <a:bodyPr rtlCol="0" anchor="ctr"/>
-          <a:lstStyle/>
-          <a:p>
-            <a:pPr algn="ctr"/>
-            <a:r>
-              <a:rPr kumimoji="1" lang="en-US" altLang="ja-JP" dirty="0">
-                <a:solidFill>
-                  <a:schemeClr val="tx1"/>
-                </a:solidFill>
-              </a:rPr>
-              <a:t>X</a:t>
-            </a:r>
-            <a:endParaRPr kumimoji="1" lang="ja-JP" altLang="en-US" dirty="0">
-              <a:solidFill>
-                <a:schemeClr val="tx1"/>
-              </a:solidFill>
-            </a:endParaRPr>
-          </a:p>
-        </p:txBody>
-      </p:sp>
-      <p:sp>
-        <p:nvSpPr>
-          <p:cNvPr id="31" name="テキスト ボックス 30">
-            <a:extLst>
-              <a:ext uri="{FF2B5EF4-FFF2-40B4-BE49-F238E27FC236}">
-                <a16:creationId xmlns:a16="http://schemas.microsoft.com/office/drawing/2014/main" id="{0B5D8569-736B-4169-B4CF-F6B65DFDD59B}"/>
-              </a:ext>
-            </a:extLst>
-          </p:cNvPr>
-          <p:cNvSpPr txBox="1"/>
-          <p:nvPr/>
-        </p:nvSpPr>
-        <p:spPr>
-          <a:xfrm>
-            <a:off x="4362274" y="1951731"/>
-            <a:ext cx="701881" cy="369332"/>
-          </a:xfrm>
-          <a:prstGeom prst="rect">
-            <a:avLst/>
-          </a:prstGeom>
-          <a:noFill/>
-        </p:spPr>
-        <p:txBody>
-          <a:bodyPr wrap="square" rtlCol="0">
-            <a:spAutoFit/>
-          </a:bodyPr>
-          <a:lstStyle/>
-          <a:p>
-            <a:r>
-              <a:rPr kumimoji="1" lang="en-US" altLang="ja-JP" dirty="0"/>
-              <a:t>Tra1 </a:t>
-            </a:r>
-            <a:endParaRPr kumimoji="1" lang="ja-JP" altLang="en-US" dirty="0"/>
-          </a:p>
-        </p:txBody>
-      </p:sp>
-      <p:sp>
-        <p:nvSpPr>
-          <p:cNvPr id="32" name="正方形/長方形 31">
-            <a:extLst>
-              <a:ext uri="{FF2B5EF4-FFF2-40B4-BE49-F238E27FC236}">
-                <a16:creationId xmlns:a16="http://schemas.microsoft.com/office/drawing/2014/main" id="{0C117438-5A7A-46E5-B270-5DB8B773E757}"/>
-              </a:ext>
-            </a:extLst>
-          </p:cNvPr>
-          <p:cNvSpPr/>
-          <p:nvPr/>
-        </p:nvSpPr>
-        <p:spPr>
-          <a:xfrm>
-            <a:off x="6331244" y="1967845"/>
-            <a:ext cx="1031845" cy="314951"/>
-          </a:xfrm>
-          <a:prstGeom prst="rect">
-            <a:avLst/>
-          </a:prstGeom>
-          <a:solidFill>
-            <a:schemeClr val="bg2"/>
-          </a:solidFill>
-          <a:ln>
-            <a:solidFill>
-              <a:schemeClr val="tx1"/>
-            </a:solidFill>
-          </a:ln>
-        </p:spPr>
-        <p:style>
-          <a:lnRef idx="2">
-            <a:schemeClr val="accent1">
-              <a:shade val="50000"/>
-            </a:schemeClr>
-          </a:lnRef>
-          <a:fillRef idx="1">
-            <a:schemeClr val="accent1"/>
-          </a:fillRef>
-          <a:effectRef idx="0">
-            <a:schemeClr val="accent1"/>
-          </a:effectRef>
-          <a:fontRef idx="minor">
-            <a:schemeClr val="lt1"/>
-          </a:fontRef>
-        </p:style>
-        <p:txBody>
-          <a:bodyPr rtlCol="0" anchor="ctr"/>
-          <a:lstStyle/>
-          <a:p>
-            <a:pPr algn="ctr"/>
-            <a:r>
-              <a:rPr kumimoji="1" lang="en-US" altLang="ja-JP" dirty="0">
-                <a:solidFill>
-                  <a:schemeClr val="tx1"/>
-                </a:solidFill>
-              </a:rPr>
-              <a:t>Y</a:t>
-            </a:r>
-            <a:endParaRPr kumimoji="1" lang="ja-JP" altLang="en-US" dirty="0">
-              <a:solidFill>
-                <a:schemeClr val="tx1"/>
-              </a:solidFill>
-            </a:endParaRPr>
-          </a:p>
-        </p:txBody>
-      </p:sp>
-      <p:sp>
-        <p:nvSpPr>
-          <p:cNvPr id="33" name="正方形/長方形 32">
-            <a:extLst>
-              <a:ext uri="{FF2B5EF4-FFF2-40B4-BE49-F238E27FC236}">
-                <a16:creationId xmlns:a16="http://schemas.microsoft.com/office/drawing/2014/main" id="{6FA48131-BFCD-4985-BE34-62F2C1D116BE}"/>
-              </a:ext>
-            </a:extLst>
-          </p:cNvPr>
-          <p:cNvSpPr/>
-          <p:nvPr/>
-        </p:nvSpPr>
-        <p:spPr>
-          <a:xfrm>
-            <a:off x="7598333" y="1978920"/>
-            <a:ext cx="1031845" cy="314951"/>
-          </a:xfrm>
-          <a:prstGeom prst="rect">
-            <a:avLst/>
-          </a:prstGeom>
-          <a:solidFill>
-            <a:schemeClr val="bg2"/>
-          </a:solidFill>
-          <a:ln>
-            <a:solidFill>
-              <a:schemeClr val="tx1"/>
-            </a:solidFill>
-          </a:ln>
-        </p:spPr>
-        <p:style>
-          <a:lnRef idx="2">
-            <a:schemeClr val="accent1">
-              <a:shade val="50000"/>
-            </a:schemeClr>
-          </a:lnRef>
-          <a:fillRef idx="1">
-            <a:schemeClr val="accent1"/>
-          </a:fillRef>
-          <a:effectRef idx="0">
-            <a:schemeClr val="accent1"/>
-          </a:effectRef>
-          <a:fontRef idx="minor">
-            <a:schemeClr val="lt1"/>
-          </a:fontRef>
-        </p:style>
-        <p:txBody>
-          <a:bodyPr rtlCol="0" anchor="ctr"/>
-          <a:lstStyle/>
-          <a:p>
-            <a:pPr algn="ctr"/>
-            <a:r>
-              <a:rPr kumimoji="1" lang="en-US" altLang="ja-JP" dirty="0">
-                <a:solidFill>
-                  <a:schemeClr val="tx1"/>
-                </a:solidFill>
-              </a:rPr>
-              <a:t>Z</a:t>
-            </a:r>
-            <a:endParaRPr kumimoji="1" lang="ja-JP" altLang="en-US" dirty="0">
-              <a:solidFill>
-                <a:schemeClr val="tx1"/>
-              </a:solidFill>
-            </a:endParaRPr>
-          </a:p>
-        </p:txBody>
-      </p:sp>
-      <p:sp>
-        <p:nvSpPr>
-          <p:cNvPr id="34" name="正方形/長方形 33">
-            <a:extLst>
-              <a:ext uri="{FF2B5EF4-FFF2-40B4-BE49-F238E27FC236}">
-                <a16:creationId xmlns:a16="http://schemas.microsoft.com/office/drawing/2014/main" id="{AA8EDCFB-7185-4842-8E72-838B834DF403}"/>
-              </a:ext>
-            </a:extLst>
-          </p:cNvPr>
-          <p:cNvSpPr/>
-          <p:nvPr/>
-        </p:nvSpPr>
-        <p:spPr>
-          <a:xfrm>
-            <a:off x="5146649" y="2363504"/>
-            <a:ext cx="757453" cy="314951"/>
-          </a:xfrm>
-          <a:prstGeom prst="rect">
-            <a:avLst/>
-          </a:prstGeom>
-          <a:solidFill>
-            <a:schemeClr val="bg2"/>
-          </a:solidFill>
-          <a:ln>
-            <a:solidFill>
-              <a:schemeClr val="tx1"/>
-            </a:solidFill>
-          </a:ln>
-        </p:spPr>
-        <p:style>
-          <a:lnRef idx="2">
-            <a:schemeClr val="accent1">
-              <a:shade val="50000"/>
-            </a:schemeClr>
-          </a:lnRef>
-          <a:fillRef idx="1">
-            <a:schemeClr val="accent1"/>
-          </a:fillRef>
-          <a:effectRef idx="0">
-            <a:schemeClr val="accent1"/>
-          </a:effectRef>
-          <a:fontRef idx="minor">
-            <a:schemeClr val="lt1"/>
-          </a:fontRef>
-        </p:style>
-        <p:txBody>
-          <a:bodyPr rtlCol="0" anchor="ctr"/>
-          <a:lstStyle/>
-          <a:p>
-            <a:pPr algn="ctr"/>
-            <a:r>
-              <a:rPr kumimoji="1" lang="en-US" altLang="ja-JP" dirty="0" err="1">
-                <a:solidFill>
-                  <a:schemeClr val="tx1"/>
-                </a:solidFill>
-              </a:rPr>
-              <a:t>qX</a:t>
-            </a:r>
-            <a:endParaRPr kumimoji="1" lang="ja-JP" altLang="en-US" dirty="0">
-              <a:solidFill>
-                <a:schemeClr val="tx1"/>
-              </a:solidFill>
-            </a:endParaRPr>
-          </a:p>
-        </p:txBody>
-      </p:sp>
-      <p:sp>
-        <p:nvSpPr>
-          <p:cNvPr id="35" name="正方形/長方形 34">
-            <a:extLst>
-              <a:ext uri="{FF2B5EF4-FFF2-40B4-BE49-F238E27FC236}">
-                <a16:creationId xmlns:a16="http://schemas.microsoft.com/office/drawing/2014/main" id="{D68E05DD-0AE6-4B86-919B-28782F2139D4}"/>
-              </a:ext>
-            </a:extLst>
-          </p:cNvPr>
-          <p:cNvSpPr/>
-          <p:nvPr/>
-        </p:nvSpPr>
-        <p:spPr>
-          <a:xfrm>
-            <a:off x="6029414" y="2363502"/>
-            <a:ext cx="757453" cy="314951"/>
-          </a:xfrm>
-          <a:prstGeom prst="rect">
-            <a:avLst/>
-          </a:prstGeom>
-          <a:solidFill>
-            <a:schemeClr val="bg2"/>
-          </a:solidFill>
-          <a:ln>
-            <a:solidFill>
-              <a:schemeClr val="tx1"/>
-            </a:solidFill>
-          </a:ln>
-        </p:spPr>
-        <p:style>
-          <a:lnRef idx="2">
-            <a:schemeClr val="accent1">
-              <a:shade val="50000"/>
-            </a:schemeClr>
-          </a:lnRef>
-          <a:fillRef idx="1">
-            <a:schemeClr val="accent1"/>
-          </a:fillRef>
-          <a:effectRef idx="0">
-            <a:schemeClr val="accent1"/>
-          </a:effectRef>
-          <a:fontRef idx="minor">
-            <a:schemeClr val="lt1"/>
-          </a:fontRef>
-        </p:style>
-        <p:txBody>
-          <a:bodyPr rtlCol="0" anchor="ctr"/>
-          <a:lstStyle/>
-          <a:p>
-            <a:pPr algn="ctr"/>
-            <a:r>
-              <a:rPr kumimoji="1" lang="en-US" altLang="ja-JP" dirty="0" err="1">
-                <a:solidFill>
-                  <a:schemeClr val="tx1"/>
-                </a:solidFill>
-              </a:rPr>
-              <a:t>qY</a:t>
-            </a:r>
-            <a:endParaRPr kumimoji="1" lang="ja-JP" altLang="en-US" dirty="0">
-              <a:solidFill>
-                <a:schemeClr val="tx1"/>
-              </a:solidFill>
-            </a:endParaRPr>
-          </a:p>
-        </p:txBody>
-      </p:sp>
-      <p:sp>
-        <p:nvSpPr>
-          <p:cNvPr id="36" name="正方形/長方形 35">
-            <a:extLst>
-              <a:ext uri="{FF2B5EF4-FFF2-40B4-BE49-F238E27FC236}">
-                <a16:creationId xmlns:a16="http://schemas.microsoft.com/office/drawing/2014/main" id="{13EFF3B8-8C43-47A7-B781-FA93822CD8B1}"/>
-              </a:ext>
-            </a:extLst>
-          </p:cNvPr>
-          <p:cNvSpPr/>
-          <p:nvPr/>
-        </p:nvSpPr>
-        <p:spPr>
-          <a:xfrm>
-            <a:off x="6921267" y="2363501"/>
-            <a:ext cx="757453" cy="314951"/>
-          </a:xfrm>
-          <a:prstGeom prst="rect">
-            <a:avLst/>
-          </a:prstGeom>
-          <a:solidFill>
-            <a:schemeClr val="bg2"/>
-          </a:solidFill>
-          <a:ln>
-            <a:solidFill>
-              <a:schemeClr val="tx1"/>
-            </a:solidFill>
-          </a:ln>
-        </p:spPr>
-        <p:style>
-          <a:lnRef idx="2">
-            <a:schemeClr val="accent1">
-              <a:shade val="50000"/>
-            </a:schemeClr>
-          </a:lnRef>
-          <a:fillRef idx="1">
-            <a:schemeClr val="accent1"/>
-          </a:fillRef>
-          <a:effectRef idx="0">
-            <a:schemeClr val="accent1"/>
-          </a:effectRef>
-          <a:fontRef idx="minor">
-            <a:schemeClr val="lt1"/>
-          </a:fontRef>
-        </p:style>
-        <p:txBody>
-          <a:bodyPr rtlCol="0" anchor="ctr"/>
-          <a:lstStyle/>
-          <a:p>
-            <a:pPr algn="ctr"/>
-            <a:r>
-              <a:rPr kumimoji="1" lang="en-US" altLang="ja-JP" dirty="0" err="1">
-                <a:solidFill>
-                  <a:schemeClr val="tx1"/>
-                </a:solidFill>
-              </a:rPr>
-              <a:t>qZ</a:t>
-            </a:r>
-            <a:endParaRPr kumimoji="1" lang="ja-JP" altLang="en-US" dirty="0">
-              <a:solidFill>
-                <a:schemeClr val="tx1"/>
-              </a:solidFill>
-            </a:endParaRPr>
-          </a:p>
-        </p:txBody>
-      </p:sp>
-      <p:sp>
-        <p:nvSpPr>
-          <p:cNvPr id="37" name="正方形/長方形 36">
-            <a:extLst>
-              <a:ext uri="{FF2B5EF4-FFF2-40B4-BE49-F238E27FC236}">
-                <a16:creationId xmlns:a16="http://schemas.microsoft.com/office/drawing/2014/main" id="{CD801225-A2A5-4D28-8421-012831DF8035}"/>
-              </a:ext>
-            </a:extLst>
-          </p:cNvPr>
-          <p:cNvSpPr/>
-          <p:nvPr/>
-        </p:nvSpPr>
-        <p:spPr>
-          <a:xfrm>
-            <a:off x="7813120" y="2367560"/>
-            <a:ext cx="757453" cy="314951"/>
-          </a:xfrm>
-          <a:prstGeom prst="rect">
-            <a:avLst/>
-          </a:prstGeom>
-          <a:solidFill>
-            <a:schemeClr val="bg2"/>
-          </a:solidFill>
-          <a:ln>
-            <a:solidFill>
-              <a:schemeClr val="tx1"/>
-            </a:solidFill>
-          </a:ln>
-        </p:spPr>
-        <p:style>
-          <a:lnRef idx="2">
-            <a:schemeClr val="accent1">
-              <a:shade val="50000"/>
-            </a:schemeClr>
-          </a:lnRef>
-          <a:fillRef idx="1">
-            <a:schemeClr val="accent1"/>
-          </a:fillRef>
-          <a:effectRef idx="0">
-            <a:schemeClr val="accent1"/>
-          </a:effectRef>
-          <a:fontRef idx="minor">
-            <a:schemeClr val="lt1"/>
-          </a:fontRef>
-        </p:style>
-        <p:txBody>
-          <a:bodyPr rtlCol="0" anchor="ctr"/>
-          <a:lstStyle/>
-          <a:p>
-            <a:pPr algn="ctr"/>
-            <a:r>
-              <a:rPr lang="en-US" altLang="ja-JP" dirty="0" err="1">
-                <a:solidFill>
-                  <a:schemeClr val="tx1"/>
-                </a:solidFill>
-              </a:rPr>
-              <a:t>qW</a:t>
-            </a:r>
-            <a:endParaRPr kumimoji="1" lang="ja-JP" altLang="en-US" dirty="0">
-              <a:solidFill>
-                <a:schemeClr val="tx1"/>
-              </a:solidFill>
-            </a:endParaRPr>
-          </a:p>
-        </p:txBody>
-      </p:sp>
-      <p:sp>
-        <p:nvSpPr>
-          <p:cNvPr id="38" name="正方形/長方形 37">
-            <a:extLst>
-              <a:ext uri="{FF2B5EF4-FFF2-40B4-BE49-F238E27FC236}">
-                <a16:creationId xmlns:a16="http://schemas.microsoft.com/office/drawing/2014/main" id="{536C72E1-2CF7-432D-9DA4-8D121F2C6814}"/>
-              </a:ext>
-            </a:extLst>
-          </p:cNvPr>
-          <p:cNvSpPr/>
-          <p:nvPr/>
-        </p:nvSpPr>
-        <p:spPr>
-          <a:xfrm>
-            <a:off x="5146645" y="2828596"/>
-            <a:ext cx="1031845" cy="314951"/>
-          </a:xfrm>
-          <a:prstGeom prst="rect">
-            <a:avLst/>
-          </a:prstGeom>
-          <a:solidFill>
-            <a:schemeClr val="bg2"/>
-          </a:solidFill>
-          <a:ln>
-            <a:solidFill>
-              <a:schemeClr val="tx1"/>
-            </a:solidFill>
-          </a:ln>
-        </p:spPr>
-        <p:style>
-          <a:lnRef idx="2">
-            <a:schemeClr val="accent1">
-              <a:shade val="50000"/>
-            </a:schemeClr>
-          </a:lnRef>
-          <a:fillRef idx="1">
-            <a:schemeClr val="accent1"/>
-          </a:fillRef>
-          <a:effectRef idx="0">
-            <a:schemeClr val="accent1"/>
-          </a:effectRef>
-          <a:fontRef idx="minor">
-            <a:schemeClr val="lt1"/>
-          </a:fontRef>
-        </p:style>
-        <p:txBody>
-          <a:bodyPr rtlCol="0" anchor="ctr"/>
-          <a:lstStyle/>
-          <a:p>
-            <a:pPr algn="ctr"/>
-            <a:r>
-              <a:rPr kumimoji="1" lang="en-US" altLang="ja-JP" dirty="0">
-                <a:solidFill>
-                  <a:schemeClr val="tx1"/>
-                </a:solidFill>
-              </a:rPr>
-              <a:t>X</a:t>
-            </a:r>
-            <a:endParaRPr kumimoji="1" lang="ja-JP" altLang="en-US" dirty="0">
-              <a:solidFill>
-                <a:schemeClr val="tx1"/>
-              </a:solidFill>
-            </a:endParaRPr>
-          </a:p>
-        </p:txBody>
-      </p:sp>
-      <p:sp>
-        <p:nvSpPr>
-          <p:cNvPr id="39" name="テキスト ボックス 38">
-            <a:extLst>
-              <a:ext uri="{FF2B5EF4-FFF2-40B4-BE49-F238E27FC236}">
-                <a16:creationId xmlns:a16="http://schemas.microsoft.com/office/drawing/2014/main" id="{B2A5C020-D14D-4E5A-9B7C-2DBDFFAFDCF3}"/>
-              </a:ext>
-            </a:extLst>
-          </p:cNvPr>
-          <p:cNvSpPr txBox="1"/>
-          <p:nvPr/>
-        </p:nvSpPr>
-        <p:spPr>
-          <a:xfrm>
-            <a:off x="4362270" y="2801406"/>
-            <a:ext cx="701881" cy="369332"/>
-          </a:xfrm>
-          <a:prstGeom prst="rect">
-            <a:avLst/>
-          </a:prstGeom>
-          <a:noFill/>
-        </p:spPr>
-        <p:txBody>
-          <a:bodyPr wrap="square" rtlCol="0">
-            <a:spAutoFit/>
-          </a:bodyPr>
-          <a:lstStyle/>
-          <a:p>
-            <a:r>
-              <a:rPr kumimoji="1" lang="en-US" altLang="ja-JP" dirty="0"/>
-              <a:t>Tra2 </a:t>
-            </a:r>
-            <a:endParaRPr kumimoji="1" lang="ja-JP" altLang="en-US" dirty="0"/>
-          </a:p>
-        </p:txBody>
-      </p:sp>
-      <p:sp>
-        <p:nvSpPr>
-          <p:cNvPr id="40" name="正方形/長方形 39">
-            <a:extLst>
-              <a:ext uri="{FF2B5EF4-FFF2-40B4-BE49-F238E27FC236}">
-                <a16:creationId xmlns:a16="http://schemas.microsoft.com/office/drawing/2014/main" id="{C3654DE7-20C7-4CD5-B02B-1B45EDA28E68}"/>
-              </a:ext>
-            </a:extLst>
-          </p:cNvPr>
-          <p:cNvSpPr/>
-          <p:nvPr/>
-        </p:nvSpPr>
-        <p:spPr>
-          <a:xfrm>
-            <a:off x="6331240" y="2817520"/>
-            <a:ext cx="1031845" cy="314951"/>
-          </a:xfrm>
-          <a:prstGeom prst="rect">
-            <a:avLst/>
-          </a:prstGeom>
-          <a:solidFill>
-            <a:schemeClr val="bg2"/>
-          </a:solidFill>
-          <a:ln>
-            <a:solidFill>
-              <a:schemeClr val="tx1"/>
-            </a:solidFill>
-          </a:ln>
-        </p:spPr>
-        <p:style>
-          <a:lnRef idx="2">
-            <a:schemeClr val="accent1">
-              <a:shade val="50000"/>
-            </a:schemeClr>
-          </a:lnRef>
-          <a:fillRef idx="1">
-            <a:schemeClr val="accent1"/>
-          </a:fillRef>
-          <a:effectRef idx="0">
-            <a:schemeClr val="accent1"/>
-          </a:effectRef>
-          <a:fontRef idx="minor">
-            <a:schemeClr val="lt1"/>
-          </a:fontRef>
-        </p:style>
-        <p:txBody>
-          <a:bodyPr rtlCol="0" anchor="ctr"/>
-          <a:lstStyle/>
-          <a:p>
-            <a:pPr algn="ctr"/>
-            <a:r>
-              <a:rPr kumimoji="1" lang="en-US" altLang="ja-JP" dirty="0">
-                <a:solidFill>
-                  <a:schemeClr val="tx1"/>
-                </a:solidFill>
-              </a:rPr>
-              <a:t>Y</a:t>
-            </a:r>
-            <a:endParaRPr kumimoji="1" lang="ja-JP" altLang="en-US" dirty="0">
-              <a:solidFill>
-                <a:schemeClr val="tx1"/>
-              </a:solidFill>
-            </a:endParaRPr>
-          </a:p>
-        </p:txBody>
-      </p:sp>
-      <p:sp>
-        <p:nvSpPr>
-          <p:cNvPr id="41" name="正方形/長方形 40">
-            <a:extLst>
-              <a:ext uri="{FF2B5EF4-FFF2-40B4-BE49-F238E27FC236}">
-                <a16:creationId xmlns:a16="http://schemas.microsoft.com/office/drawing/2014/main" id="{BCEB38F3-87D0-49A8-8CD6-8424D14C1CE2}"/>
-              </a:ext>
-            </a:extLst>
-          </p:cNvPr>
-          <p:cNvSpPr/>
-          <p:nvPr/>
-        </p:nvSpPr>
-        <p:spPr>
-          <a:xfrm>
-            <a:off x="7598329" y="2828595"/>
-            <a:ext cx="1031845" cy="314951"/>
-          </a:xfrm>
-          <a:prstGeom prst="rect">
-            <a:avLst/>
-          </a:prstGeom>
-          <a:solidFill>
-            <a:schemeClr val="bg2"/>
-          </a:solidFill>
-          <a:ln>
-            <a:solidFill>
-              <a:schemeClr val="tx1"/>
-            </a:solidFill>
-          </a:ln>
-        </p:spPr>
-        <p:style>
-          <a:lnRef idx="2">
-            <a:schemeClr val="accent1">
-              <a:shade val="50000"/>
-            </a:schemeClr>
-          </a:lnRef>
-          <a:fillRef idx="1">
-            <a:schemeClr val="accent1"/>
-          </a:fillRef>
-          <a:effectRef idx="0">
-            <a:schemeClr val="accent1"/>
-          </a:effectRef>
-          <a:fontRef idx="minor">
-            <a:schemeClr val="lt1"/>
-          </a:fontRef>
-        </p:style>
-        <p:txBody>
-          <a:bodyPr rtlCol="0" anchor="ctr"/>
-          <a:lstStyle/>
-          <a:p>
-            <a:pPr algn="ctr"/>
-            <a:r>
-              <a:rPr kumimoji="1" lang="en-US" altLang="ja-JP" dirty="0">
-                <a:solidFill>
-                  <a:schemeClr val="tx1"/>
-                </a:solidFill>
-              </a:rPr>
-              <a:t>Z</a:t>
-            </a:r>
-            <a:endParaRPr kumimoji="1" lang="ja-JP" altLang="en-US" dirty="0">
-              <a:solidFill>
-                <a:schemeClr val="tx1"/>
-              </a:solidFill>
-            </a:endParaRPr>
-          </a:p>
-        </p:txBody>
-      </p:sp>
-      <p:sp>
-        <p:nvSpPr>
-          <p:cNvPr id="42" name="正方形/長方形 41">
-            <a:extLst>
-              <a:ext uri="{FF2B5EF4-FFF2-40B4-BE49-F238E27FC236}">
-                <a16:creationId xmlns:a16="http://schemas.microsoft.com/office/drawing/2014/main" id="{6163D6CA-C63A-4D2E-A053-B3DAF4795F20}"/>
-              </a:ext>
-            </a:extLst>
-          </p:cNvPr>
-          <p:cNvSpPr/>
-          <p:nvPr/>
-        </p:nvSpPr>
-        <p:spPr>
-          <a:xfrm>
-            <a:off x="5146645" y="3213179"/>
-            <a:ext cx="757453" cy="314951"/>
-          </a:xfrm>
-          <a:prstGeom prst="rect">
-            <a:avLst/>
-          </a:prstGeom>
-          <a:solidFill>
-            <a:schemeClr val="bg2"/>
-          </a:solidFill>
-          <a:ln>
-            <a:solidFill>
-              <a:schemeClr val="tx1"/>
-            </a:solidFill>
-          </a:ln>
-        </p:spPr>
-        <p:style>
-          <a:lnRef idx="2">
-            <a:schemeClr val="accent1">
-              <a:shade val="50000"/>
-            </a:schemeClr>
-          </a:lnRef>
-          <a:fillRef idx="1">
-            <a:schemeClr val="accent1"/>
-          </a:fillRef>
-          <a:effectRef idx="0">
-            <a:schemeClr val="accent1"/>
-          </a:effectRef>
-          <a:fontRef idx="minor">
-            <a:schemeClr val="lt1"/>
-          </a:fontRef>
-        </p:style>
-        <p:txBody>
-          <a:bodyPr rtlCol="0" anchor="ctr"/>
-          <a:lstStyle/>
-          <a:p>
-            <a:pPr algn="ctr"/>
-            <a:r>
-              <a:rPr kumimoji="1" lang="en-US" altLang="ja-JP" dirty="0" err="1">
-                <a:solidFill>
-                  <a:schemeClr val="tx1"/>
-                </a:solidFill>
-              </a:rPr>
-              <a:t>qX</a:t>
-            </a:r>
-            <a:endParaRPr kumimoji="1" lang="ja-JP" altLang="en-US" dirty="0">
-              <a:solidFill>
-                <a:schemeClr val="tx1"/>
-              </a:solidFill>
-            </a:endParaRPr>
-          </a:p>
-        </p:txBody>
-      </p:sp>
-      <p:sp>
-        <p:nvSpPr>
-          <p:cNvPr id="43" name="正方形/長方形 42">
-            <a:extLst>
-              <a:ext uri="{FF2B5EF4-FFF2-40B4-BE49-F238E27FC236}">
-                <a16:creationId xmlns:a16="http://schemas.microsoft.com/office/drawing/2014/main" id="{C4A6F88E-85E2-4AB7-AFA7-BC47BF000F7B}"/>
-              </a:ext>
-            </a:extLst>
-          </p:cNvPr>
-          <p:cNvSpPr/>
-          <p:nvPr/>
-        </p:nvSpPr>
-        <p:spPr>
-          <a:xfrm>
-            <a:off x="6029410" y="3213177"/>
-            <a:ext cx="757453" cy="314951"/>
-          </a:xfrm>
-          <a:prstGeom prst="rect">
-            <a:avLst/>
-          </a:prstGeom>
-          <a:solidFill>
-            <a:schemeClr val="bg2"/>
-          </a:solidFill>
-          <a:ln>
-            <a:solidFill>
-              <a:schemeClr val="tx1"/>
-            </a:solidFill>
-          </a:ln>
-        </p:spPr>
-        <p:style>
-          <a:lnRef idx="2">
-            <a:schemeClr val="accent1">
-              <a:shade val="50000"/>
-            </a:schemeClr>
-          </a:lnRef>
-          <a:fillRef idx="1">
-            <a:schemeClr val="accent1"/>
-          </a:fillRef>
-          <a:effectRef idx="0">
-            <a:schemeClr val="accent1"/>
-          </a:effectRef>
-          <a:fontRef idx="minor">
-            <a:schemeClr val="lt1"/>
-          </a:fontRef>
-        </p:style>
-        <p:txBody>
-          <a:bodyPr rtlCol="0" anchor="ctr"/>
-          <a:lstStyle/>
-          <a:p>
-            <a:pPr algn="ctr"/>
-            <a:r>
-              <a:rPr kumimoji="1" lang="en-US" altLang="ja-JP" dirty="0" err="1">
-                <a:solidFill>
-                  <a:schemeClr val="tx1"/>
-                </a:solidFill>
-              </a:rPr>
-              <a:t>qY</a:t>
-            </a:r>
-            <a:endParaRPr kumimoji="1" lang="ja-JP" altLang="en-US" dirty="0">
-              <a:solidFill>
-                <a:schemeClr val="tx1"/>
-              </a:solidFill>
-            </a:endParaRPr>
-          </a:p>
-        </p:txBody>
-      </p:sp>
-      <p:sp>
-        <p:nvSpPr>
-          <p:cNvPr id="44" name="正方形/長方形 43">
-            <a:extLst>
-              <a:ext uri="{FF2B5EF4-FFF2-40B4-BE49-F238E27FC236}">
-                <a16:creationId xmlns:a16="http://schemas.microsoft.com/office/drawing/2014/main" id="{76B15D94-3428-45A6-81CA-0701A1ADDA34}"/>
-              </a:ext>
-            </a:extLst>
-          </p:cNvPr>
-          <p:cNvSpPr/>
-          <p:nvPr/>
-        </p:nvSpPr>
-        <p:spPr>
-          <a:xfrm>
-            <a:off x="6921263" y="3213176"/>
-            <a:ext cx="757453" cy="314951"/>
-          </a:xfrm>
-          <a:prstGeom prst="rect">
-            <a:avLst/>
-          </a:prstGeom>
-          <a:solidFill>
-            <a:schemeClr val="bg2"/>
-          </a:solidFill>
-          <a:ln>
-            <a:solidFill>
-              <a:schemeClr val="tx1"/>
-            </a:solidFill>
-          </a:ln>
-        </p:spPr>
-        <p:style>
-          <a:lnRef idx="2">
-            <a:schemeClr val="accent1">
-              <a:shade val="50000"/>
-            </a:schemeClr>
-          </a:lnRef>
-          <a:fillRef idx="1">
-            <a:schemeClr val="accent1"/>
-          </a:fillRef>
-          <a:effectRef idx="0">
-            <a:schemeClr val="accent1"/>
-          </a:effectRef>
-          <a:fontRef idx="minor">
-            <a:schemeClr val="lt1"/>
-          </a:fontRef>
-        </p:style>
-        <p:txBody>
-          <a:bodyPr rtlCol="0" anchor="ctr"/>
-          <a:lstStyle/>
-          <a:p>
-            <a:pPr algn="ctr"/>
-            <a:r>
-              <a:rPr kumimoji="1" lang="en-US" altLang="ja-JP" dirty="0" err="1">
-                <a:solidFill>
-                  <a:schemeClr val="tx1"/>
-                </a:solidFill>
-              </a:rPr>
-              <a:t>qZ</a:t>
-            </a:r>
-            <a:endParaRPr kumimoji="1" lang="ja-JP" altLang="en-US" dirty="0">
-              <a:solidFill>
-                <a:schemeClr val="tx1"/>
-              </a:solidFill>
-            </a:endParaRPr>
-          </a:p>
-        </p:txBody>
-      </p:sp>
-      <p:sp>
-        <p:nvSpPr>
-          <p:cNvPr id="45" name="正方形/長方形 44">
-            <a:extLst>
-              <a:ext uri="{FF2B5EF4-FFF2-40B4-BE49-F238E27FC236}">
-                <a16:creationId xmlns:a16="http://schemas.microsoft.com/office/drawing/2014/main" id="{BB7B0539-D412-43D7-A980-CD102B28D903}"/>
-              </a:ext>
-            </a:extLst>
-          </p:cNvPr>
-          <p:cNvSpPr/>
-          <p:nvPr/>
-        </p:nvSpPr>
-        <p:spPr>
-          <a:xfrm>
-            <a:off x="7813116" y="3217235"/>
-            <a:ext cx="757453" cy="314951"/>
-          </a:xfrm>
-          <a:prstGeom prst="rect">
-            <a:avLst/>
-          </a:prstGeom>
-          <a:solidFill>
-            <a:schemeClr val="bg2"/>
-          </a:solidFill>
-          <a:ln>
-            <a:solidFill>
-              <a:schemeClr val="tx1"/>
-            </a:solidFill>
-          </a:ln>
-        </p:spPr>
-        <p:style>
-          <a:lnRef idx="2">
-            <a:schemeClr val="accent1">
-              <a:shade val="50000"/>
-            </a:schemeClr>
-          </a:lnRef>
-          <a:fillRef idx="1">
-            <a:schemeClr val="accent1"/>
-          </a:fillRef>
-          <a:effectRef idx="0">
-            <a:schemeClr val="accent1"/>
-          </a:effectRef>
-          <a:fontRef idx="minor">
-            <a:schemeClr val="lt1"/>
-          </a:fontRef>
-        </p:style>
-        <p:txBody>
-          <a:bodyPr rtlCol="0" anchor="ctr"/>
-          <a:lstStyle/>
-          <a:p>
-            <a:pPr algn="ctr"/>
-            <a:r>
-              <a:rPr lang="en-US" altLang="ja-JP" dirty="0" err="1">
-                <a:solidFill>
-                  <a:schemeClr val="tx1"/>
-                </a:solidFill>
-              </a:rPr>
-              <a:t>qW</a:t>
-            </a:r>
-            <a:endParaRPr kumimoji="1" lang="ja-JP" altLang="en-US" dirty="0">
-              <a:solidFill>
-                <a:schemeClr val="tx1"/>
-              </a:solidFill>
-            </a:endParaRPr>
-          </a:p>
-        </p:txBody>
-      </p:sp>
-      <p:sp>
-        <p:nvSpPr>
-          <p:cNvPr id="46" name="テキスト ボックス 45">
-            <a:extLst>
-              <a:ext uri="{FF2B5EF4-FFF2-40B4-BE49-F238E27FC236}">
-                <a16:creationId xmlns:a16="http://schemas.microsoft.com/office/drawing/2014/main" id="{0B5CFF34-2F28-4256-9EB2-740D324C6EA0}"/>
-              </a:ext>
-            </a:extLst>
-          </p:cNvPr>
-          <p:cNvSpPr txBox="1"/>
-          <p:nvPr/>
-        </p:nvSpPr>
-        <p:spPr>
-          <a:xfrm>
-            <a:off x="6185484" y="3691498"/>
-            <a:ext cx="2698457" cy="369332"/>
-          </a:xfrm>
-          <a:prstGeom prst="rect">
-            <a:avLst/>
-          </a:prstGeom>
-          <a:noFill/>
-        </p:spPr>
-        <p:txBody>
-          <a:bodyPr wrap="square" rtlCol="0">
-            <a:spAutoFit/>
-          </a:bodyPr>
-          <a:lstStyle/>
-          <a:p>
-            <a:r>
-              <a:rPr lang="ja-JP" altLang="en-US" dirty="0"/>
-              <a:t>・・・</a:t>
-            </a:r>
-            <a:endParaRPr kumimoji="1" lang="ja-JP" altLang="en-US" dirty="0"/>
+            <a:r>
+              <a:rPr kumimoji="1" lang="en-US" altLang="ja-JP" sz="1200" dirty="0"/>
+              <a:t>OSC</a:t>
+            </a:r>
+            <a:endParaRPr kumimoji="1" lang="ja-JP" altLang="en-US" sz="1200" dirty="0"/>
           </a:p>
         </p:txBody>
       </p:sp>
     </p:spTree>
     <p:extLst>
       <p:ext uri="{BB962C8B-B14F-4D97-AF65-F5344CB8AC3E}">
-        <p14:creationId xmlns:p14="http://schemas.microsoft.com/office/powerpoint/2010/main" val="1319047942"/>
-      </p:ext>
-    </p:extLst>
-  </p:cSld>
-  <p:clrMapOvr>
-    <a:masterClrMapping/>
-  </p:clrMapOvr>
-</p:sld>
-</file>
-
-<file path=ppt/slides/slide3.xml><?xml version="1.0" encoding="utf-8"?>
-<p:sld xmlns:a="http://schemas.openxmlformats.org/drawingml/2006/main" xmlns:r="http://schemas.openxmlformats.org/officeDocument/2006/relationships" xmlns:p="http://schemas.openxmlformats.org/presentationml/2006/main">
-  <p:cSld>
-    <p:spTree>
-      <p:nvGrpSpPr>
-        <p:cNvPr id="1" name=""/>
-        <p:cNvGrpSpPr/>
-        <p:nvPr/>
-      </p:nvGrpSpPr>
-      <p:grpSpPr>
-        <a:xfrm>
-          <a:off x="0" y="0"/>
-          <a:ext cx="0" cy="0"/>
-          <a:chOff x="0" y="0"/>
-          <a:chExt cx="0" cy="0"/>
-        </a:xfrm>
-      </p:grpSpPr>
-      <p:sp>
-        <p:nvSpPr>
-          <p:cNvPr id="2" name="タイトル 1">
-            <a:extLst>
-              <a:ext uri="{FF2B5EF4-FFF2-40B4-BE49-F238E27FC236}">
-                <a16:creationId xmlns:a16="http://schemas.microsoft.com/office/drawing/2014/main" id="{8977A695-44D2-4A5D-BBF7-3F24CA3F0C67}"/>
-              </a:ext>
-            </a:extLst>
-          </p:cNvPr>
-          <p:cNvSpPr>
-            <a:spLocks noGrp="1"/>
-          </p:cNvSpPr>
-          <p:nvPr>
-            <p:ph type="title"/>
-          </p:nvPr>
-        </p:nvSpPr>
-        <p:spPr/>
-        <p:txBody>
-          <a:bodyPr/>
-          <a:lstStyle/>
-          <a:p>
-            <a:r>
-              <a:rPr kumimoji="1" lang="ja-JP" altLang="en-US" dirty="0"/>
-              <a:t>通信</a:t>
-            </a:r>
-          </a:p>
-        </p:txBody>
-      </p:sp>
-      <p:sp>
-        <p:nvSpPr>
-          <p:cNvPr id="3" name="コンテンツ プレースホルダー 2">
-            <a:extLst>
-              <a:ext uri="{FF2B5EF4-FFF2-40B4-BE49-F238E27FC236}">
-                <a16:creationId xmlns:a16="http://schemas.microsoft.com/office/drawing/2014/main" id="{5AA0540C-FBDE-4200-9122-00E7CCA978D7}"/>
-              </a:ext>
-            </a:extLst>
-          </p:cNvPr>
-          <p:cNvSpPr>
-            <a:spLocks noGrp="1"/>
-          </p:cNvSpPr>
-          <p:nvPr>
-            <p:ph idx="1"/>
-          </p:nvPr>
-        </p:nvSpPr>
-        <p:spPr/>
-        <p:txBody>
-          <a:bodyPr>
-            <a:normAutofit/>
-          </a:bodyPr>
-          <a:lstStyle/>
-          <a:p>
-            <a:pPr marL="0" indent="0">
-              <a:buNone/>
-            </a:pPr>
-            <a:r>
-              <a:rPr kumimoji="1" lang="en-US" altLang="ja-JP" sz="1400" dirty="0"/>
-              <a:t>M2D</a:t>
-            </a:r>
-          </a:p>
-          <a:p>
-            <a:pPr marL="0" indent="0">
-              <a:buNone/>
-            </a:pPr>
-            <a:r>
-              <a:rPr lang="ja-JP" altLang="en-US" sz="1400" dirty="0"/>
-              <a:t>・</a:t>
-            </a:r>
-            <a:r>
-              <a:rPr lang="en-US" altLang="ja-JP" sz="1400" dirty="0"/>
-              <a:t>Tracker(</a:t>
-            </a:r>
-            <a:r>
-              <a:rPr lang="en-US" altLang="ja-JP" sz="1400" dirty="0" err="1"/>
-              <a:t>idx,pos,rot,enable,type</a:t>
-            </a:r>
-            <a:r>
-              <a:rPr lang="en-US" altLang="ja-JP" sz="1400" dirty="0"/>
-              <a:t>)</a:t>
-            </a:r>
-          </a:p>
-          <a:p>
-            <a:pPr marL="0" indent="0">
-              <a:buNone/>
-            </a:pPr>
-            <a:r>
-              <a:rPr lang="ja-JP" altLang="en-US" sz="1400" dirty="0"/>
-              <a:t>　→姿勢反映に使う。初めて送られてきたトラッカーは登録する</a:t>
-            </a:r>
-            <a:r>
-              <a:rPr lang="en-US" altLang="ja-JP" sz="1400" dirty="0"/>
-              <a:t>(</a:t>
-            </a:r>
-            <a:r>
-              <a:rPr lang="ja-JP" altLang="en-US" sz="1400" dirty="0"/>
-              <a:t>増やす</a:t>
-            </a:r>
-            <a:r>
-              <a:rPr lang="en-US" altLang="ja-JP" sz="1400" dirty="0"/>
-              <a:t>)</a:t>
-            </a:r>
-            <a:r>
-              <a:rPr lang="ja-JP" altLang="en-US" sz="1400" dirty="0"/>
-              <a:t>、その際コントローラなど扱いにできる。</a:t>
-            </a:r>
-            <a:endParaRPr lang="en-US" altLang="ja-JP" sz="1400" dirty="0"/>
-          </a:p>
-          <a:p>
-            <a:pPr marL="0" indent="0">
-              <a:buNone/>
-            </a:pPr>
-            <a:r>
-              <a:rPr lang="ja-JP" altLang="en-US" sz="1400" dirty="0"/>
-              <a:t>・</a:t>
-            </a:r>
-            <a:r>
-              <a:rPr lang="en-US" altLang="ja-JP" sz="1400" dirty="0" err="1"/>
-              <a:t>Cmd</a:t>
-            </a:r>
-            <a:r>
-              <a:rPr lang="en-US" altLang="ja-JP" sz="1400" dirty="0"/>
-              <a:t>(id, string)</a:t>
-            </a:r>
-          </a:p>
-          <a:p>
-            <a:pPr marL="0" indent="0">
-              <a:buNone/>
-            </a:pPr>
-            <a:r>
-              <a:rPr kumimoji="1" lang="ja-JP" altLang="en-US" sz="1400" dirty="0"/>
-              <a:t>　→特殊文字列コマンド</a:t>
-            </a:r>
-            <a:r>
-              <a:rPr kumimoji="1" lang="en-US" altLang="ja-JP" sz="1400" dirty="0"/>
-              <a:t>(?)</a:t>
-            </a:r>
-            <a:r>
-              <a:rPr lang="ja-JP" altLang="en-US" sz="1400" dirty="0"/>
-              <a:t>内部状態リセットなどに使用する。</a:t>
-            </a:r>
-            <a:endParaRPr kumimoji="1" lang="en-US" altLang="ja-JP" sz="1400" dirty="0"/>
-          </a:p>
-          <a:p>
-            <a:pPr marL="0" indent="0">
-              <a:buNone/>
-            </a:pPr>
-            <a:endParaRPr kumimoji="1" lang="en-US" altLang="ja-JP" sz="1400" dirty="0"/>
-          </a:p>
-          <a:p>
-            <a:pPr marL="0" indent="0">
-              <a:buNone/>
-            </a:pPr>
-            <a:r>
-              <a:rPr lang="en-US" altLang="ja-JP" sz="1400" dirty="0"/>
-              <a:t>D2M</a:t>
-            </a:r>
-          </a:p>
-          <a:p>
-            <a:pPr marL="0" indent="0">
-              <a:buNone/>
-            </a:pPr>
-            <a:r>
-              <a:rPr lang="ja-JP" altLang="en-US" sz="1400" dirty="0"/>
-              <a:t>・</a:t>
-            </a:r>
-            <a:r>
-              <a:rPr lang="en-US" altLang="ja-JP" sz="1400" dirty="0" err="1"/>
-              <a:t>KeepAlive</a:t>
-            </a:r>
-            <a:endParaRPr lang="en-US" altLang="ja-JP" sz="1400" dirty="0"/>
-          </a:p>
-          <a:p>
-            <a:pPr marL="0" indent="0">
-              <a:buNone/>
-            </a:pPr>
-            <a:r>
-              <a:rPr lang="ja-JP" altLang="en-US" sz="1400" dirty="0"/>
-              <a:t>　→通信正常性チェック</a:t>
-            </a:r>
-            <a:endParaRPr lang="en-US" altLang="ja-JP" sz="1400" dirty="0"/>
-          </a:p>
-          <a:p>
-            <a:pPr marL="0" indent="0">
-              <a:buNone/>
-            </a:pPr>
-            <a:r>
-              <a:rPr lang="ja-JP" altLang="en-US" sz="1400" dirty="0"/>
-              <a:t>・</a:t>
-            </a:r>
-            <a:r>
-              <a:rPr lang="en-US" altLang="ja-JP" sz="1400" dirty="0"/>
-              <a:t>Log(string)</a:t>
-            </a:r>
-          </a:p>
-          <a:p>
-            <a:pPr marL="0" indent="0">
-              <a:buNone/>
-            </a:pPr>
-            <a:r>
-              <a:rPr lang="ja-JP" altLang="en-US" sz="1400" dirty="0"/>
-              <a:t>　→ログ情報</a:t>
-            </a:r>
-            <a:endParaRPr lang="en-US" altLang="ja-JP" sz="1400" dirty="0"/>
-          </a:p>
-          <a:p>
-            <a:pPr marL="0" indent="0">
-              <a:buNone/>
-            </a:pPr>
-            <a:r>
-              <a:rPr lang="ja-JP" altLang="en-US" sz="1400" dirty="0"/>
-              <a:t>・</a:t>
-            </a:r>
-            <a:r>
-              <a:rPr lang="en-US" altLang="ja-JP" sz="1400" dirty="0"/>
-              <a:t>Res(</a:t>
-            </a:r>
-            <a:r>
-              <a:rPr lang="en-US" altLang="ja-JP" sz="1400" dirty="0" err="1"/>
-              <a:t>id,string</a:t>
-            </a:r>
-            <a:r>
-              <a:rPr lang="en-US" altLang="ja-JP" sz="1400" dirty="0"/>
-              <a:t>)</a:t>
-            </a:r>
-          </a:p>
-          <a:p>
-            <a:pPr marL="0" indent="0">
-              <a:buNone/>
-            </a:pPr>
-            <a:r>
-              <a:rPr lang="ja-JP" altLang="en-US" sz="1400" dirty="0"/>
-              <a:t>　→コマンド応答</a:t>
-            </a:r>
-            <a:endParaRPr lang="en-US" altLang="ja-JP" sz="1400" dirty="0"/>
-          </a:p>
-        </p:txBody>
-      </p:sp>
-    </p:spTree>
-    <p:extLst>
-      <p:ext uri="{BB962C8B-B14F-4D97-AF65-F5344CB8AC3E}">
-        <p14:creationId xmlns:p14="http://schemas.microsoft.com/office/powerpoint/2010/main" val="2450722401"/>
+        <p14:creationId xmlns:p14="http://schemas.microsoft.com/office/powerpoint/2010/main" val="2175406848"/>
       </p:ext>
     </p:extLst>
   </p:cSld>

--- a/doc/Architecture.pptx
+++ b/doc/Architecture.pptx
@@ -259,7 +259,7 @@
           <a:p>
             <a:fld id="{C780D74B-45A8-4D3F-BD61-B5ACEBD861EB}" type="datetimeFigureOut">
               <a:rPr kumimoji="1" lang="ja-JP" altLang="en-US" smtClean="0"/>
-              <a:t>2020/6/23</a:t>
+              <a:t>2020/6/25</a:t>
             </a:fld>
             <a:endParaRPr kumimoji="1" lang="ja-JP" altLang="en-US"/>
           </a:p>
@@ -489,7 +489,7 @@
           <a:p>
             <a:fld id="{C780D74B-45A8-4D3F-BD61-B5ACEBD861EB}" type="datetimeFigureOut">
               <a:rPr kumimoji="1" lang="ja-JP" altLang="en-US" smtClean="0"/>
-              <a:t>2020/6/23</a:t>
+              <a:t>2020/6/25</a:t>
             </a:fld>
             <a:endParaRPr kumimoji="1" lang="ja-JP" altLang="en-US"/>
           </a:p>
@@ -729,7 +729,7 @@
           <a:p>
             <a:fld id="{C780D74B-45A8-4D3F-BD61-B5ACEBD861EB}" type="datetimeFigureOut">
               <a:rPr kumimoji="1" lang="ja-JP" altLang="en-US" smtClean="0"/>
-              <a:t>2020/6/23</a:t>
+              <a:t>2020/6/25</a:t>
             </a:fld>
             <a:endParaRPr kumimoji="1" lang="ja-JP" altLang="en-US"/>
           </a:p>
@@ -959,7 +959,7 @@
           <a:p>
             <a:fld id="{C780D74B-45A8-4D3F-BD61-B5ACEBD861EB}" type="datetimeFigureOut">
               <a:rPr kumimoji="1" lang="ja-JP" altLang="en-US" smtClean="0"/>
-              <a:t>2020/6/23</a:t>
+              <a:t>2020/6/25</a:t>
             </a:fld>
             <a:endParaRPr kumimoji="1" lang="ja-JP" altLang="en-US"/>
           </a:p>
@@ -1234,7 +1234,7 @@
           <a:p>
             <a:fld id="{C780D74B-45A8-4D3F-BD61-B5ACEBD861EB}" type="datetimeFigureOut">
               <a:rPr kumimoji="1" lang="ja-JP" altLang="en-US" smtClean="0"/>
-              <a:t>2020/6/23</a:t>
+              <a:t>2020/6/25</a:t>
             </a:fld>
             <a:endParaRPr kumimoji="1" lang="ja-JP" altLang="en-US"/>
           </a:p>
@@ -1563,7 +1563,7 @@
           <a:p>
             <a:fld id="{C780D74B-45A8-4D3F-BD61-B5ACEBD861EB}" type="datetimeFigureOut">
               <a:rPr kumimoji="1" lang="ja-JP" altLang="en-US" smtClean="0"/>
-              <a:t>2020/6/23</a:t>
+              <a:t>2020/6/25</a:t>
             </a:fld>
             <a:endParaRPr kumimoji="1" lang="ja-JP" altLang="en-US"/>
           </a:p>
@@ -2039,7 +2039,7 @@
           <a:p>
             <a:fld id="{C780D74B-45A8-4D3F-BD61-B5ACEBD861EB}" type="datetimeFigureOut">
               <a:rPr kumimoji="1" lang="ja-JP" altLang="en-US" smtClean="0"/>
-              <a:t>2020/6/23</a:t>
+              <a:t>2020/6/25</a:t>
             </a:fld>
             <a:endParaRPr kumimoji="1" lang="ja-JP" altLang="en-US"/>
           </a:p>
@@ -2180,7 +2180,7 @@
           <a:p>
             <a:fld id="{C780D74B-45A8-4D3F-BD61-B5ACEBD861EB}" type="datetimeFigureOut">
               <a:rPr kumimoji="1" lang="ja-JP" altLang="en-US" smtClean="0"/>
-              <a:t>2020/6/23</a:t>
+              <a:t>2020/6/25</a:t>
             </a:fld>
             <a:endParaRPr kumimoji="1" lang="ja-JP" altLang="en-US"/>
           </a:p>
@@ -2293,7 +2293,7 @@
           <a:p>
             <a:fld id="{C780D74B-45A8-4D3F-BD61-B5ACEBD861EB}" type="datetimeFigureOut">
               <a:rPr kumimoji="1" lang="ja-JP" altLang="en-US" smtClean="0"/>
-              <a:t>2020/6/23</a:t>
+              <a:t>2020/6/25</a:t>
             </a:fld>
             <a:endParaRPr kumimoji="1" lang="ja-JP" altLang="en-US"/>
           </a:p>
@@ -2636,7 +2636,7 @@
           <a:p>
             <a:fld id="{C780D74B-45A8-4D3F-BD61-B5ACEBD861EB}" type="datetimeFigureOut">
               <a:rPr kumimoji="1" lang="ja-JP" altLang="en-US" smtClean="0"/>
-              <a:t>2020/6/23</a:t>
+              <a:t>2020/6/25</a:t>
             </a:fld>
             <a:endParaRPr kumimoji="1" lang="ja-JP" altLang="en-US"/>
           </a:p>
@@ -2924,7 +2924,7 @@
           <a:p>
             <a:fld id="{C780D74B-45A8-4D3F-BD61-B5ACEBD861EB}" type="datetimeFigureOut">
               <a:rPr kumimoji="1" lang="ja-JP" altLang="en-US" smtClean="0"/>
-              <a:t>2020/6/23</a:t>
+              <a:t>2020/6/25</a:t>
             </a:fld>
             <a:endParaRPr kumimoji="1" lang="ja-JP" altLang="en-US"/>
           </a:p>
@@ -3197,7 +3197,7 @@
           <a:p>
             <a:fld id="{C780D74B-45A8-4D3F-BD61-B5ACEBD861EB}" type="datetimeFigureOut">
               <a:rPr kumimoji="1" lang="ja-JP" altLang="en-US" smtClean="0"/>
-              <a:t>2020/6/23</a:t>
+              <a:t>2020/6/25</a:t>
             </a:fld>
             <a:endParaRPr kumimoji="1" lang="ja-JP" altLang="en-US"/>
           </a:p>
@@ -4290,6 +4290,148 @@
           </a:p>
         </p:txBody>
       </p:sp>
+      <p:sp>
+        <p:nvSpPr>
+          <p:cNvPr id="2" name="正方形/長方形 1">
+            <a:extLst>
+              <a:ext uri="{FF2B5EF4-FFF2-40B4-BE49-F238E27FC236}">
+                <a16:creationId xmlns:a16="http://schemas.microsoft.com/office/drawing/2014/main" id="{127C1022-772E-4F49-8ED2-ED1347BD79FC}"/>
+              </a:ext>
+            </a:extLst>
+          </p:cNvPr>
+          <p:cNvSpPr/>
+          <p:nvPr/>
+        </p:nvSpPr>
+        <p:spPr>
+          <a:xfrm>
+            <a:off x="2856163" y="3152000"/>
+            <a:ext cx="609462" cy="276999"/>
+          </a:xfrm>
+          <a:prstGeom prst="rect">
+            <a:avLst/>
+          </a:prstGeom>
+        </p:spPr>
+        <p:txBody>
+          <a:bodyPr wrap="none">
+            <a:spAutoFit/>
+          </a:bodyPr>
+          <a:lstStyle/>
+          <a:p>
+            <a:r>
+              <a:rPr lang="ja-JP" altLang="en-US" sz="1200" dirty="0"/>
+              <a:t>39570</a:t>
+            </a:r>
+          </a:p>
+        </p:txBody>
+      </p:sp>
+      <p:sp>
+        <p:nvSpPr>
+          <p:cNvPr id="17" name="正方形/長方形 16">
+            <a:extLst>
+              <a:ext uri="{FF2B5EF4-FFF2-40B4-BE49-F238E27FC236}">
+                <a16:creationId xmlns:a16="http://schemas.microsoft.com/office/drawing/2014/main" id="{A4AC945B-D9A2-4A06-B6E8-05DB0F98165C}"/>
+              </a:ext>
+            </a:extLst>
+          </p:cNvPr>
+          <p:cNvSpPr/>
+          <p:nvPr/>
+        </p:nvSpPr>
+        <p:spPr>
+          <a:xfrm>
+            <a:off x="6662144" y="4760641"/>
+            <a:ext cx="1252266" cy="261610"/>
+          </a:xfrm>
+          <a:prstGeom prst="rect">
+            <a:avLst/>
+          </a:prstGeom>
+        </p:spPr>
+        <p:txBody>
+          <a:bodyPr wrap="none">
+            <a:spAutoFit/>
+          </a:bodyPr>
+          <a:lstStyle/>
+          <a:p>
+            <a:r>
+              <a:rPr lang="ja-JP" altLang="en-US" sz="1100" dirty="0"/>
+              <a:t>↑39570↓3957</a:t>
+            </a:r>
+            <a:r>
+              <a:rPr lang="en-US" altLang="ja-JP" sz="1100" dirty="0"/>
+              <a:t>1</a:t>
+            </a:r>
+            <a:endParaRPr lang="ja-JP" altLang="en-US" sz="1100" dirty="0"/>
+          </a:p>
+        </p:txBody>
+      </p:sp>
+      <p:sp>
+        <p:nvSpPr>
+          <p:cNvPr id="3" name="正方形/長方形 2">
+            <a:extLst>
+              <a:ext uri="{FF2B5EF4-FFF2-40B4-BE49-F238E27FC236}">
+                <a16:creationId xmlns:a16="http://schemas.microsoft.com/office/drawing/2014/main" id="{22026D3D-A64C-42DB-817E-626F98CA44E5}"/>
+              </a:ext>
+            </a:extLst>
+          </p:cNvPr>
+          <p:cNvSpPr/>
+          <p:nvPr/>
+        </p:nvSpPr>
+        <p:spPr>
+          <a:xfrm>
+            <a:off x="5004268" y="4780702"/>
+            <a:ext cx="864339" cy="200055"/>
+          </a:xfrm>
+          <a:prstGeom prst="rect">
+            <a:avLst/>
+          </a:prstGeom>
+        </p:spPr>
+        <p:txBody>
+          <a:bodyPr wrap="none">
+            <a:spAutoFit/>
+          </a:bodyPr>
+          <a:lstStyle/>
+          <a:p>
+            <a:r>
+              <a:rPr lang="ja-JP" altLang="en-US" sz="700" dirty="0"/>
+              <a:t>/SetRoomMatrix</a:t>
+            </a:r>
+          </a:p>
+        </p:txBody>
+      </p:sp>
+      <p:sp>
+        <p:nvSpPr>
+          <p:cNvPr id="20" name="正方形/長方形 19">
+            <a:extLst>
+              <a:ext uri="{FF2B5EF4-FFF2-40B4-BE49-F238E27FC236}">
+                <a16:creationId xmlns:a16="http://schemas.microsoft.com/office/drawing/2014/main" id="{3DAD0941-7BED-463C-90C3-232D599B2521}"/>
+              </a:ext>
+            </a:extLst>
+          </p:cNvPr>
+          <p:cNvSpPr/>
+          <p:nvPr/>
+        </p:nvSpPr>
+        <p:spPr>
+          <a:xfrm>
+            <a:off x="2588572" y="3439361"/>
+            <a:ext cx="1199367" cy="200055"/>
+          </a:xfrm>
+          <a:prstGeom prst="rect">
+            <a:avLst/>
+          </a:prstGeom>
+        </p:spPr>
+        <p:txBody>
+          <a:bodyPr wrap="none">
+            <a:spAutoFit/>
+          </a:bodyPr>
+          <a:lstStyle/>
+          <a:p>
+            <a:r>
+              <a:rPr lang="en-US" altLang="ja-JP" sz="700" dirty="0"/>
+              <a:t>/TrackerPoseRoomUnity</a:t>
+            </a:r>
+            <a:endParaRPr lang="ja-JP" altLang="en-US" sz="700" dirty="0"/>
+          </a:p>
+        </p:txBody>
+      </p:sp>
     </p:spTree>
     <p:extLst>
       <p:ext uri="{BB962C8B-B14F-4D97-AF65-F5344CB8AC3E}">
